--- a/c# 스터디 2주 차.pptx
+++ b/c# 스터디 2주 차.pptx
@@ -2771,7 +2771,7 @@
           <a:p>
             <a:fld id="{2065E873-D5DC-484B-8E24-C588B60C8C93}" type="datetimeFigureOut">
               <a:rPr lang="ko-KR" altLang="en-US" smtClean="0"/>
-              <a:t>2020-02-13</a:t>
+              <a:t>2020-02-26</a:t>
             </a:fld>
             <a:endParaRPr lang="ko-KR" altLang="en-US"/>
           </a:p>
@@ -2969,7 +2969,7 @@
           <a:p>
             <a:fld id="{2065E873-D5DC-484B-8E24-C588B60C8C93}" type="datetimeFigureOut">
               <a:rPr lang="ko-KR" altLang="en-US" smtClean="0"/>
-              <a:t>2020-02-13</a:t>
+              <a:t>2020-02-26</a:t>
             </a:fld>
             <a:endParaRPr lang="ko-KR" altLang="en-US"/>
           </a:p>
@@ -3177,7 +3177,7 @@
           <a:p>
             <a:fld id="{2065E873-D5DC-484B-8E24-C588B60C8C93}" type="datetimeFigureOut">
               <a:rPr lang="ko-KR" altLang="en-US" smtClean="0"/>
-              <a:t>2020-02-13</a:t>
+              <a:t>2020-02-26</a:t>
             </a:fld>
             <a:endParaRPr lang="ko-KR" altLang="en-US"/>
           </a:p>
@@ -3375,7 +3375,7 @@
           <a:p>
             <a:fld id="{2065E873-D5DC-484B-8E24-C588B60C8C93}" type="datetimeFigureOut">
               <a:rPr lang="ko-KR" altLang="en-US" smtClean="0"/>
-              <a:t>2020-02-13</a:t>
+              <a:t>2020-02-26</a:t>
             </a:fld>
             <a:endParaRPr lang="ko-KR" altLang="en-US"/>
           </a:p>
@@ -3650,7 +3650,7 @@
           <a:p>
             <a:fld id="{2065E873-D5DC-484B-8E24-C588B60C8C93}" type="datetimeFigureOut">
               <a:rPr lang="ko-KR" altLang="en-US" smtClean="0"/>
-              <a:t>2020-02-13</a:t>
+              <a:t>2020-02-26</a:t>
             </a:fld>
             <a:endParaRPr lang="ko-KR" altLang="en-US"/>
           </a:p>
@@ -3915,7 +3915,7 @@
           <a:p>
             <a:fld id="{2065E873-D5DC-484B-8E24-C588B60C8C93}" type="datetimeFigureOut">
               <a:rPr lang="ko-KR" altLang="en-US" smtClean="0"/>
-              <a:t>2020-02-13</a:t>
+              <a:t>2020-02-26</a:t>
             </a:fld>
             <a:endParaRPr lang="ko-KR" altLang="en-US"/>
           </a:p>
@@ -4327,7 +4327,7 @@
           <a:p>
             <a:fld id="{2065E873-D5DC-484B-8E24-C588B60C8C93}" type="datetimeFigureOut">
               <a:rPr lang="ko-KR" altLang="en-US" smtClean="0"/>
-              <a:t>2020-02-13</a:t>
+              <a:t>2020-02-26</a:t>
             </a:fld>
             <a:endParaRPr lang="ko-KR" altLang="en-US"/>
           </a:p>
@@ -4468,7 +4468,7 @@
           <a:p>
             <a:fld id="{2065E873-D5DC-484B-8E24-C588B60C8C93}" type="datetimeFigureOut">
               <a:rPr lang="ko-KR" altLang="en-US" smtClean="0"/>
-              <a:t>2020-02-13</a:t>
+              <a:t>2020-02-26</a:t>
             </a:fld>
             <a:endParaRPr lang="ko-KR" altLang="en-US"/>
           </a:p>
@@ -4581,7 +4581,7 @@
           <a:p>
             <a:fld id="{2065E873-D5DC-484B-8E24-C588B60C8C93}" type="datetimeFigureOut">
               <a:rPr lang="ko-KR" altLang="en-US" smtClean="0"/>
-              <a:t>2020-02-13</a:t>
+              <a:t>2020-02-26</a:t>
             </a:fld>
             <a:endParaRPr lang="ko-KR" altLang="en-US"/>
           </a:p>
@@ -4892,7 +4892,7 @@
           <a:p>
             <a:fld id="{2065E873-D5DC-484B-8E24-C588B60C8C93}" type="datetimeFigureOut">
               <a:rPr lang="ko-KR" altLang="en-US" smtClean="0"/>
-              <a:t>2020-02-13</a:t>
+              <a:t>2020-02-26</a:t>
             </a:fld>
             <a:endParaRPr lang="ko-KR" altLang="en-US"/>
           </a:p>
@@ -5180,7 +5180,7 @@
           <a:p>
             <a:fld id="{2065E873-D5DC-484B-8E24-C588B60C8C93}" type="datetimeFigureOut">
               <a:rPr lang="ko-KR" altLang="en-US" smtClean="0"/>
-              <a:t>2020-02-13</a:t>
+              <a:t>2020-02-26</a:t>
             </a:fld>
             <a:endParaRPr lang="ko-KR" altLang="en-US"/>
           </a:p>
@@ -5421,7 +5421,7 @@
           <a:p>
             <a:fld id="{2065E873-D5DC-484B-8E24-C588B60C8C93}" type="datetimeFigureOut">
               <a:rPr lang="ko-KR" altLang="en-US" smtClean="0"/>
-              <a:t>2020-02-13</a:t>
+              <a:t>2020-02-26</a:t>
             </a:fld>
             <a:endParaRPr lang="ko-KR" altLang="en-US"/>
           </a:p>
@@ -5827,7 +5827,10 @@
     <p:bg>
       <p:bgPr>
         <a:solidFill>
-          <a:schemeClr val="bg1"/>
+          <a:schemeClr val="bg1">
+            <a:tint val="95000"/>
+            <a:satMod val="170000"/>
+          </a:schemeClr>
         </a:solidFill>
         <a:effectLst/>
       </p:bgPr>
@@ -5846,21 +5849,21 @@
           <a:chExt cx="0" cy="0"/>
         </a:xfrm>
       </p:grpSpPr>
-      <p:sp useBgFill="1">
-        <p:nvSpPr>
-          <p:cNvPr id="8" name="Rectangle 7">
-            <a:extLst>
-              <a:ext uri="{FF2B5EF4-FFF2-40B4-BE49-F238E27FC236}">
-                <a16:creationId xmlns:a16="http://schemas.microsoft.com/office/drawing/2014/main" id="{559AE206-7EBA-4D33-8BC9-9D8158553F0E}"/>
+      <p:grpSp>
+        <p:nvGrpSpPr>
+          <p:cNvPr id="23" name="Group 22">
+            <a:extLst>
+              <a:ext uri="{FF2B5EF4-FFF2-40B4-BE49-F238E27FC236}">
+                <a16:creationId xmlns:a16="http://schemas.microsoft.com/office/drawing/2014/main" id="{D2C4BFA1-2075-4901-9E24-E41D1FDD51FD}"/>
               </a:ext>
               <a:ext uri="{C183D7F6-B498-43B3-948B-1728B52AA6E4}">
                 <adec:decorative xmlns:adec="http://schemas.microsoft.com/office/drawing/2017/decorative" val="1"/>
               </a:ext>
             </a:extLst>
           </p:cNvPr>
-          <p:cNvSpPr>
-            <a:spLocks noGrp="1" noRot="1" noChangeAspect="1" noMove="1" noResize="1" noEditPoints="1" noAdjustHandles="1" noChangeArrowheads="1" noChangeShapeType="1" noTextEdit="1"/>
-          </p:cNvSpPr>
+          <p:cNvGrpSpPr>
+            <a:grpSpLocks noGrp="1" noUngrp="1" noRot="1" noChangeAspect="1" noMove="1" noResize="1"/>
+          </p:cNvGrpSpPr>
           <p:nvPr>
             <p:extLst>
               <p:ext uri="{386F3935-93C4-4BCD-93E2-E3B085C9AB24}">
@@ -5868,184 +5871,145 @@
               </p:ext>
             </p:extLst>
           </p:nvPr>
-        </p:nvSpPr>
-        <p:spPr>
+        </p:nvGrpSpPr>
+        <p:grpSpPr>
           <a:xfrm>
-            <a:off x="0" y="0"/>
-            <a:ext cx="12192000" cy="6858000"/>
+            <a:off x="1155481" y="498348"/>
+            <a:ext cx="9902663" cy="5861304"/>
+            <a:chOff x="1155481" y="498348"/>
+            <a:chExt cx="9902663" cy="5861304"/>
           </a:xfrm>
-          <a:prstGeom prst="rect">
-            <a:avLst/>
-          </a:prstGeom>
-          <a:ln>
-            <a:noFill/>
-          </a:ln>
-        </p:spPr>
-        <p:style>
-          <a:lnRef idx="2">
-            <a:schemeClr val="accent1">
-              <a:shade val="50000"/>
-            </a:schemeClr>
-          </a:lnRef>
-          <a:fillRef idx="1">
-            <a:schemeClr val="accent1"/>
-          </a:fillRef>
-          <a:effectRef idx="0">
-            <a:schemeClr val="accent1"/>
-          </a:effectRef>
-          <a:fontRef idx="minor">
-            <a:schemeClr val="lt1"/>
-          </a:fontRef>
-        </p:style>
-        <p:txBody>
-          <a:bodyPr rtlCol="0" anchor="ctr"/>
-          <a:lstStyle/>
-          <a:p>
-            <a:pPr marL="0" marR="0" lvl="0" indent="0" algn="ctr" defTabSz="914400" rtl="0" eaLnBrk="1" fontAlgn="auto" latinLnBrk="0" hangingPunct="1">
-              <a:lnSpc>
-                <a:spcPct val="100000"/>
-              </a:lnSpc>
-              <a:spcBef>
-                <a:spcPts val="0"/>
-              </a:spcBef>
-              <a:spcAft>
-                <a:spcPts val="0"/>
-              </a:spcAft>
-              <a:buClrTx/>
-              <a:buSzTx/>
-              <a:buFontTx/>
-              <a:buNone/>
-              <a:tabLst/>
-              <a:defRPr/>
-            </a:pPr>
-            <a:endParaRPr kumimoji="0" lang="en-US" sz="1800" b="0" i="0" u="none" strike="noStrike" kern="1200" cap="none" spc="0" normalizeH="0" baseline="0" noProof="0">
-              <a:ln>
-                <a:noFill/>
-              </a:ln>
-              <a:solidFill>
-                <a:prstClr val="white"/>
-              </a:solidFill>
-              <a:effectLst/>
-              <a:uLnTx/>
-              <a:uFillTx/>
-              <a:latin typeface="Calibri" panose="020F0502020204030204"/>
-              <a:ea typeface="+mn-ea"/>
-              <a:cs typeface="+mn-cs"/>
-            </a:endParaRPr>
-          </a:p>
-        </p:txBody>
-      </p:sp>
+        </p:grpSpPr>
+        <p:sp>
+          <p:nvSpPr>
+            <p:cNvPr id="24" name="Oval 5">
+              <a:extLst>
+                <a:ext uri="{FF2B5EF4-FFF2-40B4-BE49-F238E27FC236}">
+                  <a16:creationId xmlns:a16="http://schemas.microsoft.com/office/drawing/2014/main" id="{985A7375-E3AF-4F5C-85AE-17E8832952CA}"/>
+                </a:ext>
+                <a:ext uri="{C183D7F6-B498-43B3-948B-1728B52AA6E4}">
+                  <adec:decorative xmlns:adec="http://schemas.microsoft.com/office/drawing/2017/decorative" val="1"/>
+                </a:ext>
+              </a:extLst>
+            </p:cNvPr>
+            <p:cNvSpPr>
+              <a:spLocks noChangeArrowheads="1"/>
+            </p:cNvSpPr>
+            <p:nvPr>
+              <p:extLst>
+                <p:ext uri="{386F3935-93C4-4BCD-93E2-E3B085C9AB24}">
+                  <p16:designElem xmlns:p16="http://schemas.microsoft.com/office/powerpoint/2015/main" val="1"/>
+                </p:ext>
+              </p:extLst>
+            </p:nvPr>
+          </p:nvSpPr>
+          <p:spPr bwMode="auto">
+            <a:xfrm>
+              <a:off x="1155481" y="498348"/>
+              <a:ext cx="5861304" cy="5861304"/>
+            </a:xfrm>
+            <a:prstGeom prst="ellipse">
+              <a:avLst/>
+            </a:prstGeom>
+            <a:solidFill>
+              <a:schemeClr val="accent1">
+                <a:alpha val="55000"/>
+              </a:schemeClr>
+            </a:solidFill>
+            <a:ln>
+              <a:noFill/>
+            </a:ln>
+          </p:spPr>
+        </p:sp>
+        <p:sp>
+          <p:nvSpPr>
+            <p:cNvPr id="25" name="Oval 24">
+              <a:extLst>
+                <a:ext uri="{FF2B5EF4-FFF2-40B4-BE49-F238E27FC236}">
+                  <a16:creationId xmlns:a16="http://schemas.microsoft.com/office/drawing/2014/main" id="{F0307F65-8304-4FA8-A841-D4D7625411BE}"/>
+                </a:ext>
+                <a:ext uri="{C183D7F6-B498-43B3-948B-1728B52AA6E4}">
+                  <adec:decorative xmlns:adec="http://schemas.microsoft.com/office/drawing/2017/decorative" val="1"/>
+                </a:ext>
+              </a:extLst>
+            </p:cNvPr>
+            <p:cNvSpPr>
+              <a:spLocks noChangeArrowheads="1"/>
+            </p:cNvSpPr>
+            <p:nvPr>
+              <p:extLst>
+                <p:ext uri="{386F3935-93C4-4BCD-93E2-E3B085C9AB24}">
+                  <p16:designElem xmlns:p16="http://schemas.microsoft.com/office/powerpoint/2015/main" val="1"/>
+                </p:ext>
+              </p:extLst>
+            </p:nvPr>
+          </p:nvSpPr>
+          <p:spPr bwMode="auto">
+            <a:xfrm>
+              <a:off x="5196840" y="498348"/>
+              <a:ext cx="5861304" cy="5861304"/>
+            </a:xfrm>
+            <a:prstGeom prst="ellipse">
+              <a:avLst/>
+            </a:prstGeom>
+            <a:solidFill>
+              <a:schemeClr val="accent1">
+                <a:alpha val="55000"/>
+              </a:schemeClr>
+            </a:solidFill>
+            <a:ln>
+              <a:noFill/>
+            </a:ln>
+          </p:spPr>
+        </p:sp>
+        <p:sp>
+          <p:nvSpPr>
+            <p:cNvPr id="26" name="Oval 5">
+              <a:extLst>
+                <a:ext uri="{FF2B5EF4-FFF2-40B4-BE49-F238E27FC236}">
+                  <a16:creationId xmlns:a16="http://schemas.microsoft.com/office/drawing/2014/main" id="{C8B8394C-136F-4E05-A002-D93A5E79CD50}"/>
+                </a:ext>
+                <a:ext uri="{C183D7F6-B498-43B3-948B-1728B52AA6E4}">
+                  <adec:decorative xmlns:adec="http://schemas.microsoft.com/office/drawing/2017/decorative" val="1"/>
+                </a:ext>
+              </a:extLst>
+            </p:cNvPr>
+            <p:cNvSpPr>
+              <a:spLocks noChangeArrowheads="1"/>
+            </p:cNvSpPr>
+            <p:nvPr>
+              <p:extLst>
+                <p:ext uri="{386F3935-93C4-4BCD-93E2-E3B085C9AB24}">
+                  <p16:designElem xmlns:p16="http://schemas.microsoft.com/office/powerpoint/2015/main" val="1"/>
+                </p:ext>
+              </p:extLst>
+            </p:nvPr>
+          </p:nvSpPr>
+          <p:spPr bwMode="auto">
+            <a:xfrm>
+              <a:off x="3165348" y="498348"/>
+              <a:ext cx="5861304" cy="5861304"/>
+            </a:xfrm>
+            <a:prstGeom prst="ellipse">
+              <a:avLst/>
+            </a:prstGeom>
+            <a:solidFill>
+              <a:schemeClr val="accent1">
+                <a:alpha val="70000"/>
+              </a:schemeClr>
+            </a:solidFill>
+            <a:ln>
+              <a:noFill/>
+            </a:ln>
+          </p:spPr>
+        </p:sp>
+      </p:grpSp>
       <p:sp>
         <p:nvSpPr>
-          <p:cNvPr id="2" name="제목 1">
-            <a:extLst>
-              <a:ext uri="{FF2B5EF4-FFF2-40B4-BE49-F238E27FC236}">
-                <a16:creationId xmlns:a16="http://schemas.microsoft.com/office/drawing/2014/main" id="{7D4EF7A6-9CE2-4B60-A24E-6E0327696410}"/>
-              </a:ext>
-            </a:extLst>
-          </p:cNvPr>
-          <p:cNvSpPr>
-            <a:spLocks noGrp="1"/>
-          </p:cNvSpPr>
-          <p:nvPr>
-            <p:ph type="ctrTitle"/>
-          </p:nvPr>
-        </p:nvSpPr>
-        <p:spPr>
-          <a:xfrm>
-            <a:off x="838199" y="4525347"/>
-            <a:ext cx="6801321" cy="1737360"/>
-          </a:xfrm>
-        </p:spPr>
-        <p:txBody>
-          <a:bodyPr anchor="ctr">
-            <a:normAutofit/>
-          </a:bodyPr>
-          <a:lstStyle/>
-          <a:p>
-            <a:pPr algn="r"/>
-            <a:r>
-              <a:rPr lang="en-US" altLang="ko-KR" dirty="0"/>
-              <a:t>C# </a:t>
-            </a:r>
-            <a:r>
-              <a:rPr lang="ko-KR" altLang="en-US" dirty="0"/>
-              <a:t>스터디 </a:t>
-            </a:r>
-            <a:r>
-              <a:rPr lang="en-US" altLang="ko-KR" dirty="0"/>
-              <a:t>2</a:t>
-            </a:r>
-            <a:r>
-              <a:rPr lang="ko-KR" altLang="en-US" dirty="0"/>
-              <a:t>주 차</a:t>
-            </a:r>
-          </a:p>
-        </p:txBody>
-      </p:sp>
-      <p:sp>
-        <p:nvSpPr>
-          <p:cNvPr id="3" name="부제목 2">
-            <a:extLst>
-              <a:ext uri="{FF2B5EF4-FFF2-40B4-BE49-F238E27FC236}">
-                <a16:creationId xmlns:a16="http://schemas.microsoft.com/office/drawing/2014/main" id="{245EAE5E-182B-4346-A594-355C361102FC}"/>
-              </a:ext>
-            </a:extLst>
-          </p:cNvPr>
-          <p:cNvSpPr>
-            <a:spLocks noGrp="1"/>
-          </p:cNvSpPr>
-          <p:nvPr>
-            <p:ph type="subTitle" idx="1"/>
-          </p:nvPr>
-        </p:nvSpPr>
-        <p:spPr>
-          <a:xfrm>
-            <a:off x="7961258" y="4525347"/>
-            <a:ext cx="3596000" cy="1737360"/>
-          </a:xfrm>
-        </p:spPr>
-        <p:txBody>
-          <a:bodyPr anchor="ctr">
-            <a:normAutofit/>
-          </a:bodyPr>
-          <a:lstStyle/>
-          <a:p>
-            <a:pPr algn="l"/>
-            <a:r>
-              <a:rPr lang="ko-KR" altLang="en-US" dirty="0" err="1"/>
-              <a:t>분기문</a:t>
-            </a:r>
-            <a:r>
-              <a:rPr lang="en-US" altLang="ko-KR" dirty="0"/>
-              <a:t>, </a:t>
-            </a:r>
-            <a:r>
-              <a:rPr lang="ko-KR" altLang="en-US" dirty="0" err="1"/>
-              <a:t>반복문</a:t>
-            </a:r>
-            <a:r>
-              <a:rPr lang="en-US" altLang="ko-KR" dirty="0"/>
-              <a:t>,</a:t>
-            </a:r>
-            <a:r>
-              <a:rPr lang="ko-KR" altLang="en-US" dirty="0"/>
-              <a:t> </a:t>
-            </a:r>
-            <a:r>
-              <a:rPr lang="ko-KR" altLang="en-US" dirty="0" err="1"/>
-              <a:t>점프문</a:t>
-            </a:r>
-            <a:endParaRPr lang="ko-KR" altLang="en-US" dirty="0"/>
-          </a:p>
-        </p:txBody>
-      </p:sp>
-      <p:sp>
-        <p:nvSpPr>
-          <p:cNvPr id="10" name="Oval 9">
-            <a:extLst>
-              <a:ext uri="{FF2B5EF4-FFF2-40B4-BE49-F238E27FC236}">
-                <a16:creationId xmlns:a16="http://schemas.microsoft.com/office/drawing/2014/main" id="{6437D937-A7F1-4011-92B4-328E5BE1B166}"/>
+          <p:cNvPr id="28" name="Rectangle 27">
+            <a:extLst>
+              <a:ext uri="{FF2B5EF4-FFF2-40B4-BE49-F238E27FC236}">
+                <a16:creationId xmlns:a16="http://schemas.microsoft.com/office/drawing/2014/main" id="{053FB2EE-284F-4C87-AB3D-BBF87A9FAB97}"/>
               </a:ext>
               <a:ext uri="{C183D7F6-B498-43B3-948B-1728B52AA6E4}">
                 <adec:decorative xmlns:adec="http://schemas.microsoft.com/office/drawing/2017/decorative" val="1"/>
@@ -6065,14 +6029,14 @@
         </p:nvSpPr>
         <p:spPr>
           <a:xfrm>
-            <a:off x="588567" y="620480"/>
-            <a:ext cx="2243800" cy="2243796"/>
+            <a:off x="0" y="2514600"/>
+            <a:ext cx="12192000" cy="1828800"/>
           </a:xfrm>
-          <a:prstGeom prst="ellipse">
+          <a:prstGeom prst="rect">
             <a:avLst/>
           </a:prstGeom>
           <a:solidFill>
-            <a:schemeClr val="accent5"/>
+            <a:schemeClr val="tx2"/>
           </a:solidFill>
           <a:ln>
             <a:noFill/>
@@ -6094,435 +6058,121 @@
             <a:schemeClr val="lt1"/>
           </a:fontRef>
         </p:style>
+      </p:sp>
+      <p:sp>
+        <p:nvSpPr>
+          <p:cNvPr id="2" name="제목 1">
+            <a:extLst>
+              <a:ext uri="{FF2B5EF4-FFF2-40B4-BE49-F238E27FC236}">
+                <a16:creationId xmlns:a16="http://schemas.microsoft.com/office/drawing/2014/main" id="{7D4EF7A6-9CE2-4B60-A24E-6E0327696410}"/>
+              </a:ext>
+            </a:extLst>
+          </p:cNvPr>
+          <p:cNvSpPr>
+            <a:spLocks noGrp="1"/>
+          </p:cNvSpPr>
+          <p:nvPr>
+            <p:ph type="ctrTitle"/>
+          </p:nvPr>
+        </p:nvSpPr>
+        <p:spPr>
+          <a:xfrm>
+            <a:off x="1524000" y="2776538"/>
+            <a:ext cx="9144000" cy="1381188"/>
+          </a:xfrm>
+        </p:spPr>
         <p:txBody>
-          <a:bodyPr rtlCol="0" anchor="ctr"/>
+          <a:bodyPr anchor="ctr">
+            <a:normAutofit/>
+          </a:bodyPr>
           <a:lstStyle/>
           <a:p>
-            <a:pPr marL="0" marR="0" lvl="0" indent="0" algn="ctr" defTabSz="914400" rtl="0" eaLnBrk="1" fontAlgn="auto" latinLnBrk="0" hangingPunct="1">
-              <a:lnSpc>
-                <a:spcPct val="100000"/>
-              </a:lnSpc>
-              <a:spcBef>
-                <a:spcPts val="0"/>
-              </a:spcBef>
-              <a:spcAft>
-                <a:spcPts val="0"/>
-              </a:spcAft>
-              <a:buClrTx/>
-              <a:buSzTx/>
-              <a:buFontTx/>
-              <a:buNone/>
-              <a:tabLst/>
-              <a:defRPr/>
-            </a:pPr>
-            <a:endParaRPr kumimoji="0" lang="en-US" sz="1800" b="0" i="0" u="none" strike="noStrike" kern="1200" cap="none" spc="0" normalizeH="0" baseline="0" noProof="0">
-              <a:ln>
-                <a:noFill/>
-              </a:ln>
-              <a:solidFill>
-                <a:prstClr val="white"/>
-              </a:solidFill>
-              <a:effectLst/>
-              <a:uLnTx/>
-              <a:uFillTx/>
-              <a:latin typeface="Calibri" panose="020F0502020204030204"/>
-              <a:ea typeface="+mn-ea"/>
-              <a:cs typeface="+mn-cs"/>
-            </a:endParaRPr>
+            <a:r>
+              <a:rPr lang="en-US" altLang="ko-KR" sz="4000">
+                <a:solidFill>
+                  <a:schemeClr val="bg2"/>
+                </a:solidFill>
+              </a:rPr>
+              <a:t>C# </a:t>
+            </a:r>
+            <a:r>
+              <a:rPr lang="ko-KR" altLang="en-US" sz="4000">
+                <a:solidFill>
+                  <a:schemeClr val="bg2"/>
+                </a:solidFill>
+              </a:rPr>
+              <a:t>스터디 </a:t>
+            </a:r>
+            <a:r>
+              <a:rPr lang="en-US" altLang="ko-KR" sz="4000">
+                <a:solidFill>
+                  <a:schemeClr val="bg2"/>
+                </a:solidFill>
+              </a:rPr>
+              <a:t>2</a:t>
+            </a:r>
+            <a:r>
+              <a:rPr lang="ko-KR" altLang="en-US" sz="4000">
+                <a:solidFill>
+                  <a:schemeClr val="bg2"/>
+                </a:solidFill>
+              </a:rPr>
+              <a:t>주 차</a:t>
+            </a:r>
           </a:p>
         </p:txBody>
       </p:sp>
       <p:sp>
         <p:nvSpPr>
-          <p:cNvPr id="12" name="Oval 11">
-            <a:extLst>
-              <a:ext uri="{FF2B5EF4-FFF2-40B4-BE49-F238E27FC236}">
-                <a16:creationId xmlns:a16="http://schemas.microsoft.com/office/drawing/2014/main" id="{B672F332-AF08-46C6-94F0-77684310D7B7}"/>
-              </a:ext>
-              <a:ext uri="{C183D7F6-B498-43B3-948B-1728B52AA6E4}">
-                <adec:decorative xmlns:adec="http://schemas.microsoft.com/office/drawing/2017/decorative" val="1"/>
+          <p:cNvPr id="3" name="부제목 2">
+            <a:extLst>
+              <a:ext uri="{FF2B5EF4-FFF2-40B4-BE49-F238E27FC236}">
+                <a16:creationId xmlns:a16="http://schemas.microsoft.com/office/drawing/2014/main" id="{245EAE5E-182B-4346-A594-355C361102FC}"/>
               </a:ext>
             </a:extLst>
           </p:cNvPr>
           <p:cNvSpPr>
-            <a:spLocks noGrp="1" noRot="1" noChangeAspect="1" noMove="1" noResize="1" noEditPoints="1" noAdjustHandles="1" noChangeArrowheads="1" noChangeShapeType="1" noTextEdit="1"/>
+            <a:spLocks noGrp="1"/>
           </p:cNvSpPr>
           <p:nvPr>
-            <p:extLst>
-              <p:ext uri="{386F3935-93C4-4BCD-93E2-E3B085C9AB24}">
-                <p16:designElem xmlns:p16="http://schemas.microsoft.com/office/powerpoint/2015/main" val="1"/>
-              </p:ext>
-            </p:extLst>
+            <p:ph type="subTitle" idx="1"/>
           </p:nvPr>
         </p:nvSpPr>
         <p:spPr>
           <a:xfrm>
-            <a:off x="3395001" y="2466604"/>
-            <a:ext cx="962395" cy="962395"/>
+            <a:off x="1524000" y="4495800"/>
+            <a:ext cx="9144000" cy="762000"/>
           </a:xfrm>
-          <a:prstGeom prst="ellipse">
-            <a:avLst/>
-          </a:prstGeom>
-          <a:solidFill>
-            <a:schemeClr val="accent4"/>
-          </a:solidFill>
-          <a:ln>
-            <a:noFill/>
-          </a:ln>
         </p:spPr>
-        <p:style>
-          <a:lnRef idx="2">
-            <a:schemeClr val="accent1">
-              <a:shade val="50000"/>
-            </a:schemeClr>
-          </a:lnRef>
-          <a:fillRef idx="1">
-            <a:schemeClr val="accent1"/>
-          </a:fillRef>
-          <a:effectRef idx="0">
-            <a:schemeClr val="accent1"/>
-          </a:effectRef>
-          <a:fontRef idx="minor">
-            <a:schemeClr val="lt1"/>
-          </a:fontRef>
-        </p:style>
         <p:txBody>
-          <a:bodyPr rtlCol="0" anchor="ctr"/>
+          <a:bodyPr>
+            <a:normAutofit/>
+          </a:bodyPr>
           <a:lstStyle/>
           <a:p>
-            <a:pPr marL="0" marR="0" lvl="0" indent="0" algn="ctr" defTabSz="914400" rtl="0" eaLnBrk="1" fontAlgn="auto" latinLnBrk="0" hangingPunct="1">
-              <a:lnSpc>
-                <a:spcPct val="100000"/>
-              </a:lnSpc>
-              <a:spcBef>
-                <a:spcPts val="0"/>
-              </a:spcBef>
-              <a:spcAft>
-                <a:spcPts val="0"/>
-              </a:spcAft>
-              <a:buClrTx/>
-              <a:buSzTx/>
-              <a:buFontTx/>
-              <a:buNone/>
-              <a:tabLst/>
-              <a:defRPr/>
-            </a:pPr>
-            <a:endParaRPr kumimoji="0" lang="en-US" sz="1800" b="0" i="0" u="none" strike="noStrike" kern="1200" cap="none" spc="0" normalizeH="0" baseline="0" noProof="0">
-              <a:ln>
-                <a:noFill/>
-              </a:ln>
-              <a:solidFill>
-                <a:prstClr val="white"/>
-              </a:solidFill>
-              <a:effectLst/>
-              <a:uLnTx/>
-              <a:uFillTx/>
-              <a:latin typeface="Calibri" panose="020F0502020204030204"/>
-              <a:ea typeface="+mn-ea"/>
-              <a:cs typeface="+mn-cs"/>
-            </a:endParaRPr>
+            <a:r>
+              <a:rPr lang="ko-KR" altLang="en-US" sz="1800"/>
+              <a:t>분기문</a:t>
+            </a:r>
+            <a:r>
+              <a:rPr lang="en-US" altLang="ko-KR" sz="1800"/>
+              <a:t>, </a:t>
+            </a:r>
+            <a:r>
+              <a:rPr lang="ko-KR" altLang="en-US" sz="1800"/>
+              <a:t>반복문</a:t>
+            </a:r>
+            <a:r>
+              <a:rPr lang="en-US" altLang="ko-KR" sz="1800"/>
+              <a:t>,</a:t>
+            </a:r>
+            <a:r>
+              <a:rPr lang="ko-KR" altLang="en-US" sz="1800"/>
+              <a:t> 점프문</a:t>
+            </a:r>
           </a:p>
         </p:txBody>
       </p:sp>
-      <p:sp>
-        <p:nvSpPr>
-          <p:cNvPr id="14" name="Oval 13">
-            <a:extLst>
-              <a:ext uri="{FF2B5EF4-FFF2-40B4-BE49-F238E27FC236}">
-                <a16:creationId xmlns:a16="http://schemas.microsoft.com/office/drawing/2014/main" id="{34244EF8-D73A-40E1-BE73-D46E6B4B04ED}"/>
-              </a:ext>
-              <a:ext uri="{C183D7F6-B498-43B3-948B-1728B52AA6E4}">
-                <adec:decorative xmlns:adec="http://schemas.microsoft.com/office/drawing/2017/decorative" val="1"/>
-              </a:ext>
-            </a:extLst>
-          </p:cNvPr>
-          <p:cNvSpPr>
-            <a:spLocks noGrp="1" noRot="1" noChangeAspect="1" noMove="1" noResize="1" noEditPoints="1" noAdjustHandles="1" noChangeArrowheads="1" noChangeShapeType="1" noTextEdit="1"/>
-          </p:cNvSpPr>
-          <p:nvPr>
-            <p:extLst>
-              <p:ext uri="{386F3935-93C4-4BCD-93E2-E3B085C9AB24}">
-                <p16:designElem xmlns:p16="http://schemas.microsoft.com/office/powerpoint/2015/main" val="1"/>
-              </p:ext>
-            </p:extLst>
-          </p:nvPr>
-        </p:nvSpPr>
-        <p:spPr>
-          <a:xfrm>
-            <a:off x="5125829" y="2327988"/>
-            <a:ext cx="293695" cy="293695"/>
-          </a:xfrm>
-          <a:prstGeom prst="ellipse">
-            <a:avLst/>
-          </a:prstGeom>
-          <a:solidFill>
-            <a:schemeClr val="accent3"/>
-          </a:solidFill>
-          <a:ln>
-            <a:noFill/>
-          </a:ln>
-        </p:spPr>
-        <p:style>
-          <a:lnRef idx="2">
-            <a:schemeClr val="accent1">
-              <a:shade val="50000"/>
-            </a:schemeClr>
-          </a:lnRef>
-          <a:fillRef idx="1">
-            <a:schemeClr val="accent1"/>
-          </a:fillRef>
-          <a:effectRef idx="0">
-            <a:schemeClr val="accent1"/>
-          </a:effectRef>
-          <a:fontRef idx="minor">
-            <a:schemeClr val="lt1"/>
-          </a:fontRef>
-        </p:style>
-        <p:txBody>
-          <a:bodyPr rtlCol="0" anchor="ctr"/>
-          <a:lstStyle/>
-          <a:p>
-            <a:pPr marL="0" marR="0" lvl="0" indent="0" algn="ctr" defTabSz="914400" rtl="0" eaLnBrk="1" fontAlgn="auto" latinLnBrk="0" hangingPunct="1">
-              <a:lnSpc>
-                <a:spcPct val="100000"/>
-              </a:lnSpc>
-              <a:spcBef>
-                <a:spcPts val="0"/>
-              </a:spcBef>
-              <a:spcAft>
-                <a:spcPts val="0"/>
-              </a:spcAft>
-              <a:buClrTx/>
-              <a:buSzTx/>
-              <a:buFontTx/>
-              <a:buNone/>
-              <a:tabLst/>
-              <a:defRPr/>
-            </a:pPr>
-            <a:endParaRPr kumimoji="0" lang="en-US" sz="1800" b="0" i="0" u="none" strike="noStrike" kern="1200" cap="none" spc="0" normalizeH="0" baseline="0" noProof="0">
-              <a:ln>
-                <a:noFill/>
-              </a:ln>
-              <a:solidFill>
-                <a:prstClr val="white"/>
-              </a:solidFill>
-              <a:effectLst/>
-              <a:uLnTx/>
-              <a:uFillTx/>
-              <a:latin typeface="Calibri" panose="020F0502020204030204"/>
-              <a:ea typeface="+mn-ea"/>
-              <a:cs typeface="+mn-cs"/>
-            </a:endParaRPr>
-          </a:p>
-        </p:txBody>
-      </p:sp>
-      <p:sp>
-        <p:nvSpPr>
-          <p:cNvPr id="16" name="Freeform: Shape 15">
-            <a:extLst>
-              <a:ext uri="{FF2B5EF4-FFF2-40B4-BE49-F238E27FC236}">
-                <a16:creationId xmlns:a16="http://schemas.microsoft.com/office/drawing/2014/main" id="{AB84D7E8-4ECB-42D7-ADBF-01689B0F24AE}"/>
-              </a:ext>
-              <a:ext uri="{C183D7F6-B498-43B3-948B-1728B52AA6E4}">
-                <adec:decorative xmlns:adec="http://schemas.microsoft.com/office/drawing/2017/decorative" val="1"/>
-              </a:ext>
-            </a:extLst>
-          </p:cNvPr>
-          <p:cNvSpPr>
-            <a:spLocks noGrp="1" noRot="1" noChangeAspect="1" noMove="1" noResize="1" noEditPoints="1" noAdjustHandles="1" noChangeArrowheads="1" noChangeShapeType="1" noTextEdit="1"/>
-          </p:cNvSpPr>
-          <p:nvPr>
-            <p:extLst>
-              <p:ext uri="{386F3935-93C4-4BCD-93E2-E3B085C9AB24}">
-                <p16:designElem xmlns:p16="http://schemas.microsoft.com/office/powerpoint/2015/main" val="1"/>
-              </p:ext>
-            </p:extLst>
-          </p:nvPr>
-        </p:nvSpPr>
-        <p:spPr>
-          <a:xfrm>
-            <a:off x="6492113" y="0"/>
-            <a:ext cx="5699887" cy="4059244"/>
-          </a:xfrm>
-          <a:custGeom>
-            <a:avLst/>
-            <a:gdLst>
-              <a:gd name="connsiteX0" fmla="*/ 0 w 5699887"/>
-              <a:gd name="connsiteY0" fmla="*/ 0 h 4059244"/>
-              <a:gd name="connsiteX1" fmla="*/ 5699887 w 5699887"/>
-              <a:gd name="connsiteY1" fmla="*/ 0 h 4059244"/>
-              <a:gd name="connsiteX2" fmla="*/ 5699887 w 5699887"/>
-              <a:gd name="connsiteY2" fmla="*/ 3944096 h 4059244"/>
-              <a:gd name="connsiteX3" fmla="*/ 5525775 w 5699887"/>
-              <a:gd name="connsiteY3" fmla="*/ 3980429 h 4059244"/>
-              <a:gd name="connsiteX4" fmla="*/ 4663256 w 5699887"/>
-              <a:gd name="connsiteY4" fmla="*/ 4059244 h 4059244"/>
-              <a:gd name="connsiteX5" fmla="*/ 8566 w 5699887"/>
-              <a:gd name="connsiteY5" fmla="*/ 67422 h 4059244"/>
-            </a:gdLst>
-            <a:ahLst/>
-            <a:cxnLst>
-              <a:cxn ang="0">
-                <a:pos x="connsiteX0" y="connsiteY0"/>
-              </a:cxn>
-              <a:cxn ang="0">
-                <a:pos x="connsiteX1" y="connsiteY1"/>
-              </a:cxn>
-              <a:cxn ang="0">
-                <a:pos x="connsiteX2" y="connsiteY2"/>
-              </a:cxn>
-              <a:cxn ang="0">
-                <a:pos x="connsiteX3" y="connsiteY3"/>
-              </a:cxn>
-              <a:cxn ang="0">
-                <a:pos x="connsiteX4" y="connsiteY4"/>
-              </a:cxn>
-              <a:cxn ang="0">
-                <a:pos x="connsiteX5" y="connsiteY5"/>
-              </a:cxn>
-            </a:cxnLst>
-            <a:rect l="l" t="t" r="r" b="b"/>
-            <a:pathLst>
-              <a:path w="5699887" h="4059244">
-                <a:moveTo>
-                  <a:pt x="0" y="0"/>
-                </a:moveTo>
-                <a:lnTo>
-                  <a:pt x="5699887" y="0"/>
-                </a:lnTo>
-                <a:lnTo>
-                  <a:pt x="5699887" y="3944096"/>
-                </a:lnTo>
-                <a:lnTo>
-                  <a:pt x="5525775" y="3980429"/>
-                </a:lnTo>
-                <a:cubicBezTo>
-                  <a:pt x="5246154" y="4032190"/>
-                  <a:pt x="4957865" y="4059244"/>
-                  <a:pt x="4663256" y="4059244"/>
-                </a:cubicBezTo>
-                <a:cubicBezTo>
-                  <a:pt x="2306390" y="4059244"/>
-                  <a:pt x="353936" y="2327747"/>
-                  <a:pt x="8566" y="67422"/>
-                </a:cubicBezTo>
-                <a:close/>
-              </a:path>
-            </a:pathLst>
-          </a:custGeom>
-          <a:solidFill>
-            <a:srgbClr val="595959"/>
-          </a:solidFill>
-          <a:ln>
-            <a:noFill/>
-          </a:ln>
-        </p:spPr>
-        <p:style>
-          <a:lnRef idx="2">
-            <a:schemeClr val="accent1">
-              <a:shade val="50000"/>
-            </a:schemeClr>
-          </a:lnRef>
-          <a:fillRef idx="1">
-            <a:schemeClr val="accent1"/>
-          </a:fillRef>
-          <a:effectRef idx="0">
-            <a:schemeClr val="accent1"/>
-          </a:effectRef>
-          <a:fontRef idx="minor">
-            <a:schemeClr val="lt1"/>
-          </a:fontRef>
-        </p:style>
-        <p:txBody>
-          <a:bodyPr rtlCol="0" anchor="ctr"/>
-          <a:lstStyle/>
-          <a:p>
-            <a:pPr marL="0" marR="0" lvl="0" indent="0" algn="ctr" defTabSz="914400" rtl="0" eaLnBrk="1" fontAlgn="auto" latinLnBrk="0" hangingPunct="1">
-              <a:lnSpc>
-                <a:spcPct val="100000"/>
-              </a:lnSpc>
-              <a:spcBef>
-                <a:spcPts val="0"/>
-              </a:spcBef>
-              <a:spcAft>
-                <a:spcPts val="0"/>
-              </a:spcAft>
-              <a:buClrTx/>
-              <a:buSzTx/>
-              <a:buFontTx/>
-              <a:buNone/>
-              <a:tabLst/>
-              <a:defRPr/>
-            </a:pPr>
-            <a:endParaRPr kumimoji="0" lang="en-US" sz="1800" b="0" i="0" u="none" strike="noStrike" kern="1200" cap="none" spc="0" normalizeH="0" baseline="0" noProof="0">
-              <a:ln>
-                <a:noFill/>
-              </a:ln>
-              <a:solidFill>
-                <a:prstClr val="white"/>
-              </a:solidFill>
-              <a:effectLst/>
-              <a:uLnTx/>
-              <a:uFillTx/>
-              <a:latin typeface="Calibri" panose="020F0502020204030204"/>
-              <a:ea typeface="+mn-ea"/>
-              <a:cs typeface="+mn-cs"/>
-            </a:endParaRPr>
-          </a:p>
-        </p:txBody>
-      </p:sp>
-      <p:cxnSp>
-        <p:nvCxnSpPr>
-          <p:cNvPr id="18" name="Straight Connector 17">
-            <a:extLst>
-              <a:ext uri="{FF2B5EF4-FFF2-40B4-BE49-F238E27FC236}">
-                <a16:creationId xmlns:a16="http://schemas.microsoft.com/office/drawing/2014/main" id="{9E8E38ED-369A-44C2-B635-0BED0E48A6E8}"/>
-              </a:ext>
-              <a:ext uri="{C183D7F6-B498-43B3-948B-1728B52AA6E4}">
-                <adec:decorative xmlns:adec="http://schemas.microsoft.com/office/drawing/2017/decorative" val="1"/>
-              </a:ext>
-            </a:extLst>
-          </p:cNvPr>
-          <p:cNvCxnSpPr>
-            <a:cxnSpLocks noGrp="1" noRot="1" noChangeAspect="1" noMove="1" noResize="1" noEditPoints="1" noAdjustHandles="1" noChangeArrowheads="1" noChangeShapeType="1"/>
-          </p:cNvCxnSpPr>
-          <p:nvPr>
-            <p:extLst>
-              <p:ext uri="{386F3935-93C4-4BCD-93E2-E3B085C9AB24}">
-                <p16:designElem xmlns:p16="http://schemas.microsoft.com/office/powerpoint/2015/main" val="1"/>
-              </p:ext>
-            </p:extLst>
-          </p:nvPr>
-        </p:nvCxnSpPr>
-        <p:spPr>
-          <a:xfrm>
-            <a:off x="7800392" y="4525347"/>
-            <a:ext cx="0" cy="1737360"/>
-          </a:xfrm>
-          <a:prstGeom prst="line">
-            <a:avLst/>
-          </a:prstGeom>
-          <a:ln w="19050" cap="sq">
-            <a:solidFill>
-              <a:schemeClr val="tx1"/>
-            </a:solidFill>
-          </a:ln>
-        </p:spPr>
-        <p:style>
-          <a:lnRef idx="1">
-            <a:schemeClr val="accent1"/>
-          </a:lnRef>
-          <a:fillRef idx="0">
-            <a:schemeClr val="accent1"/>
-          </a:fillRef>
-          <a:effectRef idx="0">
-            <a:schemeClr val="accent1"/>
-          </a:effectRef>
-          <a:fontRef idx="minor">
-            <a:schemeClr val="tx1"/>
-          </a:fontRef>
-        </p:style>
-      </p:cxnSp>
     </p:spTree>
     <p:extLst>
       <p:ext uri="{BB962C8B-B14F-4D97-AF65-F5344CB8AC3E}">
@@ -6531,7 +6181,7 @@
     </p:extLst>
   </p:cSld>
   <p:clrMapOvr>
-    <a:masterClrMapping/>
+    <a:overrideClrMapping bg1="dk1" tx1="lt1" bg2="dk2" tx2="lt2" accent1="accent1" accent2="accent2" accent3="accent3" accent4="accent4" accent5="accent5" accent6="accent6" hlink="hlink" folHlink="folHlink"/>
   </p:clrMapOvr>
 </p:sld>
 </file>

--- a/c# 스터디 2주 차.pptx
+++ b/c# 스터디 2주 차.pptx
@@ -28,11 +28,14 @@
     <p:sldId id="287" r:id="rId22"/>
     <p:sldId id="288" r:id="rId23"/>
     <p:sldId id="289" r:id="rId24"/>
-    <p:sldId id="290" r:id="rId25"/>
-    <p:sldId id="291" r:id="rId26"/>
-    <p:sldId id="292" r:id="rId27"/>
-    <p:sldId id="293" r:id="rId28"/>
-    <p:sldId id="294" r:id="rId29"/>
+    <p:sldId id="298" r:id="rId25"/>
+    <p:sldId id="299" r:id="rId26"/>
+    <p:sldId id="301" r:id="rId27"/>
+    <p:sldId id="290" r:id="rId28"/>
+    <p:sldId id="291" r:id="rId29"/>
+    <p:sldId id="292" r:id="rId30"/>
+    <p:sldId id="293" r:id="rId31"/>
+    <p:sldId id="294" r:id="rId32"/>
   </p:sldIdLst>
   <p:sldSz cx="12192000" cy="6858000"/>
   <p:notesSz cx="6858000" cy="9144000"/>
@@ -140,15 +143,15 @@
 </file>
 
 <file path=ppt/diagrams/colors1.xml><?xml version="1.0" encoding="utf-8"?>
-<dgm:colorsDef xmlns:dgm="http://schemas.openxmlformats.org/drawingml/2006/diagram" xmlns:a="http://schemas.openxmlformats.org/drawingml/2006/main" uniqueId="urn:microsoft.com/office/officeart/2005/8/colors/accent2_2">
+<dgm:colorsDef xmlns:dgm="http://schemas.openxmlformats.org/drawingml/2006/diagram" xmlns:a="http://schemas.openxmlformats.org/drawingml/2006/main" uniqueId="urn:microsoft.com/office/officeart/2005/8/colors/colorful5">
   <dgm:title val=""/>
   <dgm:desc val=""/>
   <dgm:catLst>
-    <dgm:cat type="accent2" pri="11200"/>
+    <dgm:cat type="colorful" pri="10500"/>
   </dgm:catLst>
   <dgm:styleLbl name="node0">
     <dgm:fillClrLst meth="repeat">
-      <a:schemeClr val="accent2"/>
+      <a:schemeClr val="accent4"/>
     </dgm:fillClrLst>
     <dgm:linClrLst meth="repeat">
       <a:schemeClr val="lt1"/>
@@ -159,8 +162,9 @@
     <dgm:txEffectClrLst/>
   </dgm:styleLbl>
   <dgm:styleLbl name="node1">
-    <dgm:fillClrLst meth="repeat">
-      <a:schemeClr val="accent2"/>
+    <dgm:fillClrLst>
+      <a:schemeClr val="accent5"/>
+      <a:schemeClr val="accent6"/>
     </dgm:fillClrLst>
     <dgm:linClrLst meth="repeat">
       <a:schemeClr val="lt1"/>
@@ -171,11 +175,13 @@
     <dgm:txEffectClrLst/>
   </dgm:styleLbl>
   <dgm:styleLbl name="alignNode1">
-    <dgm:fillClrLst meth="repeat">
-      <a:schemeClr val="accent2"/>
+    <dgm:fillClrLst>
+      <a:schemeClr val="accent5"/>
+      <a:schemeClr val="accent6"/>
     </dgm:fillClrLst>
-    <dgm:linClrLst meth="repeat">
-      <a:schemeClr val="accent2"/>
+    <dgm:linClrLst>
+      <a:schemeClr val="accent5"/>
+      <a:schemeClr val="accent6"/>
     </dgm:linClrLst>
     <dgm:effectClrLst/>
     <dgm:txLinClrLst/>
@@ -183,8 +189,9 @@
     <dgm:txEffectClrLst/>
   </dgm:styleLbl>
   <dgm:styleLbl name="lnNode1">
-    <dgm:fillClrLst meth="repeat">
-      <a:schemeClr val="accent2"/>
+    <dgm:fillClrLst>
+      <a:schemeClr val="accent5"/>
+      <a:schemeClr val="accent6"/>
     </dgm:fillClrLst>
     <dgm:linClrLst meth="repeat">
       <a:schemeClr val="lt1"/>
@@ -195,8 +202,11 @@
     <dgm:txEffectClrLst/>
   </dgm:styleLbl>
   <dgm:styleLbl name="vennNode1">
-    <dgm:fillClrLst meth="repeat">
-      <a:schemeClr val="accent2">
+    <dgm:fillClrLst>
+      <a:schemeClr val="accent5">
+        <a:alpha val="50000"/>
+      </a:schemeClr>
+      <a:schemeClr val="accent6">
         <a:alpha val="50000"/>
       </a:schemeClr>
     </dgm:fillClrLst>
@@ -209,8 +219,8 @@
     <dgm:txEffectClrLst/>
   </dgm:styleLbl>
   <dgm:styleLbl name="node2">
-    <dgm:fillClrLst meth="repeat">
-      <a:schemeClr val="accent2"/>
+    <dgm:fillClrLst>
+      <a:schemeClr val="accent6"/>
     </dgm:fillClrLst>
     <dgm:linClrLst meth="repeat">
       <a:schemeClr val="lt1"/>
@@ -221,8 +231,8 @@
     <dgm:txEffectClrLst/>
   </dgm:styleLbl>
   <dgm:styleLbl name="node3">
-    <dgm:fillClrLst meth="repeat">
-      <a:schemeClr val="accent2"/>
+    <dgm:fillClrLst>
+      <a:schemeClr val="accent1"/>
     </dgm:fillClrLst>
     <dgm:linClrLst meth="repeat">
       <a:schemeClr val="lt1"/>
@@ -233,7 +243,7 @@
     <dgm:txEffectClrLst/>
   </dgm:styleLbl>
   <dgm:styleLbl name="node4">
-    <dgm:fillClrLst meth="repeat">
+    <dgm:fillClrLst>
       <a:schemeClr val="accent2"/>
     </dgm:fillClrLst>
     <dgm:linClrLst meth="repeat">
@@ -245,8 +255,11 @@
     <dgm:txEffectClrLst/>
   </dgm:styleLbl>
   <dgm:styleLbl name="fgImgPlace1">
-    <dgm:fillClrLst meth="repeat">
-      <a:schemeClr val="accent2">
+    <dgm:fillClrLst>
+      <a:schemeClr val="accent5">
+        <a:tint val="50000"/>
+      </a:schemeClr>
+      <a:schemeClr val="accent6">
         <a:tint val="50000"/>
       </a:schemeClr>
     </dgm:fillClrLst>
@@ -261,9 +274,12 @@
     <dgm:txEffectClrLst/>
   </dgm:styleLbl>
   <dgm:styleLbl name="alignImgPlace1">
-    <dgm:fillClrLst meth="repeat">
-      <a:schemeClr val="accent2">
+    <dgm:fillClrLst>
+      <a:schemeClr val="accent5">
         <a:tint val="50000"/>
+      </a:schemeClr>
+      <a:schemeClr val="accent6">
+        <a:tint val="20000"/>
       </a:schemeClr>
     </dgm:fillClrLst>
     <dgm:linClrLst meth="repeat">
@@ -277,9 +293,12 @@
     <dgm:txEffectClrLst/>
   </dgm:styleLbl>
   <dgm:styleLbl name="bgImgPlace1">
-    <dgm:fillClrLst meth="repeat">
-      <a:schemeClr val="accent2">
+    <dgm:fillClrLst>
+      <a:schemeClr val="accent5">
         <a:tint val="50000"/>
+      </a:schemeClr>
+      <a:schemeClr val="accent6">
+        <a:tint val="20000"/>
       </a:schemeClr>
     </dgm:fillClrLst>
     <dgm:linClrLst meth="repeat">
@@ -293,15 +312,12 @@
     <dgm:txEffectClrLst/>
   </dgm:styleLbl>
   <dgm:styleLbl name="sibTrans2D1">
-    <dgm:fillClrLst meth="repeat">
-      <a:schemeClr val="accent2">
-        <a:tint val="60000"/>
-      </a:schemeClr>
+    <dgm:fillClrLst>
+      <a:schemeClr val="accent5"/>
+      <a:schemeClr val="accent6"/>
     </dgm:fillClrLst>
     <dgm:linClrLst meth="repeat">
-      <a:schemeClr val="accent2">
-        <a:tint val="60000"/>
-      </a:schemeClr>
+      <a:schemeClr val="lt1"/>
     </dgm:linClrLst>
     <dgm:effectClrLst/>
     <dgm:txLinClrLst/>
@@ -309,43 +325,40 @@
     <dgm:txEffectClrLst/>
   </dgm:styleLbl>
   <dgm:styleLbl name="fgSibTrans2D1">
-    <dgm:fillClrLst meth="repeat">
-      <a:schemeClr val="accent2">
-        <a:tint val="60000"/>
-      </a:schemeClr>
+    <dgm:fillClrLst>
+      <a:schemeClr val="accent5"/>
+      <a:schemeClr val="accent6"/>
     </dgm:fillClrLst>
     <dgm:linClrLst meth="repeat">
-      <a:schemeClr val="accent2">
-        <a:tint val="60000"/>
-      </a:schemeClr>
+      <a:schemeClr val="lt1"/>
     </dgm:linClrLst>
     <dgm:effectClrLst/>
     <dgm:txLinClrLst/>
-    <dgm:txFillClrLst/>
+    <dgm:txFillClrLst meth="repeat">
+      <a:schemeClr val="lt1"/>
+    </dgm:txFillClrLst>
     <dgm:txEffectClrLst/>
   </dgm:styleLbl>
   <dgm:styleLbl name="bgSibTrans2D1">
-    <dgm:fillClrLst meth="repeat">
-      <a:schemeClr val="accent2">
-        <a:tint val="60000"/>
-      </a:schemeClr>
+    <dgm:fillClrLst>
+      <a:schemeClr val="accent5"/>
+      <a:schemeClr val="accent6"/>
     </dgm:fillClrLst>
     <dgm:linClrLst meth="repeat">
-      <a:schemeClr val="accent2">
-        <a:tint val="60000"/>
-      </a:schemeClr>
+      <a:schemeClr val="lt1"/>
     </dgm:linClrLst>
     <dgm:effectClrLst/>
     <dgm:txLinClrLst/>
-    <dgm:txFillClrLst/>
+    <dgm:txFillClrLst meth="repeat">
+      <a:schemeClr val="lt1"/>
+    </dgm:txFillClrLst>
     <dgm:txEffectClrLst/>
   </dgm:styleLbl>
   <dgm:styleLbl name="sibTrans1D1">
-    <dgm:fillClrLst meth="repeat">
-      <a:schemeClr val="accent2"/>
-    </dgm:fillClrLst>
-    <dgm:linClrLst meth="repeat">
-      <a:schemeClr val="accent2"/>
+    <dgm:fillClrLst/>
+    <dgm:linClrLst>
+      <a:schemeClr val="accent5"/>
+      <a:schemeClr val="accent6"/>
     </dgm:linClrLst>
     <dgm:effectClrLst/>
     <dgm:txLinClrLst/>
@@ -356,10 +369,10 @@
   </dgm:styleLbl>
   <dgm:styleLbl name="callout">
     <dgm:fillClrLst meth="repeat">
-      <a:schemeClr val="accent2"/>
+      <a:schemeClr val="accent5"/>
     </dgm:fillClrLst>
     <dgm:linClrLst meth="repeat">
-      <a:schemeClr val="accent2">
+      <a:schemeClr val="accent5">
         <a:tint val="50000"/>
       </a:schemeClr>
     </dgm:linClrLst>
@@ -372,10 +385,12 @@
   </dgm:styleLbl>
   <dgm:styleLbl name="asst0">
     <dgm:fillClrLst meth="repeat">
-      <a:schemeClr val="accent2"/>
+      <a:schemeClr val="accent5"/>
     </dgm:fillClrLst>
     <dgm:linClrLst meth="repeat">
-      <a:schemeClr val="lt1"/>
+      <a:schemeClr val="lt1">
+        <a:shade val="80000"/>
+      </a:schemeClr>
     </dgm:linClrLst>
     <dgm:effectClrLst/>
     <dgm:txLinClrLst/>
@@ -384,10 +399,12 @@
   </dgm:styleLbl>
   <dgm:styleLbl name="asst1">
     <dgm:fillClrLst meth="repeat">
-      <a:schemeClr val="accent2"/>
+      <a:schemeClr val="accent6"/>
     </dgm:fillClrLst>
     <dgm:linClrLst meth="repeat">
-      <a:schemeClr val="lt1"/>
+      <a:schemeClr val="lt1">
+        <a:shade val="80000"/>
+      </a:schemeClr>
     </dgm:linClrLst>
     <dgm:effectClrLst/>
     <dgm:txLinClrLst/>
@@ -395,8 +412,8 @@
     <dgm:txEffectClrLst/>
   </dgm:styleLbl>
   <dgm:styleLbl name="asst2">
-    <dgm:fillClrLst meth="repeat">
-      <a:schemeClr val="accent2"/>
+    <dgm:fillClrLst>
+      <a:schemeClr val="accent1"/>
     </dgm:fillClrLst>
     <dgm:linClrLst meth="repeat">
       <a:schemeClr val="lt1"/>
@@ -407,7 +424,7 @@
     <dgm:txEffectClrLst/>
   </dgm:styleLbl>
   <dgm:styleLbl name="asst3">
-    <dgm:fillClrLst meth="repeat">
+    <dgm:fillClrLst>
       <a:schemeClr val="accent2"/>
     </dgm:fillClrLst>
     <dgm:linClrLst meth="repeat">
@@ -419,8 +436,8 @@
     <dgm:txEffectClrLst/>
   </dgm:styleLbl>
   <dgm:styleLbl name="asst4">
-    <dgm:fillClrLst meth="repeat">
-      <a:schemeClr val="accent2"/>
+    <dgm:fillClrLst>
+      <a:schemeClr val="accent3"/>
     </dgm:fillClrLst>
     <dgm:linClrLst meth="repeat">
       <a:schemeClr val="lt1"/>
@@ -432,14 +449,10 @@
   </dgm:styleLbl>
   <dgm:styleLbl name="parChTrans2D1">
     <dgm:fillClrLst meth="repeat">
-      <a:schemeClr val="accent2">
-        <a:tint val="60000"/>
-      </a:schemeClr>
+      <a:schemeClr val="accent5"/>
     </dgm:fillClrLst>
     <dgm:linClrLst meth="repeat">
-      <a:schemeClr val="accent2">
-        <a:tint val="60000"/>
-      </a:schemeClr>
+      <a:schemeClr val="lt1"/>
     </dgm:linClrLst>
     <dgm:effectClrLst/>
     <dgm:txLinClrLst/>
@@ -450,38 +463,34 @@
   </dgm:styleLbl>
   <dgm:styleLbl name="parChTrans2D2">
     <dgm:fillClrLst meth="repeat">
-      <a:schemeClr val="accent2"/>
+      <a:schemeClr val="accent6"/>
     </dgm:fillClrLst>
     <dgm:linClrLst meth="repeat">
-      <a:schemeClr val="accent2"/>
+      <a:schemeClr val="lt1"/>
     </dgm:linClrLst>
     <dgm:effectClrLst/>
     <dgm:txLinClrLst/>
-    <dgm:txFillClrLst meth="repeat">
-      <a:schemeClr val="lt1"/>
-    </dgm:txFillClrLst>
+    <dgm:txFillClrLst/>
     <dgm:txEffectClrLst/>
   </dgm:styleLbl>
   <dgm:styleLbl name="parChTrans2D3">
     <dgm:fillClrLst meth="repeat">
-      <a:schemeClr val="accent2"/>
+      <a:schemeClr val="accent6"/>
     </dgm:fillClrLst>
     <dgm:linClrLst meth="repeat">
-      <a:schemeClr val="accent2"/>
+      <a:schemeClr val="lt1"/>
     </dgm:linClrLst>
     <dgm:effectClrLst/>
     <dgm:txLinClrLst/>
-    <dgm:txFillClrLst meth="repeat">
-      <a:schemeClr val="lt1"/>
-    </dgm:txFillClrLst>
+    <dgm:txFillClrLst/>
     <dgm:txEffectClrLst/>
   </dgm:styleLbl>
   <dgm:styleLbl name="parChTrans2D4">
     <dgm:fillClrLst meth="repeat">
-      <a:schemeClr val="accent2"/>
+      <a:schemeClr val="accent1"/>
     </dgm:fillClrLst>
     <dgm:linClrLst meth="repeat">
-      <a:schemeClr val="accent2"/>
+      <a:schemeClr val="lt1"/>
     </dgm:linClrLst>
     <dgm:effectClrLst/>
     <dgm:txLinClrLst/>
@@ -492,12 +501,10 @@
   </dgm:styleLbl>
   <dgm:styleLbl name="parChTrans1D1">
     <dgm:fillClrLst meth="repeat">
-      <a:schemeClr val="accent2"/>
+      <a:schemeClr val="accent5"/>
     </dgm:fillClrLst>
     <dgm:linClrLst meth="repeat">
-      <a:schemeClr val="accent2">
-        <a:shade val="60000"/>
-      </a:schemeClr>
+      <a:schemeClr val="accent5"/>
     </dgm:linClrLst>
     <dgm:effectClrLst/>
     <dgm:txLinClrLst/>
@@ -508,12 +515,12 @@
   </dgm:styleLbl>
   <dgm:styleLbl name="parChTrans1D2">
     <dgm:fillClrLst meth="repeat">
-      <a:schemeClr val="accent2"/>
+      <a:schemeClr val="accent6">
+        <a:tint val="90000"/>
+      </a:schemeClr>
     </dgm:fillClrLst>
     <dgm:linClrLst meth="repeat">
-      <a:schemeClr val="accent2">
-        <a:shade val="60000"/>
-      </a:schemeClr>
+      <a:schemeClr val="accent6"/>
     </dgm:linClrLst>
     <dgm:effectClrLst/>
     <dgm:txLinClrLst/>
@@ -524,12 +531,12 @@
   </dgm:styleLbl>
   <dgm:styleLbl name="parChTrans1D3">
     <dgm:fillClrLst meth="repeat">
-      <a:schemeClr val="accent2"/>
+      <a:schemeClr val="accent6">
+        <a:tint val="70000"/>
+      </a:schemeClr>
     </dgm:fillClrLst>
     <dgm:linClrLst meth="repeat">
-      <a:schemeClr val="accent2">
-        <a:shade val="80000"/>
-      </a:schemeClr>
+      <a:schemeClr val="accent1"/>
     </dgm:linClrLst>
     <dgm:effectClrLst/>
     <dgm:txLinClrLst/>
@@ -540,12 +547,12 @@
   </dgm:styleLbl>
   <dgm:styleLbl name="parChTrans1D4">
     <dgm:fillClrLst meth="repeat">
-      <a:schemeClr val="accent2"/>
+      <a:schemeClr val="accent6">
+        <a:tint val="50000"/>
+      </a:schemeClr>
     </dgm:fillClrLst>
     <dgm:linClrLst meth="repeat">
-      <a:schemeClr val="accent2">
-        <a:shade val="80000"/>
-      </a:schemeClr>
+      <a:schemeClr val="accent2"/>
     </dgm:linClrLst>
     <dgm:effectClrLst/>
     <dgm:txLinClrLst/>
@@ -560,8 +567,9 @@
         <a:alpha val="90000"/>
       </a:schemeClr>
     </dgm:fillClrLst>
-    <dgm:linClrLst meth="repeat">
-      <a:schemeClr val="accent2"/>
+    <dgm:linClrLst>
+      <a:schemeClr val="accent5"/>
+      <a:schemeClr val="accent6"/>
     </dgm:linClrLst>
     <dgm:effectClrLst/>
     <dgm:txLinClrLst/>
@@ -576,8 +584,9 @@
         <a:alpha val="90000"/>
       </a:schemeClr>
     </dgm:fillClrLst>
-    <dgm:linClrLst meth="repeat">
-      <a:schemeClr val="accent2"/>
+    <dgm:linClrLst>
+      <a:schemeClr val="accent5"/>
+      <a:schemeClr val="accent6"/>
     </dgm:linClrLst>
     <dgm:effectClrLst/>
     <dgm:txLinClrLst/>
@@ -592,8 +601,9 @@
         <a:alpha val="90000"/>
       </a:schemeClr>
     </dgm:fillClrLst>
-    <dgm:linClrLst meth="repeat">
-      <a:schemeClr val="accent2"/>
+    <dgm:linClrLst>
+      <a:schemeClr val="accent5"/>
+      <a:schemeClr val="accent6"/>
     </dgm:linClrLst>
     <dgm:effectClrLst/>
     <dgm:txLinClrLst/>
@@ -609,7 +619,7 @@
       </a:schemeClr>
     </dgm:fillClrLst>
     <dgm:linClrLst meth="repeat">
-      <a:schemeClr val="accent2"/>
+      <a:schemeClr val="accent5"/>
     </dgm:linClrLst>
     <dgm:effectClrLst/>
     <dgm:txLinClrLst/>
@@ -624,8 +634,9 @@
         <a:alpha val="90000"/>
       </a:schemeClr>
     </dgm:fillClrLst>
-    <dgm:linClrLst meth="repeat">
-      <a:schemeClr val="accent2"/>
+    <dgm:linClrLst>
+      <a:schemeClr val="accent5"/>
+      <a:schemeClr val="accent6"/>
     </dgm:linClrLst>
     <dgm:effectClrLst/>
     <dgm:txLinClrLst/>
@@ -638,8 +649,9 @@
     <dgm:fillClrLst meth="repeat">
       <a:schemeClr val="lt1"/>
     </dgm:fillClrLst>
-    <dgm:linClrLst meth="repeat">
-      <a:schemeClr val="accent2"/>
+    <dgm:linClrLst>
+      <a:schemeClr val="accent5"/>
+      <a:schemeClr val="accent6"/>
     </dgm:linClrLst>
     <dgm:effectClrLst/>
     <dgm:txLinClrLst/>
@@ -652,8 +664,9 @@
     <dgm:fillClrLst meth="repeat">
       <a:schemeClr val="lt1"/>
     </dgm:fillClrLst>
-    <dgm:linClrLst meth="repeat">
-      <a:schemeClr val="accent2"/>
+    <dgm:linClrLst>
+      <a:schemeClr val="accent5"/>
+      <a:schemeClr val="accent6"/>
     </dgm:linClrLst>
     <dgm:effectClrLst/>
     <dgm:txLinClrLst/>
@@ -666,8 +679,9 @@
     <dgm:fillClrLst meth="repeat">
       <a:schemeClr val="lt1"/>
     </dgm:fillClrLst>
-    <dgm:linClrLst meth="repeat">
-      <a:schemeClr val="accent2"/>
+    <dgm:linClrLst>
+      <a:schemeClr val="accent5"/>
+      <a:schemeClr val="accent6"/>
     </dgm:linClrLst>
     <dgm:effectClrLst/>
     <dgm:txLinClrLst/>
@@ -677,16 +691,24 @@
     <dgm:txEffectClrLst/>
   </dgm:styleLbl>
   <dgm:styleLbl name="fgAccFollowNode1">
-    <dgm:fillClrLst meth="repeat">
-      <a:schemeClr val="accent2">
+    <dgm:fillClrLst>
+      <a:schemeClr val="accent5">
+        <a:tint val="40000"/>
         <a:alpha val="90000"/>
+      </a:schemeClr>
+      <a:schemeClr val="accent6">
         <a:tint val="40000"/>
+        <a:alpha val="90000"/>
       </a:schemeClr>
     </dgm:fillClrLst>
-    <dgm:linClrLst meth="repeat">
-      <a:schemeClr val="accent2">
+    <dgm:linClrLst>
+      <a:schemeClr val="accent5">
+        <a:tint val="40000"/>
         <a:alpha val="90000"/>
+      </a:schemeClr>
+      <a:schemeClr val="accent5">
         <a:tint val="40000"/>
+        <a:alpha val="90000"/>
       </a:schemeClr>
     </dgm:linClrLst>
     <dgm:effectClrLst/>
@@ -697,16 +719,24 @@
     <dgm:txEffectClrLst/>
   </dgm:styleLbl>
   <dgm:styleLbl name="alignAccFollowNode1">
-    <dgm:fillClrLst meth="repeat">
-      <a:schemeClr val="accent2">
+    <dgm:fillClrLst>
+      <a:schemeClr val="accent5">
+        <a:tint val="40000"/>
         <a:alpha val="90000"/>
+      </a:schemeClr>
+      <a:schemeClr val="accent6">
         <a:tint val="40000"/>
+        <a:alpha val="90000"/>
       </a:schemeClr>
     </dgm:fillClrLst>
-    <dgm:linClrLst meth="repeat">
-      <a:schemeClr val="accent2">
+    <dgm:linClrLst>
+      <a:schemeClr val="accent5">
+        <a:tint val="40000"/>
         <a:alpha val="90000"/>
+      </a:schemeClr>
+      <a:schemeClr val="accent6">
         <a:tint val="40000"/>
+        <a:alpha val="90000"/>
       </a:schemeClr>
     </dgm:linClrLst>
     <dgm:effectClrLst/>
@@ -717,16 +747,24 @@
     <dgm:txEffectClrLst/>
   </dgm:styleLbl>
   <dgm:styleLbl name="bgAccFollowNode1">
-    <dgm:fillClrLst meth="repeat">
-      <a:schemeClr val="accent2">
+    <dgm:fillClrLst>
+      <a:schemeClr val="accent5">
+        <a:tint val="40000"/>
         <a:alpha val="90000"/>
+      </a:schemeClr>
+      <a:schemeClr val="accent6">
         <a:tint val="40000"/>
+        <a:alpha val="90000"/>
       </a:schemeClr>
     </dgm:fillClrLst>
-    <dgm:linClrLst meth="repeat">
-      <a:schemeClr val="accent2">
+    <dgm:linClrLst>
+      <a:schemeClr val="accent5">
+        <a:tint val="40000"/>
         <a:alpha val="90000"/>
+      </a:schemeClr>
+      <a:schemeClr val="accent6">
         <a:tint val="40000"/>
+        <a:alpha val="90000"/>
       </a:schemeClr>
     </dgm:linClrLst>
     <dgm:effectClrLst/>
@@ -742,8 +780,8 @@
         <a:alpha val="90000"/>
       </a:schemeClr>
     </dgm:fillClrLst>
-    <dgm:linClrLst meth="repeat">
-      <a:schemeClr val="accent2"/>
+    <dgm:linClrLst>
+      <a:schemeClr val="accent4"/>
     </dgm:linClrLst>
     <dgm:effectClrLst/>
     <dgm:txLinClrLst/>
@@ -758,8 +796,8 @@
         <a:alpha val="90000"/>
       </a:schemeClr>
     </dgm:fillClrLst>
-    <dgm:linClrLst meth="repeat">
-      <a:schemeClr val="accent2"/>
+    <dgm:linClrLst>
+      <a:schemeClr val="accent6"/>
     </dgm:linClrLst>
     <dgm:effectClrLst/>
     <dgm:txLinClrLst/>
@@ -774,8 +812,8 @@
         <a:alpha val="90000"/>
       </a:schemeClr>
     </dgm:fillClrLst>
-    <dgm:linClrLst meth="repeat">
-      <a:schemeClr val="accent2"/>
+    <dgm:linClrLst>
+      <a:schemeClr val="accent1"/>
     </dgm:linClrLst>
     <dgm:effectClrLst/>
     <dgm:txLinClrLst/>
@@ -790,7 +828,7 @@
         <a:alpha val="90000"/>
       </a:schemeClr>
     </dgm:fillClrLst>
-    <dgm:linClrLst meth="repeat">
+    <dgm:linClrLst>
       <a:schemeClr val="accent2"/>
     </dgm:linClrLst>
     <dgm:effectClrLst/>
@@ -802,12 +840,12 @@
   </dgm:styleLbl>
   <dgm:styleLbl name="bgShp">
     <dgm:fillClrLst meth="repeat">
-      <a:schemeClr val="accent2">
+      <a:schemeClr val="accent5">
         <a:tint val="40000"/>
       </a:schemeClr>
     </dgm:fillClrLst>
     <dgm:linClrLst meth="repeat">
-      <a:schemeClr val="accent2"/>
+      <a:schemeClr val="dk1"/>
     </dgm:linClrLst>
     <dgm:effectClrLst/>
     <dgm:txLinClrLst/>
@@ -818,12 +856,12 @@
   </dgm:styleLbl>
   <dgm:styleLbl name="dkBgShp">
     <dgm:fillClrLst meth="repeat">
-      <a:schemeClr val="accent2">
-        <a:shade val="80000"/>
+      <a:schemeClr val="accent5">
+        <a:shade val="90000"/>
       </a:schemeClr>
     </dgm:fillClrLst>
     <dgm:linClrLst meth="repeat">
-      <a:schemeClr val="accent2"/>
+      <a:schemeClr val="dk1"/>
     </dgm:linClrLst>
     <dgm:effectClrLst/>
     <dgm:txLinClrLst/>
@@ -834,13 +872,13 @@
   </dgm:styleLbl>
   <dgm:styleLbl name="trBgShp">
     <dgm:fillClrLst meth="repeat">
-      <a:schemeClr val="accent2">
+      <a:schemeClr val="accent5">
         <a:tint val="50000"/>
         <a:alpha val="40000"/>
       </a:schemeClr>
     </dgm:fillClrLst>
     <dgm:linClrLst meth="repeat">
-      <a:schemeClr val="accent2"/>
+      <a:schemeClr val="accent5"/>
     </dgm:linClrLst>
     <dgm:effectClrLst/>
     <dgm:txLinClrLst/>
@@ -851,8 +889,8 @@
   </dgm:styleLbl>
   <dgm:styleLbl name="fgShp">
     <dgm:fillClrLst meth="repeat">
-      <a:schemeClr val="accent2">
-        <a:tint val="60000"/>
+      <a:schemeClr val="accent5">
+        <a:tint val="40000"/>
       </a:schemeClr>
     </dgm:fillClrLst>
     <dgm:linClrLst meth="repeat">
@@ -890,7 +928,7 @@
 <dgm:dataModel xmlns:dgm="http://schemas.openxmlformats.org/drawingml/2006/diagram" xmlns:a="http://schemas.openxmlformats.org/drawingml/2006/main">
   <dgm:ptLst>
     <dgm:pt modelId="{3A35DF8D-A8FE-4693-9747-C31909096F69}" type="doc">
-      <dgm:prSet loTypeId="urn:microsoft.com/office/officeart/2005/8/layout/cycle6" loCatId="cycle" qsTypeId="urn:microsoft.com/office/officeart/2005/8/quickstyle/simple1" qsCatId="simple" csTypeId="urn:microsoft.com/office/officeart/2005/8/colors/accent2_2" csCatId="accent2" phldr="1"/>
+      <dgm:prSet loTypeId="urn:microsoft.com/office/officeart/2005/8/layout/cycle6" loCatId="cycle" qsTypeId="urn:microsoft.com/office/officeart/2005/8/quickstyle/simple1" qsCatId="simple" csTypeId="urn:microsoft.com/office/officeart/2005/8/colors/colorful5" csCatId="colorful" phldr="1"/>
       <dgm:spPr/>
       <dgm:t>
         <a:bodyPr/>
@@ -1006,7 +1044,7 @@
         </a:p>
       </dgm:t>
     </dgm:pt>
-    <dgm:pt modelId="{E51FD68E-18CA-429F-B69D-EC2DF129FC66}" type="pres">
+    <dgm:pt modelId="{A9673766-0598-4981-BFD6-B00CD506620C}" type="pres">
       <dgm:prSet presAssocID="{3A35DF8D-A8FE-4693-9747-C31909096F69}" presName="cycle" presStyleCnt="0">
         <dgm:presLayoutVars>
           <dgm:dir/>
@@ -1015,7 +1053,7 @@
       </dgm:prSet>
       <dgm:spPr/>
     </dgm:pt>
-    <dgm:pt modelId="{9BD2AE56-C4CA-4E4C-9626-B917B2B0671E}" type="pres">
+    <dgm:pt modelId="{65EB19F3-FA1F-40F8-AFE9-349C817D1E2C}" type="pres">
       <dgm:prSet presAssocID="{EAAC7278-A454-440C-899D-A8A6CDDB6403}" presName="node" presStyleLbl="node1" presStyleIdx="0" presStyleCnt="2">
         <dgm:presLayoutVars>
           <dgm:bulletEnabled val="1"/>
@@ -1023,15 +1061,15 @@
       </dgm:prSet>
       <dgm:spPr/>
     </dgm:pt>
-    <dgm:pt modelId="{D48D6474-3DCF-4C0B-8D05-17C68913DD77}" type="pres">
+    <dgm:pt modelId="{F0B2932C-822D-4BB5-89C6-549512751447}" type="pres">
       <dgm:prSet presAssocID="{EAAC7278-A454-440C-899D-A8A6CDDB6403}" presName="spNode" presStyleCnt="0"/>
       <dgm:spPr/>
     </dgm:pt>
-    <dgm:pt modelId="{9A1213EB-C037-487C-B8D9-32EEBEB7739B}" type="pres">
+    <dgm:pt modelId="{49BFBD11-6039-4FFB-A10D-86169DD15053}" type="pres">
       <dgm:prSet presAssocID="{8B1C6E21-2A75-46B6-8EC4-B1D216E77C8C}" presName="sibTrans" presStyleLbl="sibTrans1D1" presStyleIdx="0" presStyleCnt="2"/>
       <dgm:spPr/>
     </dgm:pt>
-    <dgm:pt modelId="{18EB529B-CCF4-46A4-97C7-98A0A2E4DA31}" type="pres">
+    <dgm:pt modelId="{593F31C1-85BD-4FFF-8CD9-C7F22ADC3176}" type="pres">
       <dgm:prSet presAssocID="{C48A9428-7874-4F0B-B460-9F362747452E}" presName="node" presStyleLbl="node1" presStyleIdx="1" presStyleCnt="2">
         <dgm:presLayoutVars>
           <dgm:bulletEnabled val="1"/>
@@ -1039,29 +1077,29 @@
       </dgm:prSet>
       <dgm:spPr/>
     </dgm:pt>
-    <dgm:pt modelId="{5E576173-B687-4593-9BFA-92BE0F35F572}" type="pres">
+    <dgm:pt modelId="{E7606B48-4F72-4C14-98DA-9042ED10DDA3}" type="pres">
       <dgm:prSet presAssocID="{C48A9428-7874-4F0B-B460-9F362747452E}" presName="spNode" presStyleCnt="0"/>
       <dgm:spPr/>
     </dgm:pt>
-    <dgm:pt modelId="{9E003D1E-78DB-4DFA-BC87-40AD7481D9BD}" type="pres">
+    <dgm:pt modelId="{00337A17-E008-40C2-B9CC-3EA271A78B38}" type="pres">
       <dgm:prSet presAssocID="{37CB637C-74DD-4E3B-A220-7136B300DDA1}" presName="sibTrans" presStyleLbl="sibTrans1D1" presStyleIdx="1" presStyleCnt="2"/>
       <dgm:spPr/>
     </dgm:pt>
   </dgm:ptLst>
   <dgm:cxnLst>
-    <dgm:cxn modelId="{7F4EE309-1262-4432-BF89-E16DF7FBB98D}" type="presOf" srcId="{C48A9428-7874-4F0B-B460-9F362747452E}" destId="{18EB529B-CCF4-46A4-97C7-98A0A2E4DA31}" srcOrd="0" destOrd="0" presId="urn:microsoft.com/office/officeart/2005/8/layout/cycle6"/>
+    <dgm:cxn modelId="{4FCFDE07-AD4C-43D7-9DAE-324D09105398}" type="presOf" srcId="{3A35DF8D-A8FE-4693-9747-C31909096F69}" destId="{A9673766-0598-4981-BFD6-B00CD506620C}" srcOrd="0" destOrd="0" presId="urn:microsoft.com/office/officeart/2005/8/layout/cycle6"/>
+    <dgm:cxn modelId="{CF9B1918-11D1-4949-87E7-DB624B95F482}" type="presOf" srcId="{8B1C6E21-2A75-46B6-8EC4-B1D216E77C8C}" destId="{49BFBD11-6039-4FFB-A10D-86169DD15053}" srcOrd="0" destOrd="0" presId="urn:microsoft.com/office/officeart/2005/8/layout/cycle6"/>
+    <dgm:cxn modelId="{F8BD7626-01A4-4075-9DC2-DF1DEA845AD7}" type="presOf" srcId="{C48A9428-7874-4F0B-B460-9F362747452E}" destId="{593F31C1-85BD-4FFF-8CD9-C7F22ADC3176}" srcOrd="0" destOrd="0" presId="urn:microsoft.com/office/officeart/2005/8/layout/cycle6"/>
     <dgm:cxn modelId="{70971947-B7E2-4F74-B92A-D5A055956968}" srcId="{3A35DF8D-A8FE-4693-9747-C31909096F69}" destId="{C48A9428-7874-4F0B-B460-9F362747452E}" srcOrd="1" destOrd="0" parTransId="{B04E32C6-FFE8-4529-81EC-9ABEA7A9C274}" sibTransId="{37CB637C-74DD-4E3B-A220-7136B300DDA1}"/>
-    <dgm:cxn modelId="{6BD62767-D76C-4AFB-AEE3-ABFA5F1CE009}" type="presOf" srcId="{3A35DF8D-A8FE-4693-9747-C31909096F69}" destId="{E51FD68E-18CA-429F-B69D-EC2DF129FC66}" srcOrd="0" destOrd="0" presId="urn:microsoft.com/office/officeart/2005/8/layout/cycle6"/>
-    <dgm:cxn modelId="{DD6B7B48-121E-44D1-AD90-0F493EB5D131}" type="presOf" srcId="{8B1C6E21-2A75-46B6-8EC4-B1D216E77C8C}" destId="{9A1213EB-C037-487C-B8D9-32EEBEB7739B}" srcOrd="0" destOrd="0" presId="urn:microsoft.com/office/officeart/2005/8/layout/cycle6"/>
-    <dgm:cxn modelId="{6F7CC080-F185-46FF-98F4-A8BFAC7D878B}" type="presOf" srcId="{37CB637C-74DD-4E3B-A220-7136B300DDA1}" destId="{9E003D1E-78DB-4DFA-BC87-40AD7481D9BD}" srcOrd="0" destOrd="0" presId="urn:microsoft.com/office/officeart/2005/8/layout/cycle6"/>
+    <dgm:cxn modelId="{E5224172-C5F4-4FC0-8313-D6DD63EDEE71}" type="presOf" srcId="{37CB637C-74DD-4E3B-A220-7136B300DDA1}" destId="{00337A17-E008-40C2-B9CC-3EA271A78B38}" srcOrd="0" destOrd="0" presId="urn:microsoft.com/office/officeart/2005/8/layout/cycle6"/>
+    <dgm:cxn modelId="{C145308E-3AF1-4387-B11C-272660710B14}" type="presOf" srcId="{EAAC7278-A454-440C-899D-A8A6CDDB6403}" destId="{65EB19F3-FA1F-40F8-AFE9-349C817D1E2C}" srcOrd="0" destOrd="0" presId="urn:microsoft.com/office/officeart/2005/8/layout/cycle6"/>
     <dgm:cxn modelId="{407721A7-070A-4E04-B885-10813EB6815E}" srcId="{3A35DF8D-A8FE-4693-9747-C31909096F69}" destId="{EAAC7278-A454-440C-899D-A8A6CDDB6403}" srcOrd="0" destOrd="0" parTransId="{932F9DC8-E317-48E2-9334-5ACF67BC4FAC}" sibTransId="{8B1C6E21-2A75-46B6-8EC4-B1D216E77C8C}"/>
-    <dgm:cxn modelId="{741A0CD8-F871-472C-BD3D-8D80BF37AFE0}" type="presOf" srcId="{EAAC7278-A454-440C-899D-A8A6CDDB6403}" destId="{9BD2AE56-C4CA-4E4C-9626-B917B2B0671E}" srcOrd="0" destOrd="0" presId="urn:microsoft.com/office/officeart/2005/8/layout/cycle6"/>
-    <dgm:cxn modelId="{04CD96A7-2E5D-499E-A78D-41BC86A9B950}" type="presParOf" srcId="{E51FD68E-18CA-429F-B69D-EC2DF129FC66}" destId="{9BD2AE56-C4CA-4E4C-9626-B917B2B0671E}" srcOrd="0" destOrd="0" presId="urn:microsoft.com/office/officeart/2005/8/layout/cycle6"/>
-    <dgm:cxn modelId="{1D9CB54C-C7E5-4A13-9A11-5A509336B205}" type="presParOf" srcId="{E51FD68E-18CA-429F-B69D-EC2DF129FC66}" destId="{D48D6474-3DCF-4C0B-8D05-17C68913DD77}" srcOrd="1" destOrd="0" presId="urn:microsoft.com/office/officeart/2005/8/layout/cycle6"/>
-    <dgm:cxn modelId="{D24A0CDE-0EEA-4FA2-980B-B36D27803FD7}" type="presParOf" srcId="{E51FD68E-18CA-429F-B69D-EC2DF129FC66}" destId="{9A1213EB-C037-487C-B8D9-32EEBEB7739B}" srcOrd="2" destOrd="0" presId="urn:microsoft.com/office/officeart/2005/8/layout/cycle6"/>
-    <dgm:cxn modelId="{17920DD8-B591-445E-A237-368BDB5DB5E2}" type="presParOf" srcId="{E51FD68E-18CA-429F-B69D-EC2DF129FC66}" destId="{18EB529B-CCF4-46A4-97C7-98A0A2E4DA31}" srcOrd="3" destOrd="0" presId="urn:microsoft.com/office/officeart/2005/8/layout/cycle6"/>
-    <dgm:cxn modelId="{78F132A9-431B-4BD1-BBAA-221C14012630}" type="presParOf" srcId="{E51FD68E-18CA-429F-B69D-EC2DF129FC66}" destId="{5E576173-B687-4593-9BFA-92BE0F35F572}" srcOrd="4" destOrd="0" presId="urn:microsoft.com/office/officeart/2005/8/layout/cycle6"/>
-    <dgm:cxn modelId="{4552E10F-A4C9-4CBF-9AA3-54C42A3B84E5}" type="presParOf" srcId="{E51FD68E-18CA-429F-B69D-EC2DF129FC66}" destId="{9E003D1E-78DB-4DFA-BC87-40AD7481D9BD}" srcOrd="5" destOrd="0" presId="urn:microsoft.com/office/officeart/2005/8/layout/cycle6"/>
+    <dgm:cxn modelId="{825A4138-CB85-488C-AB9F-B1A758DFD8D8}" type="presParOf" srcId="{A9673766-0598-4981-BFD6-B00CD506620C}" destId="{65EB19F3-FA1F-40F8-AFE9-349C817D1E2C}" srcOrd="0" destOrd="0" presId="urn:microsoft.com/office/officeart/2005/8/layout/cycle6"/>
+    <dgm:cxn modelId="{93A20A81-7CA0-450B-9AFA-C9124CC7AC6A}" type="presParOf" srcId="{A9673766-0598-4981-BFD6-B00CD506620C}" destId="{F0B2932C-822D-4BB5-89C6-549512751447}" srcOrd="1" destOrd="0" presId="urn:microsoft.com/office/officeart/2005/8/layout/cycle6"/>
+    <dgm:cxn modelId="{2739DD6F-523D-469D-9E3E-1E0EC17593BF}" type="presParOf" srcId="{A9673766-0598-4981-BFD6-B00CD506620C}" destId="{49BFBD11-6039-4FFB-A10D-86169DD15053}" srcOrd="2" destOrd="0" presId="urn:microsoft.com/office/officeart/2005/8/layout/cycle6"/>
+    <dgm:cxn modelId="{A9AFF419-51B3-44F1-BB05-8E4BF7072988}" type="presParOf" srcId="{A9673766-0598-4981-BFD6-B00CD506620C}" destId="{593F31C1-85BD-4FFF-8CD9-C7F22ADC3176}" srcOrd="3" destOrd="0" presId="urn:microsoft.com/office/officeart/2005/8/layout/cycle6"/>
+    <dgm:cxn modelId="{1D73E2FA-BD8F-4C6A-BB7B-BA8CF1E1A0D0}" type="presParOf" srcId="{A9673766-0598-4981-BFD6-B00CD506620C}" destId="{E7606B48-4F72-4C14-98DA-9042ED10DDA3}" srcOrd="4" destOrd="0" presId="urn:microsoft.com/office/officeart/2005/8/layout/cycle6"/>
+    <dgm:cxn modelId="{13FAE6B6-AE9C-4ED9-A4F7-D2DC30FE482E}" type="presParOf" srcId="{A9673766-0598-4981-BFD6-B00CD506620C}" destId="{00337A17-E008-40C2-B9CC-3EA271A78B38}" srcOrd="5" destOrd="0" presId="urn:microsoft.com/office/officeart/2005/8/layout/cycle6"/>
   </dgm:cxnLst>
   <dgm:bg/>
   <dgm:whole/>
@@ -1081,21 +1119,21 @@
       <dsp:cNvGrpSpPr/>
     </dsp:nvGrpSpPr>
     <dsp:grpSpPr/>
-    <dsp:sp modelId="{9BD2AE56-C4CA-4E4C-9626-B917B2B0671E}">
+    <dsp:sp modelId="{65EB19F3-FA1F-40F8-AFE9-349C817D1E2C}">
       <dsp:nvSpPr>
         <dsp:cNvPr id="0" name=""/>
         <dsp:cNvSpPr/>
       </dsp:nvSpPr>
       <dsp:spPr>
         <a:xfrm>
-          <a:off x="1200" y="1785195"/>
-          <a:ext cx="2975840" cy="1934296"/>
+          <a:off x="1854831" y="1124365"/>
+          <a:ext cx="3234779" cy="2102606"/>
         </a:xfrm>
         <a:prstGeom prst="roundRect">
           <a:avLst/>
         </a:prstGeom>
         <a:solidFill>
-          <a:schemeClr val="accent2">
+          <a:schemeClr val="accent5">
             <a:hueOff val="0"/>
             <a:satOff val="0"/>
             <a:lumOff val="0"/>
@@ -1131,12 +1169,12 @@
         </a:fontRef>
       </dsp:style>
       <dsp:txBody>
-        <a:bodyPr spcFirstLastPara="0" vert="horz" wrap="square" lIns="95250" tIns="95250" rIns="95250" bIns="95250" numCol="1" spcCol="1270" anchor="ctr" anchorCtr="0">
+        <a:bodyPr spcFirstLastPara="0" vert="horz" wrap="square" lIns="106680" tIns="106680" rIns="106680" bIns="106680" numCol="1" spcCol="1270" anchor="ctr" anchorCtr="0">
           <a:noAutofit/>
         </a:bodyPr>
         <a:lstStyle/>
         <a:p>
-          <a:pPr marL="0" lvl="0" indent="0" algn="ctr" defTabSz="1111250">
+          <a:pPr marL="0" lvl="0" indent="0" algn="ctr" defTabSz="1244600">
             <a:lnSpc>
               <a:spcPct val="90000"/>
             </a:lnSpc>
@@ -1149,50 +1187,50 @@
             <a:buNone/>
           </a:pPr>
           <a:r>
-            <a:rPr lang="en-US" sz="2500" kern="1200" dirty="0"/>
+            <a:rPr lang="en-US" sz="2800" kern="1200" dirty="0"/>
             <a:t>&lt;</a:t>
           </a:r>
           <a:r>
-            <a:rPr lang="ko-KR" sz="2500" kern="1200" dirty="0" err="1"/>
+            <a:rPr lang="ko-KR" sz="2800" kern="1200" dirty="0" err="1"/>
             <a:t>반복문</a:t>
           </a:r>
           <a:r>
-            <a:rPr lang="en-US" sz="2500" kern="1200" dirty="0"/>
+            <a:rPr lang="en-US" sz="2800" kern="1200" dirty="0"/>
             <a:t>&gt;</a:t>
           </a:r>
           <a:r>
-            <a:rPr lang="ko-KR" sz="2500" kern="1200" dirty="0"/>
+            <a:rPr lang="ko-KR" sz="2800" kern="1200" dirty="0"/>
             <a:t>을 이용한 </a:t>
           </a:r>
           <a:r>
-            <a:rPr lang="ko-KR" sz="2500" kern="1200" dirty="0" err="1"/>
+            <a:rPr lang="ko-KR" sz="2800" kern="1200" dirty="0" err="1"/>
             <a:t>별찍기</a:t>
           </a:r>
           <a:r>
-            <a:rPr lang="en-US" sz="2500" kern="1200" dirty="0"/>
+            <a:rPr lang="en-US" sz="2800" kern="1200" dirty="0"/>
             <a:t> </a:t>
           </a:r>
           <a:r>
-            <a:rPr lang="ko-KR" sz="2500" kern="1200" dirty="0"/>
+            <a:rPr lang="ko-KR" sz="2800" kern="1200" dirty="0"/>
             <a:t>문제</a:t>
           </a:r>
-          <a:endParaRPr lang="en-US" sz="2500" kern="1200" dirty="0"/>
+          <a:endParaRPr lang="en-US" sz="2800" kern="1200" dirty="0"/>
         </a:p>
       </dsp:txBody>
       <dsp:txXfrm>
-        <a:off x="95625" y="1879620"/>
-        <a:ext cx="2786990" cy="1745446"/>
+        <a:off x="1957472" y="1227006"/>
+        <a:ext cx="3029497" cy="1897324"/>
       </dsp:txXfrm>
     </dsp:sp>
-    <dsp:sp modelId="{9A1213EB-C037-487C-B8D9-32EEBEB7739B}">
+    <dsp:sp modelId="{49BFBD11-6039-4FFB-A10D-86169DD15053}">
       <dsp:nvSpPr>
         <dsp:cNvPr id="0" name=""/>
         <dsp:cNvSpPr/>
       </dsp:nvSpPr>
       <dsp:spPr>
         <a:xfrm>
-          <a:off x="1489120" y="1109644"/>
-          <a:ext cx="3285398" cy="3285398"/>
+          <a:off x="3472221" y="390090"/>
+          <a:ext cx="3571157" cy="3571157"/>
         </a:xfrm>
         <a:custGeom>
           <a:avLst/>
@@ -1203,16 +1241,16 @@
           <a:pathLst>
             <a:path>
               <a:moveTo>
-                <a:pt x="330695" y="654212"/>
+                <a:pt x="359483" y="711081"/>
               </a:moveTo>
-              <a:arcTo wR="1642699" hR="1642699" stAng="13019700" swAng="6360599"/>
+              <a:arcTo wR="1785578" hR="1785578" stAng="13019780" swAng="6360440"/>
             </a:path>
           </a:pathLst>
         </a:custGeom>
         <a:noFill/>
         <a:ln w="6350" cap="flat" cmpd="sng" algn="ctr">
           <a:solidFill>
-            <a:schemeClr val="accent2">
+            <a:schemeClr val="accent5">
               <a:hueOff val="0"/>
               <a:satOff val="0"/>
               <a:lumOff val="0"/>
@@ -1237,24 +1275,24 @@
         <a:fontRef idx="minor"/>
       </dsp:style>
     </dsp:sp>
-    <dsp:sp modelId="{18EB529B-CCF4-46A4-97C7-98A0A2E4DA31}">
+    <dsp:sp modelId="{593F31C1-85BD-4FFF-8CD9-C7F22ADC3176}">
       <dsp:nvSpPr>
         <dsp:cNvPr id="0" name=""/>
         <dsp:cNvSpPr/>
       </dsp:nvSpPr>
       <dsp:spPr>
         <a:xfrm>
-          <a:off x="3286598" y="1785195"/>
-          <a:ext cx="2975840" cy="1934296"/>
+          <a:off x="5425989" y="1124365"/>
+          <a:ext cx="3234779" cy="2102606"/>
         </a:xfrm>
         <a:prstGeom prst="roundRect">
           <a:avLst/>
         </a:prstGeom>
         <a:solidFill>
-          <a:schemeClr val="accent2">
-            <a:hueOff val="0"/>
-            <a:satOff val="0"/>
-            <a:lumOff val="0"/>
+          <a:schemeClr val="accent5">
+            <a:hueOff val="-6758543"/>
+            <a:satOff val="-17419"/>
+            <a:lumOff val="-11765"/>
             <a:alphaOff val="0"/>
           </a:schemeClr>
         </a:solidFill>
@@ -1287,12 +1325,12 @@
         </a:fontRef>
       </dsp:style>
       <dsp:txBody>
-        <a:bodyPr spcFirstLastPara="0" vert="horz" wrap="square" lIns="95250" tIns="95250" rIns="95250" bIns="95250" numCol="1" spcCol="1270" anchor="ctr" anchorCtr="0">
+        <a:bodyPr spcFirstLastPara="0" vert="horz" wrap="square" lIns="106680" tIns="106680" rIns="106680" bIns="106680" numCol="1" spcCol="1270" anchor="ctr" anchorCtr="0">
           <a:noAutofit/>
         </a:bodyPr>
         <a:lstStyle/>
         <a:p>
-          <a:pPr marL="0" lvl="0" indent="0" algn="ctr" defTabSz="1111250">
+          <a:pPr marL="0" lvl="0" indent="0" algn="ctr" defTabSz="1244600">
             <a:lnSpc>
               <a:spcPct val="90000"/>
             </a:lnSpc>
@@ -1305,34 +1343,34 @@
             <a:buNone/>
           </a:pPr>
           <a:r>
-            <a:rPr lang="ko-KR" sz="2500" kern="1200" dirty="0"/>
+            <a:rPr lang="ko-KR" sz="2800" kern="1200" dirty="0"/>
             <a:t>이스케이프 </a:t>
           </a:r>
           <a:r>
-            <a:rPr lang="ko-KR" altLang="en-US" sz="2500" kern="1200" dirty="0"/>
+            <a:rPr lang="ko-KR" altLang="en-US" sz="2800" kern="1200" dirty="0"/>
             <a:t>시퀀스</a:t>
           </a:r>
           <a:r>
-            <a:rPr lang="ko-KR" sz="2500" kern="1200" dirty="0"/>
+            <a:rPr lang="ko-KR" sz="2800" kern="1200" dirty="0"/>
             <a:t> 알아보기</a:t>
           </a:r>
-          <a:endParaRPr lang="en-US" sz="2500" kern="1200" dirty="0"/>
+          <a:endParaRPr lang="en-US" sz="2800" kern="1200" dirty="0"/>
         </a:p>
       </dsp:txBody>
       <dsp:txXfrm>
-        <a:off x="3381023" y="1879620"/>
-        <a:ext cx="2786990" cy="1745446"/>
+        <a:off x="5528630" y="1227006"/>
+        <a:ext cx="3029497" cy="1897324"/>
       </dsp:txXfrm>
     </dsp:sp>
-    <dsp:sp modelId="{9E003D1E-78DB-4DFA-BC87-40AD7481D9BD}">
+    <dsp:sp modelId="{00337A17-E008-40C2-B9CC-3EA271A78B38}">
       <dsp:nvSpPr>
         <dsp:cNvPr id="0" name=""/>
         <dsp:cNvSpPr/>
       </dsp:nvSpPr>
       <dsp:spPr>
         <a:xfrm>
-          <a:off x="1489120" y="1109644"/>
-          <a:ext cx="3285398" cy="3285398"/>
+          <a:off x="3472221" y="390090"/>
+          <a:ext cx="3571157" cy="3571157"/>
         </a:xfrm>
         <a:custGeom>
           <a:avLst/>
@@ -1343,19 +1381,19 @@
           <a:pathLst>
             <a:path>
               <a:moveTo>
-                <a:pt x="2954702" y="2631185"/>
+                <a:pt x="3211674" y="2860075"/>
               </a:moveTo>
-              <a:arcTo wR="1642699" hR="1642699" stAng="2219700" swAng="6360599"/>
+              <a:arcTo wR="1785578" hR="1785578" stAng="2219780" swAng="6360440"/>
             </a:path>
           </a:pathLst>
         </a:custGeom>
         <a:noFill/>
         <a:ln w="6350" cap="flat" cmpd="sng" algn="ctr">
           <a:solidFill>
-            <a:schemeClr val="accent2">
-              <a:hueOff val="0"/>
-              <a:satOff val="0"/>
-              <a:lumOff val="0"/>
+            <a:schemeClr val="accent5">
+              <a:hueOff val="-6758543"/>
+              <a:satOff val="-17419"/>
+              <a:lumOff val="-11765"/>
               <a:alphaOff val="0"/>
             </a:schemeClr>
           </a:solidFill>
@@ -2771,7 +2809,7 @@
           <a:p>
             <a:fld id="{2065E873-D5DC-484B-8E24-C588B60C8C93}" type="datetimeFigureOut">
               <a:rPr lang="ko-KR" altLang="en-US" smtClean="0"/>
-              <a:t>2020-02-26</a:t>
+              <a:t>2020-03-30</a:t>
             </a:fld>
             <a:endParaRPr lang="ko-KR" altLang="en-US"/>
           </a:p>
@@ -2969,7 +3007,7 @@
           <a:p>
             <a:fld id="{2065E873-D5DC-484B-8E24-C588B60C8C93}" type="datetimeFigureOut">
               <a:rPr lang="ko-KR" altLang="en-US" smtClean="0"/>
-              <a:t>2020-02-26</a:t>
+              <a:t>2020-03-30</a:t>
             </a:fld>
             <a:endParaRPr lang="ko-KR" altLang="en-US"/>
           </a:p>
@@ -3177,7 +3215,7 @@
           <a:p>
             <a:fld id="{2065E873-D5DC-484B-8E24-C588B60C8C93}" type="datetimeFigureOut">
               <a:rPr lang="ko-KR" altLang="en-US" smtClean="0"/>
-              <a:t>2020-02-26</a:t>
+              <a:t>2020-03-30</a:t>
             </a:fld>
             <a:endParaRPr lang="ko-KR" altLang="en-US"/>
           </a:p>
@@ -3375,7 +3413,7 @@
           <a:p>
             <a:fld id="{2065E873-D5DC-484B-8E24-C588B60C8C93}" type="datetimeFigureOut">
               <a:rPr lang="ko-KR" altLang="en-US" smtClean="0"/>
-              <a:t>2020-02-26</a:t>
+              <a:t>2020-03-30</a:t>
             </a:fld>
             <a:endParaRPr lang="ko-KR" altLang="en-US"/>
           </a:p>
@@ -3650,7 +3688,7 @@
           <a:p>
             <a:fld id="{2065E873-D5DC-484B-8E24-C588B60C8C93}" type="datetimeFigureOut">
               <a:rPr lang="ko-KR" altLang="en-US" smtClean="0"/>
-              <a:t>2020-02-26</a:t>
+              <a:t>2020-03-30</a:t>
             </a:fld>
             <a:endParaRPr lang="ko-KR" altLang="en-US"/>
           </a:p>
@@ -3915,7 +3953,7 @@
           <a:p>
             <a:fld id="{2065E873-D5DC-484B-8E24-C588B60C8C93}" type="datetimeFigureOut">
               <a:rPr lang="ko-KR" altLang="en-US" smtClean="0"/>
-              <a:t>2020-02-26</a:t>
+              <a:t>2020-03-30</a:t>
             </a:fld>
             <a:endParaRPr lang="ko-KR" altLang="en-US"/>
           </a:p>
@@ -4327,7 +4365,7 @@
           <a:p>
             <a:fld id="{2065E873-D5DC-484B-8E24-C588B60C8C93}" type="datetimeFigureOut">
               <a:rPr lang="ko-KR" altLang="en-US" smtClean="0"/>
-              <a:t>2020-02-26</a:t>
+              <a:t>2020-03-30</a:t>
             </a:fld>
             <a:endParaRPr lang="ko-KR" altLang="en-US"/>
           </a:p>
@@ -4468,7 +4506,7 @@
           <a:p>
             <a:fld id="{2065E873-D5DC-484B-8E24-C588B60C8C93}" type="datetimeFigureOut">
               <a:rPr lang="ko-KR" altLang="en-US" smtClean="0"/>
-              <a:t>2020-02-26</a:t>
+              <a:t>2020-03-30</a:t>
             </a:fld>
             <a:endParaRPr lang="ko-KR" altLang="en-US"/>
           </a:p>
@@ -4581,7 +4619,7 @@
           <a:p>
             <a:fld id="{2065E873-D5DC-484B-8E24-C588B60C8C93}" type="datetimeFigureOut">
               <a:rPr lang="ko-KR" altLang="en-US" smtClean="0"/>
-              <a:t>2020-02-26</a:t>
+              <a:t>2020-03-30</a:t>
             </a:fld>
             <a:endParaRPr lang="ko-KR" altLang="en-US"/>
           </a:p>
@@ -4892,7 +4930,7 @@
           <a:p>
             <a:fld id="{2065E873-D5DC-484B-8E24-C588B60C8C93}" type="datetimeFigureOut">
               <a:rPr lang="ko-KR" altLang="en-US" smtClean="0"/>
-              <a:t>2020-02-26</a:t>
+              <a:t>2020-03-30</a:t>
             </a:fld>
             <a:endParaRPr lang="ko-KR" altLang="en-US"/>
           </a:p>
@@ -5180,7 +5218,7 @@
           <a:p>
             <a:fld id="{2065E873-D5DC-484B-8E24-C588B60C8C93}" type="datetimeFigureOut">
               <a:rPr lang="ko-KR" altLang="en-US" smtClean="0"/>
-              <a:t>2020-02-26</a:t>
+              <a:t>2020-03-30</a:t>
             </a:fld>
             <a:endParaRPr lang="ko-KR" altLang="en-US"/>
           </a:p>
@@ -5421,7 +5459,7 @@
           <a:p>
             <a:fld id="{2065E873-D5DC-484B-8E24-C588B60C8C93}" type="datetimeFigureOut">
               <a:rPr lang="ko-KR" altLang="en-US" smtClean="0"/>
-              <a:t>2020-02-26</a:t>
+              <a:t>2020-03-30</a:t>
             </a:fld>
             <a:endParaRPr lang="ko-KR" altLang="en-US"/>
           </a:p>
@@ -6639,64 +6677,42 @@
       </p:grpSpPr>
       <p:sp>
         <p:nvSpPr>
-          <p:cNvPr id="21" name="Rectangle 20">
-            <a:extLst>
-              <a:ext uri="{FF2B5EF4-FFF2-40B4-BE49-F238E27FC236}">
-                <a16:creationId xmlns:a16="http://schemas.microsoft.com/office/drawing/2014/main" id="{C5E6CFF1-2F42-4E10-9A97-F116F46F53FE}"/>
-              </a:ext>
-              <a:ext uri="{C183D7F6-B498-43B3-948B-1728B52AA6E4}">
-                <adec:decorative xmlns:adec="http://schemas.microsoft.com/office/drawing/2017/decorative" val="1"/>
+          <p:cNvPr id="2" name="제목 1">
+            <a:extLst>
+              <a:ext uri="{FF2B5EF4-FFF2-40B4-BE49-F238E27FC236}">
+                <a16:creationId xmlns:a16="http://schemas.microsoft.com/office/drawing/2014/main" id="{EC2E07AF-7EBD-437E-8B30-9E4AA8A49B73}"/>
               </a:ext>
             </a:extLst>
           </p:cNvPr>
           <p:cNvSpPr>
-            <a:spLocks noGrp="1" noRot="1" noChangeAspect="1" noMove="1" noResize="1" noEditPoints="1" noAdjustHandles="1" noChangeArrowheads="1" noChangeShapeType="1" noTextEdit="1"/>
+            <a:spLocks noGrp="1"/>
           </p:cNvSpPr>
           <p:nvPr>
-            <p:extLst>
-              <p:ext uri="{386F3935-93C4-4BCD-93E2-E3B085C9AB24}">
-                <p16:designElem xmlns:p16="http://schemas.microsoft.com/office/powerpoint/2015/main" val="1"/>
-              </p:ext>
-            </p:extLst>
+            <p:ph type="title"/>
           </p:nvPr>
         </p:nvSpPr>
         <p:spPr>
           <a:xfrm>
-            <a:off x="0" y="0"/>
-            <a:ext cx="12192000" cy="6858000"/>
+            <a:off x="433495" y="3433763"/>
+            <a:ext cx="3197013" cy="2743200"/>
           </a:xfrm>
-          <a:prstGeom prst="rect">
-            <a:avLst/>
-          </a:prstGeom>
-          <a:solidFill>
-            <a:srgbClr val="000000"/>
-          </a:solidFill>
-          <a:ln>
-            <a:noFill/>
-          </a:ln>
         </p:spPr>
-        <p:style>
-          <a:lnRef idx="2">
-            <a:schemeClr val="accent1">
-              <a:shade val="50000"/>
-            </a:schemeClr>
-          </a:lnRef>
-          <a:fillRef idx="1">
-            <a:schemeClr val="accent1"/>
-          </a:fillRef>
-          <a:effectRef idx="0">
-            <a:schemeClr val="accent1"/>
-          </a:effectRef>
-          <a:fontRef idx="minor">
-            <a:schemeClr val="lt1"/>
-          </a:fontRef>
-        </p:style>
         <p:txBody>
-          <a:bodyPr rtlCol="0" anchor="ctr"/>
+          <a:bodyPr anchor="t">
+            <a:normAutofit/>
+          </a:bodyPr>
           <a:lstStyle/>
           <a:p>
             <a:pPr algn="ctr"/>
-            <a:endParaRPr lang="en-US"/>
+            <a:r>
+              <a:rPr lang="ko-KR" altLang="en-US"/>
+              <a:t>연습 문제 </a:t>
+            </a:r>
+            <a:r>
+              <a:rPr lang="en-US" altLang="ko-KR"/>
+              <a:t>- 1</a:t>
+            </a:r>
+            <a:endParaRPr lang="ko-KR" altLang="en-US"/>
           </a:p>
         </p:txBody>
       </p:sp>
@@ -6715,16 +6731,14 @@
           <p:nvPr/>
         </p:nvPicPr>
         <p:blipFill rotWithShape="1">
-          <a:blip r:embed="rId2">
-            <a:alphaModFix amt="35000"/>
-          </a:blip>
+          <a:blip r:embed="rId2"/>
           <a:srcRect t="1460" b="13954"/>
           <a:stretch/>
         </p:blipFill>
         <p:spPr>
           <a:xfrm>
-            <a:off x="20" y="1"/>
-            <a:ext cx="12191980" cy="6857999"/>
+            <a:off x="1574801" y="2719389"/>
+            <a:ext cx="914400" cy="514347"/>
           </a:xfrm>
           <a:prstGeom prst="rect">
             <a:avLst/>
@@ -6733,10 +6747,10 @@
       </p:pic>
       <p:sp>
         <p:nvSpPr>
-          <p:cNvPr id="2" name="제목 1">
-            <a:extLst>
-              <a:ext uri="{FF2B5EF4-FFF2-40B4-BE49-F238E27FC236}">
-                <a16:creationId xmlns:a16="http://schemas.microsoft.com/office/drawing/2014/main" id="{EC2E07AF-7EBD-437E-8B30-9E4AA8A49B73}"/>
+          <p:cNvPr id="3" name="내용 개체 틀 2">
+            <a:extLst>
+              <a:ext uri="{FF2B5EF4-FFF2-40B4-BE49-F238E27FC236}">
+                <a16:creationId xmlns:a16="http://schemas.microsoft.com/office/drawing/2014/main" id="{803B6612-7BB8-4CB4-9A28-3D222659B380}"/>
               </a:ext>
             </a:extLst>
           </p:cNvPr>
@@ -6744,118 +6758,13 @@
             <a:spLocks noGrp="1"/>
           </p:cNvSpPr>
           <p:nvPr>
-            <p:ph type="title"/>
+            <p:ph idx="1"/>
           </p:nvPr>
         </p:nvSpPr>
         <p:spPr>
           <a:xfrm>
-            <a:off x="838201" y="1065862"/>
-            <a:ext cx="3313164" cy="4726276"/>
-          </a:xfrm>
-        </p:spPr>
-        <p:txBody>
-          <a:bodyPr>
-            <a:normAutofit/>
-          </a:bodyPr>
-          <a:lstStyle/>
-          <a:p>
-            <a:pPr algn="r"/>
-            <a:r>
-              <a:rPr lang="ko-KR" altLang="en-US" sz="4000">
-                <a:solidFill>
-                  <a:srgbClr val="FFFFFF"/>
-                </a:solidFill>
-              </a:rPr>
-              <a:t>연습 문제 </a:t>
-            </a:r>
-            <a:r>
-              <a:rPr lang="en-US" altLang="ko-KR" sz="4000">
-                <a:solidFill>
-                  <a:srgbClr val="FFFFFF"/>
-                </a:solidFill>
-              </a:rPr>
-              <a:t>- 1</a:t>
-            </a:r>
-            <a:endParaRPr lang="ko-KR" altLang="en-US" sz="4000">
-              <a:solidFill>
-                <a:srgbClr val="FFFFFF"/>
-              </a:solidFill>
-            </a:endParaRPr>
-          </a:p>
-        </p:txBody>
-      </p:sp>
-      <p:cxnSp>
-        <p:nvCxnSpPr>
-          <p:cNvPr id="23" name="Straight Connector 22">
-            <a:extLst>
-              <a:ext uri="{FF2B5EF4-FFF2-40B4-BE49-F238E27FC236}">
-                <a16:creationId xmlns:a16="http://schemas.microsoft.com/office/drawing/2014/main" id="{67182200-4859-4C8D-BCBB-55B245C28BA3}"/>
-              </a:ext>
-              <a:ext uri="{C183D7F6-B498-43B3-948B-1728B52AA6E4}">
-                <adec:decorative xmlns:adec="http://schemas.microsoft.com/office/drawing/2017/decorative" val="1"/>
-              </a:ext>
-            </a:extLst>
-          </p:cNvPr>
-          <p:cNvCxnSpPr>
-            <a:cxnSpLocks noGrp="1" noRot="1" noChangeAspect="1" noMove="1" noResize="1" noEditPoints="1" noAdjustHandles="1" noChangeArrowheads="1" noChangeShapeType="1"/>
-          </p:cNvCxnSpPr>
-          <p:nvPr>
-            <p:extLst>
-              <p:ext uri="{386F3935-93C4-4BCD-93E2-E3B085C9AB24}">
-                <p16:designElem xmlns:p16="http://schemas.microsoft.com/office/powerpoint/2015/main" val="1"/>
-              </p:ext>
-            </p:extLst>
-          </p:nvPr>
-        </p:nvCxnSpPr>
-        <p:spPr>
-          <a:xfrm>
-            <a:off x="4653372" y="2286000"/>
-            <a:ext cx="0" cy="2286000"/>
-          </a:xfrm>
-          <a:prstGeom prst="line">
-            <a:avLst/>
-          </a:prstGeom>
-          <a:ln w="15875">
-            <a:solidFill>
-              <a:srgbClr val="FFFFFF"/>
-            </a:solidFill>
-          </a:ln>
-        </p:spPr>
-        <p:style>
-          <a:lnRef idx="1">
-            <a:schemeClr val="accent1"/>
-          </a:lnRef>
-          <a:fillRef idx="0">
-            <a:schemeClr val="accent1"/>
-          </a:fillRef>
-          <a:effectRef idx="0">
-            <a:schemeClr val="accent1"/>
-          </a:effectRef>
-          <a:fontRef idx="minor">
-            <a:schemeClr val="tx1"/>
-          </a:fontRef>
-        </p:style>
-      </p:cxnSp>
-      <p:sp>
-        <p:nvSpPr>
-          <p:cNvPr id="3" name="내용 개체 틀 2">
-            <a:extLst>
-              <a:ext uri="{FF2B5EF4-FFF2-40B4-BE49-F238E27FC236}">
-                <a16:creationId xmlns:a16="http://schemas.microsoft.com/office/drawing/2014/main" id="{803B6612-7BB8-4CB4-9A28-3D222659B380}"/>
-              </a:ext>
-            </a:extLst>
-          </p:cNvPr>
-          <p:cNvSpPr>
-            <a:spLocks noGrp="1"/>
-          </p:cNvSpPr>
-          <p:nvPr>
-            <p:ph idx="1"/>
-          </p:nvPr>
-        </p:nvSpPr>
-        <p:spPr>
-          <a:xfrm>
-            <a:off x="5155379" y="0"/>
-            <a:ext cx="5744685" cy="6857998"/>
+            <a:off x="4064000" y="214604"/>
+            <a:ext cx="7289799" cy="6512767"/>
           </a:xfrm>
         </p:spPr>
         <p:txBody>
@@ -6868,69 +6777,37 @@
               <a:buNone/>
             </a:pPr>
             <a:r>
-              <a:rPr lang="ko-KR" altLang="en-US" sz="1600" dirty="0">
-                <a:solidFill>
-                  <a:srgbClr val="FFFFFF"/>
-                </a:solidFill>
-              </a:rPr>
+              <a:rPr lang="ko-KR" altLang="en-US" sz="1400" dirty="0"/>
               <a:t>다음 코드의 에러가 있으면 고치고 </a:t>
             </a:r>
             <a:r>
-              <a:rPr lang="ko-KR" altLang="en-US" sz="1600" dirty="0" err="1">
-                <a:solidFill>
-                  <a:srgbClr val="FFFFFF"/>
-                </a:solidFill>
-              </a:rPr>
+              <a:rPr lang="ko-KR" altLang="en-US" sz="1400" dirty="0" err="1"/>
               <a:t>출력값을</a:t>
             </a:r>
             <a:r>
-              <a:rPr lang="ko-KR" altLang="en-US" sz="1600" dirty="0">
-                <a:solidFill>
-                  <a:srgbClr val="FFFFFF"/>
-                </a:solidFill>
-              </a:rPr>
+              <a:rPr lang="ko-KR" altLang="en-US" sz="1400" dirty="0"/>
               <a:t> </a:t>
             </a:r>
             <a:r>
-              <a:rPr lang="ko-KR" altLang="en-US" sz="1600" dirty="0" err="1">
-                <a:solidFill>
-                  <a:srgbClr val="FFFFFF"/>
-                </a:solidFill>
-              </a:rPr>
+              <a:rPr lang="ko-KR" altLang="en-US" sz="1400" dirty="0" err="1"/>
               <a:t>서술하시오</a:t>
             </a:r>
-            <a:endParaRPr lang="en-US" altLang="ko-KR" sz="1600" dirty="0">
-              <a:solidFill>
-                <a:srgbClr val="FFFFFF"/>
-              </a:solidFill>
-            </a:endParaRPr>
-          </a:p>
-          <a:p>
-            <a:pPr marL="0" indent="0">
-              <a:buNone/>
-            </a:pPr>
-            <a:r>
-              <a:rPr lang="en-US" altLang="ko-KR" sz="1600" dirty="0">
-                <a:solidFill>
-                  <a:srgbClr val="FFFFFF"/>
-                </a:solidFill>
-              </a:rPr>
+            <a:endParaRPr lang="en-US" altLang="ko-KR" sz="1400" dirty="0"/>
+          </a:p>
+          <a:p>
+            <a:pPr marL="0" indent="0">
+              <a:buNone/>
+            </a:pPr>
+            <a:r>
+              <a:rPr lang="en-US" altLang="ko-KR" sz="1400" dirty="0"/>
               <a:t>int</a:t>
             </a:r>
             <a:r>
-              <a:rPr lang="ko-KR" altLang="en-US" sz="1600" dirty="0">
-                <a:solidFill>
-                  <a:srgbClr val="FFFFFF"/>
-                </a:solidFill>
-              </a:rPr>
+              <a:rPr lang="ko-KR" altLang="en-US" sz="1400" dirty="0"/>
               <a:t> </a:t>
             </a:r>
             <a:r>
-              <a:rPr lang="en-US" altLang="ko-KR" sz="1600" dirty="0">
-                <a:solidFill>
-                  <a:srgbClr val="FFFFFF"/>
-                </a:solidFill>
-              </a:rPr>
+              <a:rPr lang="en-US" altLang="ko-KR" sz="1400" dirty="0"/>
               <a:t>num = 8;</a:t>
             </a:r>
           </a:p>
@@ -6939,11 +6816,7 @@
               <a:buNone/>
             </a:pPr>
             <a:r>
-              <a:rPr lang="en-US" altLang="ko-KR" sz="1600" dirty="0">
-                <a:solidFill>
-                  <a:srgbClr val="FFFFFF"/>
-                </a:solidFill>
-              </a:rPr>
+              <a:rPr lang="en-US" altLang="ko-KR" sz="1400" dirty="0"/>
               <a:t>if(num % 2 == 0)</a:t>
             </a:r>
           </a:p>
@@ -6952,11 +6825,7 @@
               <a:buNone/>
             </a:pPr>
             <a:r>
-              <a:rPr lang="en-US" altLang="ko-KR" sz="1600" dirty="0">
-                <a:solidFill>
-                  <a:srgbClr val="FFFFFF"/>
-                </a:solidFill>
-              </a:rPr>
+              <a:rPr lang="en-US" altLang="ko-KR" sz="1400" dirty="0"/>
               <a:t>{</a:t>
             </a:r>
           </a:p>
@@ -6965,11 +6834,7 @@
               <a:buNone/>
             </a:pPr>
             <a:r>
-              <a:rPr lang="en-US" altLang="ko-KR" sz="1600" dirty="0">
-                <a:solidFill>
-                  <a:srgbClr val="FFFFFF"/>
-                </a:solidFill>
-              </a:rPr>
+              <a:rPr lang="en-US" altLang="ko-KR" sz="1400" dirty="0"/>
               <a:t>	if(num &gt; 0)</a:t>
             </a:r>
           </a:p>
@@ -6978,11 +6843,7 @@
               <a:buNone/>
             </a:pPr>
             <a:r>
-              <a:rPr lang="en-US" altLang="ko-KR" sz="1600" dirty="0">
-                <a:solidFill>
-                  <a:srgbClr val="FFFFFF"/>
-                </a:solidFill>
-              </a:rPr>
+              <a:rPr lang="en-US" altLang="ko-KR" sz="1400" dirty="0"/>
               <a:t>	{</a:t>
             </a:r>
           </a:p>
@@ -6991,11 +6852,7 @@
               <a:buNone/>
             </a:pPr>
             <a:r>
-              <a:rPr lang="en-US" altLang="ko-KR" sz="1600" dirty="0">
-                <a:solidFill>
-                  <a:srgbClr val="FFFFFF"/>
-                </a:solidFill>
-              </a:rPr>
+              <a:rPr lang="en-US" altLang="ko-KR" sz="1400" dirty="0"/>
               <a:t>	    num/=2;</a:t>
             </a:r>
           </a:p>
@@ -7004,11 +6861,7 @@
               <a:buNone/>
             </a:pPr>
             <a:r>
-              <a:rPr lang="en-US" altLang="ko-KR" sz="1600" dirty="0">
-                <a:solidFill>
-                  <a:srgbClr val="FFFFFF"/>
-                </a:solidFill>
-              </a:rPr>
+              <a:rPr lang="en-US" altLang="ko-KR" sz="1400" dirty="0"/>
               <a:t>	}</a:t>
             </a:r>
           </a:p>
@@ -7017,11 +6870,7 @@
               <a:buNone/>
             </a:pPr>
             <a:r>
-              <a:rPr lang="en-US" altLang="ko-KR" sz="1600" dirty="0">
-                <a:solidFill>
-                  <a:srgbClr val="FFFFFF"/>
-                </a:solidFill>
-              </a:rPr>
+              <a:rPr lang="en-US" altLang="ko-KR" sz="1400" dirty="0"/>
               <a:t>	num++;</a:t>
             </a:r>
           </a:p>
@@ -7030,11 +6879,7 @@
               <a:buNone/>
             </a:pPr>
             <a:r>
-              <a:rPr lang="en-US" altLang="ko-KR" sz="1600" dirty="0">
-                <a:solidFill>
-                  <a:srgbClr val="FFFFFF"/>
-                </a:solidFill>
-              </a:rPr>
+              <a:rPr lang="en-US" altLang="ko-KR" sz="1400" dirty="0"/>
               <a:t>}</a:t>
             </a:r>
           </a:p>
@@ -7043,11 +6888,7 @@
               <a:buNone/>
             </a:pPr>
             <a:r>
-              <a:rPr lang="en-US" altLang="ko-KR" sz="1600" dirty="0">
-                <a:solidFill>
-                  <a:srgbClr val="FFFFFF"/>
-                </a:solidFill>
-              </a:rPr>
+              <a:rPr lang="en-US" altLang="ko-KR" sz="1400" dirty="0"/>
               <a:t>else if(num &gt;= 5)</a:t>
             </a:r>
           </a:p>
@@ -7056,11 +6897,7 @@
               <a:buNone/>
             </a:pPr>
             <a:r>
-              <a:rPr lang="en-US" altLang="ko-KR" sz="1600" dirty="0">
-                <a:solidFill>
-                  <a:srgbClr val="FFFFFF"/>
-                </a:solidFill>
-              </a:rPr>
+              <a:rPr lang="en-US" altLang="ko-KR" sz="1400" dirty="0"/>
               <a:t>{</a:t>
             </a:r>
           </a:p>
@@ -7069,11 +6906,7 @@
               <a:buNone/>
             </a:pPr>
             <a:r>
-              <a:rPr lang="en-US" altLang="ko-KR" sz="1600" dirty="0">
-                <a:solidFill>
-                  <a:srgbClr val="FFFFFF"/>
-                </a:solidFill>
-              </a:rPr>
+              <a:rPr lang="en-US" altLang="ko-KR" sz="1400" dirty="0"/>
               <a:t>	num--;</a:t>
             </a:r>
           </a:p>
@@ -7082,11 +6915,7 @@
               <a:buNone/>
             </a:pPr>
             <a:r>
-              <a:rPr lang="en-US" altLang="ko-KR" sz="1600" dirty="0">
-                <a:solidFill>
-                  <a:srgbClr val="FFFFFF"/>
-                </a:solidFill>
-              </a:rPr>
+              <a:rPr lang="en-US" altLang="ko-KR" sz="1400" dirty="0"/>
               <a:t>}</a:t>
             </a:r>
           </a:p>
@@ -7095,11 +6924,7 @@
               <a:buNone/>
             </a:pPr>
             <a:r>
-              <a:rPr lang="en-US" altLang="ko-KR" sz="1600" dirty="0">
-                <a:solidFill>
-                  <a:srgbClr val="FFFFFF"/>
-                </a:solidFill>
-              </a:rPr>
+              <a:rPr lang="en-US" altLang="ko-KR" sz="1400" dirty="0"/>
               <a:t>else</a:t>
             </a:r>
           </a:p>
@@ -7108,11 +6933,7 @@
               <a:buNone/>
             </a:pPr>
             <a:r>
-              <a:rPr lang="en-US" altLang="ko-KR" sz="1600" dirty="0">
-                <a:solidFill>
-                  <a:srgbClr val="FFFFFF"/>
-                </a:solidFill>
-              </a:rPr>
+              <a:rPr lang="en-US" altLang="ko-KR" sz="1400" dirty="0"/>
               <a:t>{</a:t>
             </a:r>
           </a:p>
@@ -7121,11 +6942,7 @@
               <a:buNone/>
             </a:pPr>
             <a:r>
-              <a:rPr lang="en-US" altLang="ko-KR" sz="1600" dirty="0">
-                <a:solidFill>
-                  <a:srgbClr val="FFFFFF"/>
-                </a:solidFill>
-              </a:rPr>
+              <a:rPr lang="en-US" altLang="ko-KR" sz="1400" dirty="0"/>
               <a:t>	num += 2;</a:t>
             </a:r>
           </a:p>
@@ -7134,11 +6951,7 @@
               <a:buNone/>
             </a:pPr>
             <a:r>
-              <a:rPr lang="en-US" altLang="ko-KR" sz="1600" dirty="0">
-                <a:solidFill>
-                  <a:srgbClr val="FFFFFF"/>
-                </a:solidFill>
-              </a:rPr>
+              <a:rPr lang="en-US" altLang="ko-KR" sz="1400" dirty="0"/>
               <a:t>}</a:t>
             </a:r>
           </a:p>
@@ -7147,26 +6960,14 @@
               <a:buNone/>
             </a:pPr>
             <a:r>
-              <a:rPr lang="en-US" altLang="ko-KR" sz="1600" dirty="0" err="1">
-                <a:solidFill>
-                  <a:srgbClr val="FFFFFF"/>
-                </a:solidFill>
-              </a:rPr>
+              <a:rPr lang="en-US" altLang="ko-KR" sz="1400" dirty="0" err="1"/>
               <a:t>Console.WriteLine</a:t>
             </a:r>
             <a:r>
-              <a:rPr lang="en-US" altLang="ko-KR" sz="1600" dirty="0">
-                <a:solidFill>
-                  <a:srgbClr val="FFFFFF"/>
-                </a:solidFill>
-              </a:rPr>
+              <a:rPr lang="en-US" altLang="ko-KR" sz="1400" dirty="0"/>
               <a:t>(num);</a:t>
             </a:r>
-            <a:endParaRPr lang="ko-KR" altLang="en-US" sz="1600" dirty="0">
-              <a:solidFill>
-                <a:srgbClr val="FFFFFF"/>
-              </a:solidFill>
-            </a:endParaRPr>
+            <a:endParaRPr lang="ko-KR" altLang="en-US" sz="1400" dirty="0"/>
           </a:p>
         </p:txBody>
       </p:sp>
@@ -7178,7 +6979,7 @@
     </p:extLst>
   </p:cSld>
   <p:clrMapOvr>
-    <a:overrideClrMapping bg1="dk1" tx1="lt1" bg2="dk2" tx2="lt2" accent1="accent1" accent2="accent2" accent3="accent3" accent4="accent4" accent5="accent5" accent6="accent6" hlink="hlink" folHlink="folHlink"/>
+    <a:masterClrMapping/>
   </p:clrMapOvr>
 </p:sld>
 </file>
@@ -7210,64 +7011,42 @@
       </p:grpSpPr>
       <p:sp>
         <p:nvSpPr>
-          <p:cNvPr id="9" name="Rectangle 8">
-            <a:extLst>
-              <a:ext uri="{FF2B5EF4-FFF2-40B4-BE49-F238E27FC236}">
-                <a16:creationId xmlns:a16="http://schemas.microsoft.com/office/drawing/2014/main" id="{C5E6CFF1-2F42-4E10-9A97-F116F46F53FE}"/>
-              </a:ext>
-              <a:ext uri="{C183D7F6-B498-43B3-948B-1728B52AA6E4}">
-                <adec:decorative xmlns:adec="http://schemas.microsoft.com/office/drawing/2017/decorative" val="1"/>
+          <p:cNvPr id="2" name="제목 1">
+            <a:extLst>
+              <a:ext uri="{FF2B5EF4-FFF2-40B4-BE49-F238E27FC236}">
+                <a16:creationId xmlns:a16="http://schemas.microsoft.com/office/drawing/2014/main" id="{5AE5F551-7A02-49A5-A0BD-486707B060B6}"/>
               </a:ext>
             </a:extLst>
           </p:cNvPr>
           <p:cNvSpPr>
-            <a:spLocks noGrp="1" noRot="1" noChangeAspect="1" noMove="1" noResize="1" noEditPoints="1" noAdjustHandles="1" noChangeArrowheads="1" noChangeShapeType="1" noTextEdit="1"/>
+            <a:spLocks noGrp="1"/>
           </p:cNvSpPr>
           <p:nvPr>
-            <p:extLst>
-              <p:ext uri="{386F3935-93C4-4BCD-93E2-E3B085C9AB24}">
-                <p16:designElem xmlns:p16="http://schemas.microsoft.com/office/powerpoint/2015/main" val="1"/>
-              </p:ext>
-            </p:extLst>
+            <p:ph type="title"/>
           </p:nvPr>
         </p:nvSpPr>
         <p:spPr>
           <a:xfrm>
-            <a:off x="0" y="0"/>
-            <a:ext cx="12192000" cy="6858000"/>
+            <a:off x="433495" y="3433763"/>
+            <a:ext cx="3197013" cy="2743200"/>
           </a:xfrm>
-          <a:prstGeom prst="rect">
-            <a:avLst/>
-          </a:prstGeom>
-          <a:solidFill>
-            <a:srgbClr val="000000"/>
-          </a:solidFill>
-          <a:ln>
-            <a:noFill/>
-          </a:ln>
         </p:spPr>
-        <p:style>
-          <a:lnRef idx="2">
-            <a:schemeClr val="accent1">
-              <a:shade val="50000"/>
-            </a:schemeClr>
-          </a:lnRef>
-          <a:fillRef idx="1">
-            <a:schemeClr val="accent1"/>
-          </a:fillRef>
-          <a:effectRef idx="0">
-            <a:schemeClr val="accent1"/>
-          </a:effectRef>
-          <a:fontRef idx="minor">
-            <a:schemeClr val="lt1"/>
-          </a:fontRef>
-        </p:style>
         <p:txBody>
-          <a:bodyPr rtlCol="0" anchor="ctr"/>
+          <a:bodyPr anchor="t">
+            <a:normAutofit/>
+          </a:bodyPr>
           <a:lstStyle/>
           <a:p>
             <a:pPr algn="ctr"/>
-            <a:endParaRPr lang="en-US"/>
+            <a:r>
+              <a:rPr lang="ko-KR" altLang="en-US"/>
+              <a:t>연습 문제 </a:t>
+            </a:r>
+            <a:r>
+              <a:rPr lang="en-US" altLang="ko-KR"/>
+              <a:t>- 2</a:t>
+            </a:r>
+            <a:endParaRPr lang="ko-KR" altLang="en-US"/>
           </a:p>
         </p:txBody>
       </p:sp>
@@ -7286,16 +7065,14 @@
           <p:nvPr/>
         </p:nvPicPr>
         <p:blipFill rotWithShape="1">
-          <a:blip r:embed="rId2">
-            <a:alphaModFix amt="35000"/>
-          </a:blip>
+          <a:blip r:embed="rId2"/>
           <a:srcRect b="15730"/>
           <a:stretch/>
         </p:blipFill>
         <p:spPr>
           <a:xfrm>
-            <a:off x="20" y="1"/>
-            <a:ext cx="12191980" cy="6857999"/>
+            <a:off x="1574801" y="2719387"/>
+            <a:ext cx="914400" cy="514351"/>
           </a:xfrm>
           <a:prstGeom prst="rect">
             <a:avLst/>
@@ -7304,10 +7081,10 @@
       </p:pic>
       <p:sp>
         <p:nvSpPr>
-          <p:cNvPr id="2" name="제목 1">
-            <a:extLst>
-              <a:ext uri="{FF2B5EF4-FFF2-40B4-BE49-F238E27FC236}">
-                <a16:creationId xmlns:a16="http://schemas.microsoft.com/office/drawing/2014/main" id="{5AE5F551-7A02-49A5-A0BD-486707B060B6}"/>
+          <p:cNvPr id="3" name="내용 개체 틀 2">
+            <a:extLst>
+              <a:ext uri="{FF2B5EF4-FFF2-40B4-BE49-F238E27FC236}">
+                <a16:creationId xmlns:a16="http://schemas.microsoft.com/office/drawing/2014/main" id="{E531AD22-806E-4EDD-A2AD-EEE63D7836DD}"/>
               </a:ext>
             </a:extLst>
           </p:cNvPr>
@@ -7315,118 +7092,13 @@
             <a:spLocks noGrp="1"/>
           </p:cNvSpPr>
           <p:nvPr>
-            <p:ph type="title"/>
+            <p:ph idx="1"/>
           </p:nvPr>
         </p:nvSpPr>
         <p:spPr>
           <a:xfrm>
-            <a:off x="838201" y="1065862"/>
-            <a:ext cx="3313164" cy="4726276"/>
-          </a:xfrm>
-        </p:spPr>
-        <p:txBody>
-          <a:bodyPr>
-            <a:normAutofit/>
-          </a:bodyPr>
-          <a:lstStyle/>
-          <a:p>
-            <a:pPr algn="r"/>
-            <a:r>
-              <a:rPr lang="ko-KR" altLang="en-US" sz="4000" dirty="0">
-                <a:solidFill>
-                  <a:srgbClr val="FFFFFF"/>
-                </a:solidFill>
-              </a:rPr>
-              <a:t>연습 문제 </a:t>
-            </a:r>
-            <a:r>
-              <a:rPr lang="en-US" altLang="ko-KR" sz="4000" dirty="0">
-                <a:solidFill>
-                  <a:srgbClr val="FFFFFF"/>
-                </a:solidFill>
-              </a:rPr>
-              <a:t>- 2</a:t>
-            </a:r>
-            <a:endParaRPr lang="ko-KR" altLang="en-US" sz="4000" dirty="0">
-              <a:solidFill>
-                <a:srgbClr val="FFFFFF"/>
-              </a:solidFill>
-            </a:endParaRPr>
-          </a:p>
-        </p:txBody>
-      </p:sp>
-      <p:cxnSp>
-        <p:nvCxnSpPr>
-          <p:cNvPr id="11" name="Straight Connector 10">
-            <a:extLst>
-              <a:ext uri="{FF2B5EF4-FFF2-40B4-BE49-F238E27FC236}">
-                <a16:creationId xmlns:a16="http://schemas.microsoft.com/office/drawing/2014/main" id="{67182200-4859-4C8D-BCBB-55B245C28BA3}"/>
-              </a:ext>
-              <a:ext uri="{C183D7F6-B498-43B3-948B-1728B52AA6E4}">
-                <adec:decorative xmlns:adec="http://schemas.microsoft.com/office/drawing/2017/decorative" val="1"/>
-              </a:ext>
-            </a:extLst>
-          </p:cNvPr>
-          <p:cNvCxnSpPr>
-            <a:cxnSpLocks noGrp="1" noRot="1" noChangeAspect="1" noMove="1" noResize="1" noEditPoints="1" noAdjustHandles="1" noChangeArrowheads="1" noChangeShapeType="1"/>
-          </p:cNvCxnSpPr>
-          <p:nvPr>
-            <p:extLst>
-              <p:ext uri="{386F3935-93C4-4BCD-93E2-E3B085C9AB24}">
-                <p16:designElem xmlns:p16="http://schemas.microsoft.com/office/powerpoint/2015/main" val="1"/>
-              </p:ext>
-            </p:extLst>
-          </p:nvPr>
-        </p:nvCxnSpPr>
-        <p:spPr>
-          <a:xfrm>
-            <a:off x="4653372" y="2286000"/>
-            <a:ext cx="0" cy="2286000"/>
-          </a:xfrm>
-          <a:prstGeom prst="line">
-            <a:avLst/>
-          </a:prstGeom>
-          <a:ln w="15875">
-            <a:solidFill>
-              <a:srgbClr val="FFFFFF"/>
-            </a:solidFill>
-          </a:ln>
-        </p:spPr>
-        <p:style>
-          <a:lnRef idx="1">
-            <a:schemeClr val="accent1"/>
-          </a:lnRef>
-          <a:fillRef idx="0">
-            <a:schemeClr val="accent1"/>
-          </a:fillRef>
-          <a:effectRef idx="0">
-            <a:schemeClr val="accent1"/>
-          </a:effectRef>
-          <a:fontRef idx="minor">
-            <a:schemeClr val="tx1"/>
-          </a:fontRef>
-        </p:style>
-      </p:cxnSp>
-      <p:sp>
-        <p:nvSpPr>
-          <p:cNvPr id="3" name="내용 개체 틀 2">
-            <a:extLst>
-              <a:ext uri="{FF2B5EF4-FFF2-40B4-BE49-F238E27FC236}">
-                <a16:creationId xmlns:a16="http://schemas.microsoft.com/office/drawing/2014/main" id="{E531AD22-806E-4EDD-A2AD-EEE63D7836DD}"/>
-              </a:ext>
-            </a:extLst>
-          </p:cNvPr>
-          <p:cNvSpPr>
-            <a:spLocks noGrp="1"/>
-          </p:cNvSpPr>
-          <p:nvPr>
-            <p:ph idx="1"/>
-          </p:nvPr>
-        </p:nvSpPr>
-        <p:spPr>
-          <a:xfrm>
-            <a:off x="5155379" y="457200"/>
-            <a:ext cx="5744685" cy="5778230"/>
+            <a:off x="4064000" y="643467"/>
+            <a:ext cx="7289799" cy="5533496"/>
           </a:xfrm>
         </p:spPr>
         <p:txBody>
@@ -7439,61 +7111,33 @@
               <a:buNone/>
             </a:pPr>
             <a:r>
-              <a:rPr lang="ko-KR" altLang="en-US" sz="2000" dirty="0">
-                <a:solidFill>
-                  <a:srgbClr val="FFFFFF"/>
-                </a:solidFill>
-              </a:rPr>
+              <a:rPr lang="ko-KR" altLang="en-US" dirty="0"/>
               <a:t>다음 코드의 에러가 있으면 고치고 </a:t>
             </a:r>
             <a:r>
-              <a:rPr lang="ko-KR" altLang="en-US" sz="2000" dirty="0" err="1">
-                <a:solidFill>
-                  <a:srgbClr val="FFFFFF"/>
-                </a:solidFill>
-              </a:rPr>
+              <a:rPr lang="ko-KR" altLang="en-US" dirty="0" err="1"/>
               <a:t>출력값을</a:t>
             </a:r>
             <a:r>
-              <a:rPr lang="ko-KR" altLang="en-US" sz="2000" dirty="0">
-                <a:solidFill>
-                  <a:srgbClr val="FFFFFF"/>
-                </a:solidFill>
-              </a:rPr>
+              <a:rPr lang="ko-KR" altLang="en-US" dirty="0"/>
               <a:t> </a:t>
             </a:r>
             <a:r>
-              <a:rPr lang="ko-KR" altLang="en-US" sz="2000" dirty="0" err="1">
-                <a:solidFill>
-                  <a:srgbClr val="FFFFFF"/>
-                </a:solidFill>
-              </a:rPr>
+              <a:rPr lang="ko-KR" altLang="en-US" dirty="0" err="1"/>
               <a:t>서술하시오</a:t>
             </a:r>
-            <a:endParaRPr lang="en-US" altLang="ko-KR" sz="2000" dirty="0">
-              <a:solidFill>
-                <a:srgbClr val="FFFFFF"/>
-              </a:solidFill>
-            </a:endParaRPr>
-          </a:p>
-          <a:p>
-            <a:pPr marL="0" indent="0">
-              <a:buNone/>
-            </a:pPr>
-            <a:r>
-              <a:rPr lang="ko-KR" altLang="en-US" sz="2000" dirty="0">
-                <a:solidFill>
-                  <a:srgbClr val="FFFFFF"/>
-                </a:solidFill>
-              </a:rPr>
+            <a:endParaRPr lang="en-US" altLang="ko-KR" dirty="0"/>
+          </a:p>
+          <a:p>
+            <a:pPr marL="0" indent="0">
+              <a:buNone/>
+            </a:pPr>
+            <a:r>
+              <a:rPr lang="ko-KR" altLang="en-US" dirty="0"/>
               <a:t> </a:t>
             </a:r>
             <a:r>
-              <a:rPr lang="en-US" altLang="ko-KR" sz="2000" dirty="0">
-                <a:solidFill>
-                  <a:srgbClr val="FFFFFF"/>
-                </a:solidFill>
-              </a:rPr>
+              <a:rPr lang="en-US" altLang="ko-KR" dirty="0"/>
               <a:t>string name = “CIEN”;</a:t>
             </a:r>
           </a:p>
@@ -7502,11 +7146,7 @@
               <a:buNone/>
             </a:pPr>
             <a:r>
-              <a:rPr lang="en-US" altLang="ko-KR" sz="2000" dirty="0">
-                <a:solidFill>
-                  <a:srgbClr val="FFFFFF"/>
-                </a:solidFill>
-              </a:rPr>
+              <a:rPr lang="en-US" altLang="ko-KR" dirty="0"/>
               <a:t>if(name == CIEN)</a:t>
             </a:r>
           </a:p>
@@ -7515,11 +7155,7 @@
               <a:buNone/>
             </a:pPr>
             <a:r>
-              <a:rPr lang="en-US" altLang="ko-KR" sz="2000" dirty="0">
-                <a:solidFill>
-                  <a:srgbClr val="FFFFFF"/>
-                </a:solidFill>
-              </a:rPr>
+              <a:rPr lang="en-US" altLang="ko-KR" dirty="0"/>
               <a:t>{</a:t>
             </a:r>
           </a:p>
@@ -7528,27 +7164,15 @@
               <a:buNone/>
             </a:pPr>
             <a:r>
-              <a:rPr lang="en-US" altLang="ko-KR" sz="2000" dirty="0">
-                <a:solidFill>
-                  <a:srgbClr val="FFFFFF"/>
-                </a:solidFill>
-              </a:rPr>
+              <a:rPr lang="en-US" altLang="ko-KR" dirty="0"/>
               <a:t>	</a:t>
             </a:r>
             <a:r>
-              <a:rPr lang="en-US" altLang="ko-KR" sz="2000" dirty="0" err="1">
-                <a:solidFill>
-                  <a:srgbClr val="FFFFFF"/>
-                </a:solidFill>
-              </a:rPr>
+              <a:rPr lang="en-US" altLang="ko-KR" dirty="0" err="1"/>
               <a:t>Console.WriteLine</a:t>
             </a:r>
             <a:r>
-              <a:rPr lang="en-US" altLang="ko-KR" sz="2000" dirty="0">
-                <a:solidFill>
-                  <a:srgbClr val="FFFFFF"/>
-                </a:solidFill>
-              </a:rPr>
+              <a:rPr lang="en-US" altLang="ko-KR" dirty="0"/>
               <a:t>(“CIEN”);</a:t>
             </a:r>
           </a:p>
@@ -7557,11 +7181,7 @@
               <a:buNone/>
             </a:pPr>
             <a:r>
-              <a:rPr lang="en-US" altLang="ko-KR" sz="2000" dirty="0">
-                <a:solidFill>
-                  <a:srgbClr val="FFFFFF"/>
-                </a:solidFill>
-              </a:rPr>
+              <a:rPr lang="en-US" altLang="ko-KR" dirty="0"/>
               <a:t>}</a:t>
             </a:r>
           </a:p>
@@ -7570,11 +7190,7 @@
               <a:buNone/>
             </a:pPr>
             <a:r>
-              <a:rPr lang="en-US" altLang="ko-KR" sz="2000" dirty="0">
-                <a:solidFill>
-                  <a:srgbClr val="FFFFFF"/>
-                </a:solidFill>
-              </a:rPr>
+              <a:rPr lang="en-US" altLang="ko-KR" dirty="0"/>
               <a:t>else if(name != CIEN)</a:t>
             </a:r>
           </a:p>
@@ -7583,11 +7199,7 @@
               <a:buNone/>
             </a:pPr>
             <a:r>
-              <a:rPr lang="en-US" altLang="ko-KR" sz="2000" dirty="0">
-                <a:solidFill>
-                  <a:srgbClr val="FFFFFF"/>
-                </a:solidFill>
-              </a:rPr>
+              <a:rPr lang="en-US" altLang="ko-KR" dirty="0"/>
               <a:t>{</a:t>
             </a:r>
           </a:p>
@@ -7596,27 +7208,15 @@
               <a:buNone/>
             </a:pPr>
             <a:r>
-              <a:rPr lang="en-US" altLang="ko-KR" sz="2000" dirty="0">
-                <a:solidFill>
-                  <a:srgbClr val="FFFFFF"/>
-                </a:solidFill>
-              </a:rPr>
+              <a:rPr lang="en-US" altLang="ko-KR" dirty="0"/>
               <a:t>	</a:t>
             </a:r>
             <a:r>
-              <a:rPr lang="en-US" altLang="ko-KR" sz="2000" dirty="0" err="1">
-                <a:solidFill>
-                  <a:srgbClr val="FFFFFF"/>
-                </a:solidFill>
-              </a:rPr>
+              <a:rPr lang="en-US" altLang="ko-KR" dirty="0" err="1"/>
               <a:t>Console.WriteLine</a:t>
             </a:r>
             <a:r>
-              <a:rPr lang="en-US" altLang="ko-KR" sz="2000" dirty="0">
-                <a:solidFill>
-                  <a:srgbClr val="FFFFFF"/>
-                </a:solidFill>
-              </a:rPr>
+              <a:rPr lang="en-US" altLang="ko-KR" dirty="0"/>
               <a:t>(“No CIEN”);</a:t>
             </a:r>
           </a:p>
@@ -7625,11 +7225,7 @@
               <a:buNone/>
             </a:pPr>
             <a:r>
-              <a:rPr lang="en-US" altLang="ko-KR" sz="2000" dirty="0">
-                <a:solidFill>
-                  <a:srgbClr val="FFFFFF"/>
-                </a:solidFill>
-              </a:rPr>
+              <a:rPr lang="en-US" altLang="ko-KR" dirty="0"/>
               <a:t>}</a:t>
             </a:r>
           </a:p>
@@ -7637,11 +7233,7 @@
             <a:pPr marL="0" indent="0">
               <a:buNone/>
             </a:pPr>
-            <a:endParaRPr lang="ko-KR" altLang="en-US" sz="2000" dirty="0">
-              <a:solidFill>
-                <a:srgbClr val="FFFFFF"/>
-              </a:solidFill>
-            </a:endParaRPr>
+            <a:endParaRPr lang="ko-KR" altLang="en-US" dirty="0"/>
           </a:p>
         </p:txBody>
       </p:sp>
@@ -7653,7 +7245,7 @@
     </p:extLst>
   </p:cSld>
   <p:clrMapOvr>
-    <a:overrideClrMapping bg1="dk1" tx1="lt1" bg2="dk2" tx2="lt2" accent1="accent1" accent2="accent2" accent3="accent3" accent4="accent4" accent5="accent5" accent6="accent6" hlink="hlink" folHlink="folHlink"/>
+    <a:masterClrMapping/>
   </p:clrMapOvr>
 </p:sld>
 </file>
@@ -8003,16 +7595,17 @@
         </p:nvSpPr>
         <p:spPr>
           <a:xfrm>
-            <a:off x="4965430" y="629268"/>
-            <a:ext cx="6586491" cy="1286160"/>
+            <a:off x="433495" y="3433763"/>
+            <a:ext cx="3197013" cy="2743200"/>
           </a:xfrm>
         </p:spPr>
         <p:txBody>
-          <a:bodyPr anchor="b">
+          <a:bodyPr anchor="t">
             <a:normAutofit/>
           </a:bodyPr>
           <a:lstStyle/>
           <a:p>
+            <a:pPr algn="ctr"/>
             <a:r>
               <a:rPr lang="ko-KR" altLang="en-US" dirty="0" err="1"/>
               <a:t>반복문</a:t>
@@ -8025,95 +7618,7 @@
               <a:rPr lang="en-US" altLang="ko-KR" dirty="0"/>
               <a:t>while</a:t>
             </a:r>
-            <a:endParaRPr lang="ko-KR" altLang="en-US" dirty="0"/>
-          </a:p>
-        </p:txBody>
-      </p:sp>
-      <p:sp>
-        <p:nvSpPr>
-          <p:cNvPr id="3" name="내용 개체 틀 2">
-            <a:extLst>
-              <a:ext uri="{FF2B5EF4-FFF2-40B4-BE49-F238E27FC236}">
-                <a16:creationId xmlns:a16="http://schemas.microsoft.com/office/drawing/2014/main" id="{7B31E39F-4F8D-492F-9928-A7BB7255F7AF}"/>
-              </a:ext>
-            </a:extLst>
-          </p:cNvPr>
-          <p:cNvSpPr>
-            <a:spLocks noGrp="1"/>
-          </p:cNvSpPr>
-          <p:nvPr>
-            <p:ph idx="1"/>
-          </p:nvPr>
-        </p:nvSpPr>
-        <p:spPr>
-          <a:xfrm>
-            <a:off x="4965431" y="2438400"/>
-            <a:ext cx="6586489" cy="3785419"/>
-          </a:xfrm>
-        </p:spPr>
-        <p:txBody>
-          <a:bodyPr>
-            <a:normAutofit/>
-          </a:bodyPr>
-          <a:lstStyle/>
-          <a:p>
-            <a:pPr marL="0" indent="0">
-              <a:buNone/>
-            </a:pPr>
-            <a:r>
-              <a:rPr lang="ko-KR" altLang="en-US" sz="2000"/>
-              <a:t>반복문은 조건문의 조건을 충족 시킬 때 까지 반복문안의 내용을 반복합니다</a:t>
-            </a:r>
-          </a:p>
-          <a:p>
-            <a:pPr marL="0" indent="0">
-              <a:buNone/>
-            </a:pPr>
-            <a:r>
-              <a:rPr lang="en-US" altLang="ko-KR" sz="2000"/>
-              <a:t>while(</a:t>
-            </a:r>
-            <a:r>
-              <a:rPr lang="ko-KR" altLang="en-US" sz="2000"/>
-              <a:t>조건식</a:t>
-            </a:r>
-            <a:r>
-              <a:rPr lang="en-US" altLang="ko-KR" sz="2000"/>
-              <a:t>)</a:t>
-            </a:r>
-          </a:p>
-          <a:p>
-            <a:pPr marL="0" indent="0">
-              <a:buNone/>
-            </a:pPr>
-            <a:r>
-              <a:rPr lang="en-US" altLang="ko-KR" sz="2000"/>
-              <a:t>{</a:t>
-            </a:r>
-          </a:p>
-          <a:p>
-            <a:pPr marL="0" indent="0">
-              <a:buNone/>
-            </a:pPr>
-            <a:r>
-              <a:rPr lang="en-US" altLang="ko-KR" sz="2000"/>
-              <a:t>	//</a:t>
-            </a:r>
-            <a:r>
-              <a:rPr lang="ko-KR" altLang="en-US" sz="2000"/>
-              <a:t>반복 실행 할 코드</a:t>
-            </a:r>
-            <a:endParaRPr lang="en-US" altLang="ko-KR" sz="2000"/>
-          </a:p>
-          <a:p>
-            <a:pPr marL="0" indent="0">
-              <a:buNone/>
-            </a:pPr>
-            <a:r>
-              <a:rPr lang="en-US" altLang="ko-KR" sz="2000"/>
-              <a:t>}</a:t>
-            </a:r>
-            <a:endParaRPr lang="ko-KR" altLang="en-US" sz="2000"/>
+            <a:endParaRPr lang="ko-KR" altLang="en-US"/>
           </a:p>
         </p:txBody>
       </p:sp>
@@ -8138,67 +7643,102 @@
         </p:blipFill>
         <p:spPr>
           <a:xfrm>
-            <a:off x="20" y="10"/>
-            <a:ext cx="4635571" cy="6857990"/>
+            <a:off x="1722957" y="2519363"/>
+            <a:ext cx="618087" cy="914400"/>
           </a:xfrm>
           <a:prstGeom prst="rect">
             <a:avLst/>
           </a:prstGeom>
-          <a:effectLst/>
         </p:spPr>
       </p:pic>
-      <p:cxnSp>
-        <p:nvCxnSpPr>
-          <p:cNvPr id="12" name="Straight Connector 8">
-            <a:extLst>
-              <a:ext uri="{FF2B5EF4-FFF2-40B4-BE49-F238E27FC236}">
-                <a16:creationId xmlns:a16="http://schemas.microsoft.com/office/drawing/2014/main" id="{A7F400EE-A8A5-48AF-B4D6-291B52C6F0B0}"/>
-              </a:ext>
-              <a:ext uri="{C183D7F6-B498-43B3-948B-1728B52AA6E4}">
-                <adec:decorative xmlns:adec="http://schemas.microsoft.com/office/drawing/2017/decorative" val="1"/>
-              </a:ext>
-            </a:extLst>
-          </p:cNvPr>
-          <p:cNvCxnSpPr>
-            <a:cxnSpLocks noGrp="1" noRot="1" noChangeAspect="1" noMove="1" noResize="1" noEditPoints="1" noAdjustHandles="1" noChangeArrowheads="1" noChangeShapeType="1"/>
-          </p:cNvCxnSpPr>
-          <p:nvPr>
-            <p:extLst>
-              <p:ext uri="{386F3935-93C4-4BCD-93E2-E3B085C9AB24}">
-                <p16:designElem xmlns:p16="http://schemas.microsoft.com/office/powerpoint/2015/main" val="1"/>
-              </p:ext>
-            </p:extLst>
-          </p:nvPr>
-        </p:nvCxnSpPr>
+      <p:sp>
+        <p:nvSpPr>
+          <p:cNvPr id="3" name="내용 개체 틀 2">
+            <a:extLst>
+              <a:ext uri="{FF2B5EF4-FFF2-40B4-BE49-F238E27FC236}">
+                <a16:creationId xmlns:a16="http://schemas.microsoft.com/office/drawing/2014/main" id="{7B31E39F-4F8D-492F-9928-A7BB7255F7AF}"/>
+              </a:ext>
+            </a:extLst>
+          </p:cNvPr>
+          <p:cNvSpPr>
+            <a:spLocks noGrp="1"/>
+          </p:cNvSpPr>
+          <p:nvPr>
+            <p:ph idx="1"/>
+          </p:nvPr>
+        </p:nvSpPr>
         <p:spPr>
           <a:xfrm>
-            <a:off x="5080934" y="2115117"/>
-            <a:ext cx="6309360" cy="0"/>
+            <a:off x="4064000" y="643467"/>
+            <a:ext cx="7289799" cy="5533496"/>
           </a:xfrm>
-          <a:prstGeom prst="line">
-            <a:avLst/>
-          </a:prstGeom>
-          <a:ln w="19050">
-            <a:solidFill>
-              <a:srgbClr val="04D3EE"/>
-            </a:solidFill>
-          </a:ln>
         </p:spPr>
-        <p:style>
-          <a:lnRef idx="1">
-            <a:schemeClr val="accent1"/>
-          </a:lnRef>
-          <a:fillRef idx="0">
-            <a:schemeClr val="accent1"/>
-          </a:fillRef>
-          <a:effectRef idx="0">
-            <a:schemeClr val="accent1"/>
-          </a:effectRef>
-          <a:fontRef idx="minor">
-            <a:schemeClr val="tx1"/>
-          </a:fontRef>
-        </p:style>
-      </p:cxnSp>
+        <p:txBody>
+          <a:bodyPr anchor="ctr">
+            <a:normAutofit/>
+          </a:bodyPr>
+          <a:lstStyle/>
+          <a:p>
+            <a:pPr marL="0" indent="0">
+              <a:buNone/>
+            </a:pPr>
+            <a:r>
+              <a:rPr lang="ko-KR" altLang="en-US" dirty="0"/>
+              <a:t>반복문은 조건문의 조건을 충족 시킬 때 까지 반복문안의 내용을 반복합니다</a:t>
+            </a:r>
+          </a:p>
+          <a:p>
+            <a:pPr marL="0" indent="0">
+              <a:buNone/>
+            </a:pPr>
+            <a:r>
+              <a:rPr lang="en-US" altLang="ko-KR" dirty="0"/>
+              <a:t>while(</a:t>
+            </a:r>
+            <a:r>
+              <a:rPr lang="ko-KR" altLang="en-US" dirty="0"/>
+              <a:t>조건식</a:t>
+            </a:r>
+            <a:r>
+              <a:rPr lang="en-US" altLang="ko-KR" dirty="0"/>
+              <a:t>)</a:t>
+            </a:r>
+          </a:p>
+          <a:p>
+            <a:pPr marL="0" indent="0">
+              <a:buNone/>
+            </a:pPr>
+            <a:r>
+              <a:rPr lang="en-US" altLang="ko-KR" dirty="0"/>
+              <a:t>{</a:t>
+            </a:r>
+          </a:p>
+          <a:p>
+            <a:pPr marL="0" indent="0">
+              <a:buNone/>
+            </a:pPr>
+            <a:r>
+              <a:rPr lang="en-US" altLang="ko-KR" dirty="0"/>
+              <a:t>	//</a:t>
+            </a:r>
+            <a:r>
+              <a:rPr lang="ko-KR" altLang="en-US" dirty="0"/>
+              <a:t>반복 실행 할 코드</a:t>
+            </a:r>
+            <a:endParaRPr lang="en-US" altLang="ko-KR" dirty="0"/>
+          </a:p>
+          <a:p>
+            <a:pPr marL="0" indent="0">
+              <a:buNone/>
+            </a:pPr>
+            <a:r>
+              <a:rPr lang="en-US" altLang="ko-KR" dirty="0"/>
+              <a:t>}</a:t>
+            </a:r>
+            <a:endParaRPr lang="ko-KR" altLang="en-US" dirty="0"/>
+          </a:p>
+        </p:txBody>
+      </p:sp>
     </p:spTree>
     <p:extLst>
       <p:ext uri="{BB962C8B-B14F-4D97-AF65-F5344CB8AC3E}">
@@ -9828,10 +9368,10 @@
       </p:grpSpPr>
       <p:sp>
         <p:nvSpPr>
-          <p:cNvPr id="64" name="Rectangle 63">
-            <a:extLst>
-              <a:ext uri="{FF2B5EF4-FFF2-40B4-BE49-F238E27FC236}">
-                <a16:creationId xmlns:a16="http://schemas.microsoft.com/office/drawing/2014/main" id="{7264F718-7FAC-4056-9FA9-A603EC682FE7}"/>
+          <p:cNvPr id="73" name="Rectangle 72">
+            <a:extLst>
+              <a:ext uri="{FF2B5EF4-FFF2-40B4-BE49-F238E27FC236}">
+                <a16:creationId xmlns:a16="http://schemas.microsoft.com/office/drawing/2014/main" id="{8D70B121-56F4-4848-B38B-182089D909FA}"/>
               </a:ext>
               <a:ext uri="{C183D7F6-B498-43B3-948B-1728B52AA6E4}">
                 <adec:decorative xmlns:adec="http://schemas.microsoft.com/office/drawing/2017/decorative" val="1"/>
@@ -9849,18 +9389,20 @@
             </p:extLst>
           </p:nvPr>
         </p:nvSpPr>
-        <p:spPr>
+        <p:spPr bwMode="ltGray">
           <a:xfrm>
-            <a:off x="1525" y="0"/>
-            <a:ext cx="12190475" cy="6858000"/>
+            <a:off x="321564" y="320040"/>
+            <a:ext cx="11548872" cy="6217920"/>
           </a:xfrm>
           <a:prstGeom prst="rect">
             <a:avLst/>
           </a:prstGeom>
           <a:solidFill>
-            <a:schemeClr val="tx1"/>
+            <a:schemeClr val="tx1">
+              <a:alpha val="8000"/>
+            </a:schemeClr>
           </a:solidFill>
-          <a:ln>
+          <a:ln w="127000" cap="sq" cmpd="thinThick">
             <a:noFill/>
           </a:ln>
         </p:spPr>
@@ -9891,19 +9433,67 @@
       </p:sp>
       <p:sp>
         <p:nvSpPr>
-          <p:cNvPr id="66" name="Freeform: Shape 65">
-            <a:extLst>
-              <a:ext uri="{FF2B5EF4-FFF2-40B4-BE49-F238E27FC236}">
-                <a16:creationId xmlns:a16="http://schemas.microsoft.com/office/drawing/2014/main" id="{F74639F7-E3C7-4165-A83E-6386A86BA1DA}"/>
+          <p:cNvPr id="2" name="제목 1">
+            <a:extLst>
+              <a:ext uri="{FF2B5EF4-FFF2-40B4-BE49-F238E27FC236}">
+                <a16:creationId xmlns:a16="http://schemas.microsoft.com/office/drawing/2014/main" id="{9A082EED-D61B-43F5-B51A-FF9651E45018}"/>
+              </a:ext>
+            </a:extLst>
+          </p:cNvPr>
+          <p:cNvSpPr>
+            <a:spLocks noGrp="1"/>
+          </p:cNvSpPr>
+          <p:nvPr>
+            <p:ph type="title"/>
+          </p:nvPr>
+        </p:nvSpPr>
+        <p:spPr>
+          <a:xfrm>
+            <a:off x="838200" y="963877"/>
+            <a:ext cx="3494362" cy="4930246"/>
+          </a:xfrm>
+        </p:spPr>
+        <p:txBody>
+          <a:bodyPr>
+            <a:normAutofit/>
+          </a:bodyPr>
+          <a:lstStyle/>
+          <a:p>
+            <a:pPr algn="r"/>
+            <a:r>
+              <a:rPr lang="en-US" altLang="ko-KR">
+                <a:solidFill>
+                  <a:schemeClr val="accent1"/>
+                </a:solidFill>
+              </a:rPr>
+              <a:t>2</a:t>
+            </a:r>
+            <a:r>
+              <a:rPr lang="ko-KR" altLang="en-US">
+                <a:solidFill>
+                  <a:schemeClr val="accent1"/>
+                </a:solidFill>
+              </a:rPr>
+              <a:t>주 차 목차</a:t>
+            </a:r>
+          </a:p>
+        </p:txBody>
+      </p:sp>
+      <p:cxnSp>
+        <p:nvCxnSpPr>
+          <p:cNvPr id="75" name="Straight Connector 74">
+            <a:extLst>
+              <a:ext uri="{FF2B5EF4-FFF2-40B4-BE49-F238E27FC236}">
+                <a16:creationId xmlns:a16="http://schemas.microsoft.com/office/drawing/2014/main" id="{2D72A2C9-F3CA-4216-8BAD-FA4C970C3C4E}"/>
               </a:ext>
               <a:ext uri="{C183D7F6-B498-43B3-948B-1728B52AA6E4}">
                 <adec:decorative xmlns:adec="http://schemas.microsoft.com/office/drawing/2017/decorative" val="1"/>
               </a:ext>
             </a:extLst>
           </p:cNvPr>
-          <p:cNvSpPr>
-            <a:spLocks noGrp="1" noRot="1" noChangeAspect="1" noMove="1" noResize="1" noEditPoints="1" noAdjustHandles="1" noChangeArrowheads="1" noChangeShapeType="1" noTextEdit="1"/>
-          </p:cNvSpPr>
+          <p:cNvCxnSpPr>
+            <a:cxnSpLocks noGrp="1" noRot="1" noChangeAspect="1" noMove="1" noResize="1" noEditPoints="1" noAdjustHandles="1" noChangeArrowheads="1" noChangeShapeType="1"/>
+          </p:cNvCxnSpPr>
           <p:nvPr>
             <p:extLst>
               <p:ext uri="{386F3935-93C4-4BCD-93E2-E3B085C9AB24}">
@@ -9911,213 +9501,45 @@
               </p:ext>
             </p:extLst>
           </p:nvPr>
-        </p:nvSpPr>
+        </p:nvCxnSpPr>
         <p:spPr>
-          <a:xfrm flipV="1">
-            <a:off x="0" y="0"/>
-            <a:ext cx="6356349" cy="6858000"/>
+          <a:xfrm>
+            <a:off x="4654296" y="2057400"/>
+            <a:ext cx="0" cy="2743200"/>
           </a:xfrm>
-          <a:custGeom>
+          <a:prstGeom prst="line">
             <a:avLst/>
-            <a:gdLst>
-              <a:gd name="connsiteX0" fmla="*/ 7539895 w 7539895"/>
-              <a:gd name="connsiteY0" fmla="*/ 6858000 h 6858000"/>
-              <a:gd name="connsiteX1" fmla="*/ 0 w 7539895"/>
-              <a:gd name="connsiteY1" fmla="*/ 6858000 h 6858000"/>
-              <a:gd name="connsiteX2" fmla="*/ 0 w 7539895"/>
-              <a:gd name="connsiteY2" fmla="*/ 0 h 6858000"/>
-              <a:gd name="connsiteX3" fmla="*/ 4363741 w 7539895"/>
-              <a:gd name="connsiteY3" fmla="*/ 0 h 6858000"/>
-            </a:gdLst>
-            <a:ahLst/>
-            <a:cxnLst>
-              <a:cxn ang="0">
-                <a:pos x="connsiteX0" y="connsiteY0"/>
-              </a:cxn>
-              <a:cxn ang="0">
-                <a:pos x="connsiteX1" y="connsiteY1"/>
-              </a:cxn>
-              <a:cxn ang="0">
-                <a:pos x="connsiteX2" y="connsiteY2"/>
-              </a:cxn>
-              <a:cxn ang="0">
-                <a:pos x="connsiteX3" y="connsiteY3"/>
-              </a:cxn>
-            </a:cxnLst>
-            <a:rect l="l" t="t" r="r" b="b"/>
-            <a:pathLst>
-              <a:path w="7539895" h="6858000">
-                <a:moveTo>
-                  <a:pt x="7539895" y="6858000"/>
-                </a:moveTo>
-                <a:lnTo>
-                  <a:pt x="0" y="6858000"/>
-                </a:lnTo>
-                <a:lnTo>
-                  <a:pt x="0" y="0"/>
-                </a:lnTo>
-                <a:lnTo>
-                  <a:pt x="4363741" y="0"/>
-                </a:lnTo>
-                <a:close/>
-              </a:path>
-            </a:pathLst>
-          </a:custGeom>
-          <a:solidFill>
-            <a:schemeClr val="bg1">
-              <a:lumMod val="85000"/>
-              <a:lumOff val="15000"/>
-              <a:alpha val="70000"/>
-            </a:schemeClr>
-          </a:solidFill>
-          <a:ln>
-            <a:noFill/>
+          </a:prstGeom>
+          <a:ln w="19050">
+            <a:solidFill>
+              <a:schemeClr val="tx1">
+                <a:lumMod val="85000"/>
+                <a:lumOff val="15000"/>
+              </a:schemeClr>
+            </a:solidFill>
           </a:ln>
         </p:spPr>
         <p:style>
-          <a:lnRef idx="2">
-            <a:schemeClr val="accent1">
-              <a:shade val="50000"/>
-            </a:schemeClr>
+          <a:lnRef idx="1">
+            <a:schemeClr val="accent1"/>
           </a:lnRef>
-          <a:fillRef idx="1">
+          <a:fillRef idx="0">
             <a:schemeClr val="accent1"/>
           </a:fillRef>
           <a:effectRef idx="0">
             <a:schemeClr val="accent1"/>
           </a:effectRef>
           <a:fontRef idx="minor">
-            <a:schemeClr val="lt1"/>
+            <a:schemeClr val="tx1"/>
           </a:fontRef>
         </p:style>
-        <p:txBody>
-          <a:bodyPr wrap="square" rtlCol="0" anchor="ctr">
-            <a:noAutofit/>
-          </a:bodyPr>
-          <a:lstStyle/>
-          <a:p>
-            <a:pPr algn="ctr"/>
-            <a:endParaRPr lang="en-US"/>
-          </a:p>
-        </p:txBody>
-      </p:sp>
+      </p:cxnSp>
       <p:sp>
         <p:nvSpPr>
-          <p:cNvPr id="68" name="Freeform: Shape 67">
-            <a:extLst>
-              <a:ext uri="{FF2B5EF4-FFF2-40B4-BE49-F238E27FC236}">
-                <a16:creationId xmlns:a16="http://schemas.microsoft.com/office/drawing/2014/main" id="{8B3AF0F1-707A-463E-B5EE-33C63A40CFC9}"/>
-              </a:ext>
-              <a:ext uri="{C183D7F6-B498-43B3-948B-1728B52AA6E4}">
-                <adec:decorative xmlns:adec="http://schemas.microsoft.com/office/drawing/2017/decorative" val="1"/>
-              </a:ext>
-            </a:extLst>
-          </p:cNvPr>
-          <p:cNvSpPr>
-            <a:spLocks noGrp="1" noRot="1" noChangeAspect="1" noMove="1" noResize="1" noEditPoints="1" noAdjustHandles="1" noChangeArrowheads="1" noChangeShapeType="1" noTextEdit="1"/>
-          </p:cNvSpPr>
-          <p:nvPr>
-            <p:extLst>
-              <p:ext uri="{386F3935-93C4-4BCD-93E2-E3B085C9AB24}">
-                <p16:designElem xmlns:p16="http://schemas.microsoft.com/office/powerpoint/2015/main" val="1"/>
-              </p:ext>
-            </p:extLst>
-          </p:nvPr>
-        </p:nvSpPr>
-        <p:spPr>
-          <a:xfrm flipV="1">
-            <a:off x="0" y="0"/>
-            <a:ext cx="5979591" cy="6858000"/>
-          </a:xfrm>
-          <a:custGeom>
-            <a:avLst/>
-            <a:gdLst>
-              <a:gd name="connsiteX0" fmla="*/ 7092985 w 7092985"/>
-              <a:gd name="connsiteY0" fmla="*/ 6858000 h 6858000"/>
-              <a:gd name="connsiteX1" fmla="*/ 0 w 7092985"/>
-              <a:gd name="connsiteY1" fmla="*/ 6858000 h 6858000"/>
-              <a:gd name="connsiteX2" fmla="*/ 0 w 7092985"/>
-              <a:gd name="connsiteY2" fmla="*/ 0 h 6858000"/>
-              <a:gd name="connsiteX3" fmla="*/ 3916831 w 7092985"/>
-              <a:gd name="connsiteY3" fmla="*/ 0 h 6858000"/>
-            </a:gdLst>
-            <a:ahLst/>
-            <a:cxnLst>
-              <a:cxn ang="0">
-                <a:pos x="connsiteX0" y="connsiteY0"/>
-              </a:cxn>
-              <a:cxn ang="0">
-                <a:pos x="connsiteX1" y="connsiteY1"/>
-              </a:cxn>
-              <a:cxn ang="0">
-                <a:pos x="connsiteX2" y="connsiteY2"/>
-              </a:cxn>
-              <a:cxn ang="0">
-                <a:pos x="connsiteX3" y="connsiteY3"/>
-              </a:cxn>
-            </a:cxnLst>
-            <a:rect l="l" t="t" r="r" b="b"/>
-            <a:pathLst>
-              <a:path w="7092985" h="6858000">
-                <a:moveTo>
-                  <a:pt x="7092985" y="6858000"/>
-                </a:moveTo>
-                <a:lnTo>
-                  <a:pt x="0" y="6858000"/>
-                </a:lnTo>
-                <a:lnTo>
-                  <a:pt x="0" y="0"/>
-                </a:lnTo>
-                <a:lnTo>
-                  <a:pt x="3916831" y="0"/>
-                </a:lnTo>
-                <a:close/>
-              </a:path>
-            </a:pathLst>
-          </a:custGeom>
-          <a:solidFill>
-            <a:schemeClr val="bg1">
-              <a:lumMod val="85000"/>
-              <a:lumOff val="15000"/>
-            </a:schemeClr>
-          </a:solidFill>
-          <a:ln>
-            <a:noFill/>
-          </a:ln>
-        </p:spPr>
-        <p:style>
-          <a:lnRef idx="2">
-            <a:schemeClr val="accent1">
-              <a:shade val="50000"/>
-            </a:schemeClr>
-          </a:lnRef>
-          <a:fillRef idx="1">
-            <a:schemeClr val="accent1"/>
-          </a:fillRef>
-          <a:effectRef idx="0">
-            <a:schemeClr val="accent1"/>
-          </a:effectRef>
-          <a:fontRef idx="minor">
-            <a:schemeClr val="lt1"/>
-          </a:fontRef>
-        </p:style>
-        <p:txBody>
-          <a:bodyPr wrap="square" rtlCol="0" anchor="ctr">
-            <a:noAutofit/>
-          </a:bodyPr>
-          <a:lstStyle/>
-          <a:p>
-            <a:pPr algn="ctr"/>
-            <a:endParaRPr lang="en-US"/>
-          </a:p>
-        </p:txBody>
-      </p:sp>
-      <p:sp>
-        <p:nvSpPr>
-          <p:cNvPr id="2" name="제목 1">
-            <a:extLst>
-              <a:ext uri="{FF2B5EF4-FFF2-40B4-BE49-F238E27FC236}">
-                <a16:creationId xmlns:a16="http://schemas.microsoft.com/office/drawing/2014/main" id="{9A082EED-D61B-43F5-B51A-FF9651E45018}"/>
+          <p:cNvPr id="3" name="내용 개체 틀 2">
+            <a:extLst>
+              <a:ext uri="{FF2B5EF4-FFF2-40B4-BE49-F238E27FC236}">
+                <a16:creationId xmlns:a16="http://schemas.microsoft.com/office/drawing/2014/main" id="{D7F3D920-01F1-4945-BFBE-3AB3E04C8133}"/>
               </a:ext>
             </a:extLst>
           </p:cNvPr>
@@ -10125,52 +9547,13 @@
             <a:spLocks noGrp="1"/>
           </p:cNvSpPr>
           <p:nvPr>
-            <p:ph type="title"/>
+            <p:ph idx="1"/>
           </p:nvPr>
         </p:nvSpPr>
         <p:spPr>
           <a:xfrm>
-            <a:off x="841248" y="704850"/>
-            <a:ext cx="3785616" cy="2978150"/>
-          </a:xfrm>
-        </p:spPr>
-        <p:txBody>
-          <a:bodyPr anchor="b">
-            <a:normAutofit/>
-          </a:bodyPr>
-          <a:lstStyle/>
-          <a:p>
-            <a:r>
-              <a:rPr lang="en-US" altLang="ko-KR"/>
-              <a:t>2</a:t>
-            </a:r>
-            <a:r>
-              <a:rPr lang="ko-KR" altLang="en-US"/>
-              <a:t>주 차 목차</a:t>
-            </a:r>
-          </a:p>
-        </p:txBody>
-      </p:sp>
-      <p:sp>
-        <p:nvSpPr>
-          <p:cNvPr id="3" name="내용 개체 틀 2">
-            <a:extLst>
-              <a:ext uri="{FF2B5EF4-FFF2-40B4-BE49-F238E27FC236}">
-                <a16:creationId xmlns:a16="http://schemas.microsoft.com/office/drawing/2014/main" id="{D7F3D920-01F1-4945-BFBE-3AB3E04C8133}"/>
-              </a:ext>
-            </a:extLst>
-          </p:cNvPr>
-          <p:cNvSpPr>
-            <a:spLocks noGrp="1"/>
-          </p:cNvSpPr>
-          <p:nvPr>
-            <p:ph idx="1"/>
-          </p:nvPr>
-        </p:nvSpPr>
-        <p:spPr>
-          <a:xfrm>
-            <a:off x="6038850" y="704850"/>
-            <a:ext cx="5314950" cy="5251450"/>
+            <a:off x="4976031" y="963877"/>
+            <a:ext cx="6377769" cy="4930246"/>
           </a:xfrm>
         </p:spPr>
         <p:txBody>
@@ -10183,266 +9566,117 @@
               <a:buAutoNum type="arabicPeriod"/>
             </a:pPr>
             <a:r>
-              <a:rPr lang="ko-KR" altLang="en-US" sz="2100" dirty="0">
-                <a:solidFill>
-                  <a:schemeClr val="bg1"/>
-                </a:solidFill>
-              </a:rPr>
+              <a:rPr lang="ko-KR" altLang="en-US" sz="2400"/>
               <a:t>전주 추가 문제 풀이</a:t>
             </a:r>
-            <a:endParaRPr lang="en-US" altLang="ko-KR" sz="2100" dirty="0">
-              <a:solidFill>
-                <a:schemeClr val="bg1"/>
-              </a:solidFill>
-            </a:endParaRPr>
+            <a:endParaRPr lang="en-US" altLang="ko-KR" sz="2400"/>
           </a:p>
           <a:p>
             <a:pPr marL="457200" indent="-457200">
               <a:buAutoNum type="arabicPeriod"/>
             </a:pPr>
-            <a:endParaRPr lang="en-US" altLang="ko-KR" sz="2100" dirty="0">
-              <a:solidFill>
-                <a:schemeClr val="bg1"/>
-              </a:solidFill>
-            </a:endParaRPr>
-          </a:p>
-          <a:p>
-            <a:pPr marL="0" indent="0">
-              <a:buNone/>
-            </a:pPr>
-            <a:r>
-              <a:rPr lang="en-US" altLang="ko-KR" sz="2100" dirty="0">
-                <a:solidFill>
-                  <a:schemeClr val="bg1"/>
-                </a:solidFill>
-              </a:rPr>
+            <a:endParaRPr lang="en-US" altLang="ko-KR" sz="2400"/>
+          </a:p>
+          <a:p>
+            <a:pPr marL="0" indent="0">
+              <a:buNone/>
+            </a:pPr>
+            <a:r>
+              <a:rPr lang="en-US" altLang="ko-KR" sz="2400"/>
               <a:t>2. </a:t>
             </a:r>
             <a:r>
-              <a:rPr lang="ko-KR" altLang="en-US" sz="2100" dirty="0" err="1">
-                <a:solidFill>
-                  <a:schemeClr val="bg1"/>
-                </a:solidFill>
-              </a:rPr>
-              <a:t>분기문</a:t>
-            </a:r>
-            <a:r>
-              <a:rPr lang="ko-KR" altLang="en-US" sz="2100" dirty="0">
-                <a:solidFill>
-                  <a:schemeClr val="bg1"/>
-                </a:solidFill>
-              </a:rPr>
-              <a:t> </a:t>
-            </a:r>
-            <a:r>
-              <a:rPr lang="en-US" altLang="ko-KR" sz="2100" dirty="0">
-                <a:solidFill>
-                  <a:schemeClr val="bg1"/>
-                </a:solidFill>
-              </a:rPr>
+              <a:rPr lang="ko-KR" altLang="en-US" sz="2400"/>
+              <a:t>분기문 </a:t>
+            </a:r>
+            <a:r>
+              <a:rPr lang="en-US" altLang="ko-KR" sz="2400"/>
               <a:t>if</a:t>
             </a:r>
             <a:r>
-              <a:rPr lang="ko-KR" altLang="en-US" sz="2100" dirty="0">
-                <a:solidFill>
-                  <a:schemeClr val="bg1"/>
-                </a:solidFill>
-              </a:rPr>
+              <a:rPr lang="ko-KR" altLang="en-US" sz="2400"/>
               <a:t> 문과 </a:t>
             </a:r>
             <a:r>
-              <a:rPr lang="en-US" altLang="ko-KR" sz="2100" dirty="0">
-                <a:solidFill>
-                  <a:schemeClr val="bg1"/>
-                </a:solidFill>
-              </a:rPr>
-              <a:t>else </a:t>
-            </a:r>
-            <a:r>
-              <a:rPr lang="en-US" altLang="ko-KR" sz="2100" dirty="0" err="1">
-                <a:solidFill>
-                  <a:schemeClr val="bg1"/>
-                </a:solidFill>
-              </a:rPr>
-              <a:t>ifelse</a:t>
-            </a:r>
-            <a:endParaRPr lang="en-US" altLang="ko-KR" sz="2100" dirty="0">
-              <a:solidFill>
-                <a:schemeClr val="bg1"/>
-              </a:solidFill>
-            </a:endParaRPr>
-          </a:p>
-          <a:p>
-            <a:pPr marL="0" indent="0">
-              <a:buNone/>
-            </a:pPr>
-            <a:endParaRPr lang="en-US" altLang="ko-KR" sz="2100" dirty="0">
-              <a:solidFill>
-                <a:schemeClr val="bg1"/>
-              </a:solidFill>
-            </a:endParaRPr>
-          </a:p>
-          <a:p>
-            <a:pPr marL="0" indent="0">
-              <a:buNone/>
-            </a:pPr>
-            <a:r>
-              <a:rPr lang="en-US" altLang="ko-KR" sz="2100" dirty="0">
-                <a:solidFill>
-                  <a:schemeClr val="bg1"/>
-                </a:solidFill>
-              </a:rPr>
+              <a:rPr lang="en-US" altLang="ko-KR" sz="2400"/>
+              <a:t>else ifelse</a:t>
+            </a:r>
+          </a:p>
+          <a:p>
+            <a:pPr marL="0" indent="0">
+              <a:buNone/>
+            </a:pPr>
+            <a:endParaRPr lang="en-US" altLang="ko-KR" sz="2400"/>
+          </a:p>
+          <a:p>
+            <a:pPr marL="0" indent="0">
+              <a:buNone/>
+            </a:pPr>
+            <a:r>
+              <a:rPr lang="en-US" altLang="ko-KR" sz="2400"/>
               <a:t>3. </a:t>
             </a:r>
             <a:r>
-              <a:rPr lang="ko-KR" altLang="en-US" sz="2100" dirty="0" err="1">
-                <a:solidFill>
-                  <a:schemeClr val="bg1"/>
-                </a:solidFill>
-              </a:rPr>
-              <a:t>반복문</a:t>
-            </a:r>
-            <a:r>
-              <a:rPr lang="ko-KR" altLang="en-US" sz="2100" dirty="0">
-                <a:solidFill>
-                  <a:schemeClr val="bg1"/>
-                </a:solidFill>
-              </a:rPr>
-              <a:t> </a:t>
-            </a:r>
-            <a:r>
-              <a:rPr lang="en-US" altLang="ko-KR" sz="2100" dirty="0">
-                <a:solidFill>
-                  <a:schemeClr val="bg1"/>
-                </a:solidFill>
-              </a:rPr>
+              <a:rPr lang="ko-KR" altLang="en-US" sz="2400"/>
+              <a:t>반복문 </a:t>
+            </a:r>
+            <a:r>
+              <a:rPr lang="en-US" altLang="ko-KR" sz="2400"/>
               <a:t>for, while </a:t>
             </a:r>
             <a:r>
-              <a:rPr lang="ko-KR" altLang="en-US" sz="2100" dirty="0">
-                <a:solidFill>
-                  <a:schemeClr val="bg1"/>
-                </a:solidFill>
-              </a:rPr>
+              <a:rPr lang="ko-KR" altLang="en-US" sz="2400"/>
               <a:t>문 </a:t>
             </a:r>
-            <a:endParaRPr lang="en-US" altLang="ko-KR" sz="2100" dirty="0">
-              <a:solidFill>
-                <a:schemeClr val="bg1"/>
-              </a:solidFill>
-            </a:endParaRPr>
-          </a:p>
-          <a:p>
-            <a:pPr marL="0" indent="0">
-              <a:buNone/>
-            </a:pPr>
-            <a:endParaRPr lang="en-US" altLang="ko-KR" sz="2100" dirty="0">
-              <a:solidFill>
-                <a:schemeClr val="bg1"/>
-              </a:solidFill>
-            </a:endParaRPr>
-          </a:p>
-          <a:p>
-            <a:pPr marL="0" indent="0">
-              <a:buNone/>
-            </a:pPr>
-            <a:r>
-              <a:rPr lang="en-US" altLang="ko-KR" sz="2100" dirty="0">
-                <a:solidFill>
-                  <a:schemeClr val="bg1"/>
-                </a:solidFill>
-              </a:rPr>
+            <a:endParaRPr lang="en-US" altLang="ko-KR" sz="2400"/>
+          </a:p>
+          <a:p>
+            <a:pPr marL="0" indent="0">
+              <a:buNone/>
+            </a:pPr>
+            <a:endParaRPr lang="en-US" altLang="ko-KR" sz="2400"/>
+          </a:p>
+          <a:p>
+            <a:pPr marL="0" indent="0">
+              <a:buNone/>
+            </a:pPr>
+            <a:r>
+              <a:rPr lang="en-US" altLang="ko-KR" sz="2400"/>
               <a:t>4. </a:t>
             </a:r>
             <a:r>
-              <a:rPr lang="ko-KR" altLang="en-US" sz="2100" dirty="0" err="1">
-                <a:solidFill>
-                  <a:schemeClr val="bg1"/>
-                </a:solidFill>
-              </a:rPr>
-              <a:t>점프문</a:t>
-            </a:r>
-            <a:r>
-              <a:rPr lang="ko-KR" altLang="en-US" sz="2100" dirty="0">
-                <a:solidFill>
-                  <a:schemeClr val="bg1"/>
-                </a:solidFill>
-              </a:rPr>
-              <a:t> </a:t>
-            </a:r>
-            <a:r>
-              <a:rPr lang="en-US" altLang="ko-KR" sz="2100" dirty="0">
-                <a:solidFill>
-                  <a:schemeClr val="bg1"/>
-                </a:solidFill>
-              </a:rPr>
-              <a:t>break, continue, </a:t>
-            </a:r>
-            <a:r>
-              <a:rPr lang="en-US" altLang="ko-KR" sz="2100" dirty="0" err="1">
-                <a:solidFill>
-                  <a:schemeClr val="bg1"/>
-                </a:solidFill>
-              </a:rPr>
-              <a:t>goto</a:t>
-            </a:r>
-            <a:r>
-              <a:rPr lang="en-US" altLang="ko-KR" sz="2100" dirty="0">
-                <a:solidFill>
-                  <a:schemeClr val="bg1"/>
-                </a:solidFill>
-              </a:rPr>
-              <a:t> </a:t>
-            </a:r>
-            <a:r>
-              <a:rPr lang="ko-KR" altLang="en-US" sz="2100" dirty="0">
-                <a:solidFill>
-                  <a:schemeClr val="bg1"/>
-                </a:solidFill>
-              </a:rPr>
+              <a:rPr lang="ko-KR" altLang="en-US" sz="2400"/>
+              <a:t>점프문 </a:t>
+            </a:r>
+            <a:r>
+              <a:rPr lang="en-US" altLang="ko-KR" sz="2400"/>
+              <a:t>break, continue, goto </a:t>
+            </a:r>
+            <a:r>
+              <a:rPr lang="ko-KR" altLang="en-US" sz="2400"/>
               <a:t>문</a:t>
             </a:r>
-            <a:endParaRPr lang="en-US" altLang="ko-KR" sz="2100" dirty="0">
-              <a:solidFill>
-                <a:schemeClr val="bg1"/>
-              </a:solidFill>
-            </a:endParaRPr>
-          </a:p>
-          <a:p>
-            <a:pPr marL="0" indent="0">
-              <a:buNone/>
-            </a:pPr>
-            <a:endParaRPr lang="en-US" altLang="ko-KR" sz="2100" dirty="0">
-              <a:solidFill>
-                <a:schemeClr val="bg1"/>
-              </a:solidFill>
-            </a:endParaRPr>
-          </a:p>
-          <a:p>
-            <a:pPr marL="0" indent="0">
-              <a:buNone/>
-            </a:pPr>
-            <a:r>
-              <a:rPr lang="en-US" altLang="ko-KR" sz="2100" dirty="0">
-                <a:solidFill>
-                  <a:schemeClr val="bg1"/>
-                </a:solidFill>
-              </a:rPr>
+            <a:endParaRPr lang="en-US" altLang="ko-KR" sz="2400"/>
+          </a:p>
+          <a:p>
+            <a:pPr marL="0" indent="0">
+              <a:buNone/>
+            </a:pPr>
+            <a:endParaRPr lang="en-US" altLang="ko-KR" sz="2400"/>
+          </a:p>
+          <a:p>
+            <a:pPr marL="0" indent="0">
+              <a:buNone/>
+            </a:pPr>
+            <a:r>
+              <a:rPr lang="en-US" altLang="ko-KR" sz="2400"/>
               <a:t>5.</a:t>
             </a:r>
             <a:r>
-              <a:rPr lang="ko-KR" altLang="en-US" sz="2100" dirty="0">
-                <a:solidFill>
-                  <a:schemeClr val="bg1"/>
-                </a:solidFill>
-              </a:rPr>
+              <a:rPr lang="ko-KR" altLang="en-US" sz="2400"/>
               <a:t>과제</a:t>
             </a:r>
-            <a:endParaRPr lang="en-US" altLang="ko-KR" sz="2100" dirty="0">
-              <a:solidFill>
-                <a:schemeClr val="bg1"/>
-              </a:solidFill>
-            </a:endParaRPr>
+            <a:endParaRPr lang="en-US" altLang="ko-KR" sz="2400"/>
           </a:p>
         </p:txBody>
       </p:sp>
@@ -10454,7 +9688,7 @@
     </p:extLst>
   </p:cSld>
   <p:clrMapOvr>
-    <a:overrideClrMapping bg1="dk1" tx1="lt1" bg2="dk2" tx2="lt2" accent1="accent1" accent2="accent2" accent3="accent3" accent4="accent4" accent5="accent5" accent6="accent6" hlink="hlink" folHlink="folHlink"/>
+    <a:masterClrMapping/>
   </p:clrMapOvr>
 </p:sld>
 </file>
@@ -10746,7 +9980,7 @@
                 <a:ea typeface="+mj-ea"/>
                 <a:cs typeface="+mj-cs"/>
               </a:rPr>
-              <a:t> –break, continue </a:t>
+              <a:t> –break, continue, </a:t>
             </a:r>
             <a:r>
               <a:rPr lang="en-US" altLang="ko-KR" sz="4000" kern="1200" dirty="0" err="1">
@@ -11808,6 +11042,343 @@
     <p:bg>
       <p:bgPr>
         <a:solidFill>
+          <a:schemeClr val="bg1">
+            <a:tint val="95000"/>
+            <a:satMod val="170000"/>
+          </a:schemeClr>
+        </a:solidFill>
+        <a:effectLst/>
+      </p:bgPr>
+    </p:bg>
+    <p:spTree>
+      <p:nvGrpSpPr>
+        <p:cNvPr id="1" name=""/>
+        <p:cNvGrpSpPr/>
+        <p:nvPr/>
+      </p:nvGrpSpPr>
+      <p:grpSpPr>
+        <a:xfrm>
+          <a:off x="0" y="0"/>
+          <a:ext cx="0" cy="0"/>
+          <a:chOff x="0" y="0"/>
+          <a:chExt cx="0" cy="0"/>
+        </a:xfrm>
+      </p:grpSpPr>
+      <p:grpSp>
+        <p:nvGrpSpPr>
+          <p:cNvPr id="8" name="Group 7">
+            <a:extLst>
+              <a:ext uri="{FF2B5EF4-FFF2-40B4-BE49-F238E27FC236}">
+                <a16:creationId xmlns:a16="http://schemas.microsoft.com/office/drawing/2014/main" id="{D2C4BFA1-2075-4901-9E24-E41D1FDD51FD}"/>
+              </a:ext>
+              <a:ext uri="{C183D7F6-B498-43B3-948B-1728B52AA6E4}">
+                <adec:decorative xmlns:adec="http://schemas.microsoft.com/office/drawing/2017/decorative" val="1"/>
+              </a:ext>
+            </a:extLst>
+          </p:cNvPr>
+          <p:cNvGrpSpPr>
+            <a:grpSpLocks noGrp="1" noUngrp="1" noRot="1" noChangeAspect="1" noMove="1" noResize="1"/>
+          </p:cNvGrpSpPr>
+          <p:nvPr>
+            <p:extLst>
+              <p:ext uri="{386F3935-93C4-4BCD-93E2-E3B085C9AB24}">
+                <p16:designElem xmlns:p16="http://schemas.microsoft.com/office/powerpoint/2015/main" val="1"/>
+              </p:ext>
+            </p:extLst>
+          </p:nvPr>
+        </p:nvGrpSpPr>
+        <p:grpSpPr>
+          <a:xfrm>
+            <a:off x="1155481" y="498348"/>
+            <a:ext cx="9902663" cy="5861304"/>
+            <a:chOff x="1155481" y="498348"/>
+            <a:chExt cx="9902663" cy="5861304"/>
+          </a:xfrm>
+        </p:grpSpPr>
+        <p:sp>
+          <p:nvSpPr>
+            <p:cNvPr id="9" name="Oval 5">
+              <a:extLst>
+                <a:ext uri="{FF2B5EF4-FFF2-40B4-BE49-F238E27FC236}">
+                  <a16:creationId xmlns:a16="http://schemas.microsoft.com/office/drawing/2014/main" id="{985A7375-E3AF-4F5C-85AE-17E8832952CA}"/>
+                </a:ext>
+                <a:ext uri="{C183D7F6-B498-43B3-948B-1728B52AA6E4}">
+                  <adec:decorative xmlns:adec="http://schemas.microsoft.com/office/drawing/2017/decorative" val="1"/>
+                </a:ext>
+              </a:extLst>
+            </p:cNvPr>
+            <p:cNvSpPr>
+              <a:spLocks noChangeArrowheads="1"/>
+            </p:cNvSpPr>
+            <p:nvPr>
+              <p:extLst>
+                <p:ext uri="{386F3935-93C4-4BCD-93E2-E3B085C9AB24}">
+                  <p16:designElem xmlns:p16="http://schemas.microsoft.com/office/powerpoint/2015/main" val="1"/>
+                </p:ext>
+              </p:extLst>
+            </p:nvPr>
+          </p:nvSpPr>
+          <p:spPr bwMode="auto">
+            <a:xfrm>
+              <a:off x="1155481" y="498348"/>
+              <a:ext cx="5861304" cy="5861304"/>
+            </a:xfrm>
+            <a:prstGeom prst="ellipse">
+              <a:avLst/>
+            </a:prstGeom>
+            <a:solidFill>
+              <a:schemeClr val="accent1">
+                <a:alpha val="55000"/>
+              </a:schemeClr>
+            </a:solidFill>
+            <a:ln>
+              <a:noFill/>
+            </a:ln>
+          </p:spPr>
+        </p:sp>
+        <p:sp>
+          <p:nvSpPr>
+            <p:cNvPr id="10" name="Oval 9">
+              <a:extLst>
+                <a:ext uri="{FF2B5EF4-FFF2-40B4-BE49-F238E27FC236}">
+                  <a16:creationId xmlns:a16="http://schemas.microsoft.com/office/drawing/2014/main" id="{F0307F65-8304-4FA8-A841-D4D7625411BE}"/>
+                </a:ext>
+                <a:ext uri="{C183D7F6-B498-43B3-948B-1728B52AA6E4}">
+                  <adec:decorative xmlns:adec="http://schemas.microsoft.com/office/drawing/2017/decorative" val="1"/>
+                </a:ext>
+              </a:extLst>
+            </p:cNvPr>
+            <p:cNvSpPr>
+              <a:spLocks noChangeArrowheads="1"/>
+            </p:cNvSpPr>
+            <p:nvPr>
+              <p:extLst>
+                <p:ext uri="{386F3935-93C4-4BCD-93E2-E3B085C9AB24}">
+                  <p16:designElem xmlns:p16="http://schemas.microsoft.com/office/powerpoint/2015/main" val="1"/>
+                </p:ext>
+              </p:extLst>
+            </p:nvPr>
+          </p:nvSpPr>
+          <p:spPr bwMode="auto">
+            <a:xfrm>
+              <a:off x="5196840" y="498348"/>
+              <a:ext cx="5861304" cy="5861304"/>
+            </a:xfrm>
+            <a:prstGeom prst="ellipse">
+              <a:avLst/>
+            </a:prstGeom>
+            <a:solidFill>
+              <a:schemeClr val="accent1">
+                <a:alpha val="55000"/>
+              </a:schemeClr>
+            </a:solidFill>
+            <a:ln>
+              <a:noFill/>
+            </a:ln>
+          </p:spPr>
+        </p:sp>
+        <p:sp>
+          <p:nvSpPr>
+            <p:cNvPr id="11" name="Oval 5">
+              <a:extLst>
+                <a:ext uri="{FF2B5EF4-FFF2-40B4-BE49-F238E27FC236}">
+                  <a16:creationId xmlns:a16="http://schemas.microsoft.com/office/drawing/2014/main" id="{C8B8394C-136F-4E05-A002-D93A5E79CD50}"/>
+                </a:ext>
+                <a:ext uri="{C183D7F6-B498-43B3-948B-1728B52AA6E4}">
+                  <adec:decorative xmlns:adec="http://schemas.microsoft.com/office/drawing/2017/decorative" val="1"/>
+                </a:ext>
+              </a:extLst>
+            </p:cNvPr>
+            <p:cNvSpPr>
+              <a:spLocks noChangeArrowheads="1"/>
+            </p:cNvSpPr>
+            <p:nvPr>
+              <p:extLst>
+                <p:ext uri="{386F3935-93C4-4BCD-93E2-E3B085C9AB24}">
+                  <p16:designElem xmlns:p16="http://schemas.microsoft.com/office/powerpoint/2015/main" val="1"/>
+                </p:ext>
+              </p:extLst>
+            </p:nvPr>
+          </p:nvSpPr>
+          <p:spPr bwMode="auto">
+            <a:xfrm>
+              <a:off x="3165348" y="498348"/>
+              <a:ext cx="5861304" cy="5861304"/>
+            </a:xfrm>
+            <a:prstGeom prst="ellipse">
+              <a:avLst/>
+            </a:prstGeom>
+            <a:solidFill>
+              <a:schemeClr val="accent1">
+                <a:alpha val="70000"/>
+              </a:schemeClr>
+            </a:solidFill>
+            <a:ln>
+              <a:noFill/>
+            </a:ln>
+          </p:spPr>
+        </p:sp>
+      </p:grpSp>
+      <p:sp>
+        <p:nvSpPr>
+          <p:cNvPr id="13" name="Rectangle 12">
+            <a:extLst>
+              <a:ext uri="{FF2B5EF4-FFF2-40B4-BE49-F238E27FC236}">
+                <a16:creationId xmlns:a16="http://schemas.microsoft.com/office/drawing/2014/main" id="{053FB2EE-284F-4C87-AB3D-BBF87A9FAB97}"/>
+              </a:ext>
+              <a:ext uri="{C183D7F6-B498-43B3-948B-1728B52AA6E4}">
+                <adec:decorative xmlns:adec="http://schemas.microsoft.com/office/drawing/2017/decorative" val="1"/>
+              </a:ext>
+            </a:extLst>
+          </p:cNvPr>
+          <p:cNvSpPr>
+            <a:spLocks noGrp="1" noRot="1" noChangeAspect="1" noMove="1" noResize="1" noEditPoints="1" noAdjustHandles="1" noChangeArrowheads="1" noChangeShapeType="1" noTextEdit="1"/>
+          </p:cNvSpPr>
+          <p:nvPr>
+            <p:extLst>
+              <p:ext uri="{386F3935-93C4-4BCD-93E2-E3B085C9AB24}">
+                <p16:designElem xmlns:p16="http://schemas.microsoft.com/office/powerpoint/2015/main" val="1"/>
+              </p:ext>
+            </p:extLst>
+          </p:nvPr>
+        </p:nvSpPr>
+        <p:spPr>
+          <a:xfrm>
+            <a:off x="0" y="2514600"/>
+            <a:ext cx="12192000" cy="1828800"/>
+          </a:xfrm>
+          <a:prstGeom prst="rect">
+            <a:avLst/>
+          </a:prstGeom>
+          <a:solidFill>
+            <a:schemeClr val="tx2"/>
+          </a:solidFill>
+          <a:ln>
+            <a:noFill/>
+          </a:ln>
+        </p:spPr>
+        <p:style>
+          <a:lnRef idx="2">
+            <a:schemeClr val="accent1">
+              <a:shade val="50000"/>
+            </a:schemeClr>
+          </a:lnRef>
+          <a:fillRef idx="1">
+            <a:schemeClr val="accent1"/>
+          </a:fillRef>
+          <a:effectRef idx="0">
+            <a:schemeClr val="accent1"/>
+          </a:effectRef>
+          <a:fontRef idx="minor">
+            <a:schemeClr val="lt1"/>
+          </a:fontRef>
+        </p:style>
+      </p:sp>
+      <p:sp>
+        <p:nvSpPr>
+          <p:cNvPr id="2" name="제목 1">
+            <a:extLst>
+              <a:ext uri="{FF2B5EF4-FFF2-40B4-BE49-F238E27FC236}">
+                <a16:creationId xmlns:a16="http://schemas.microsoft.com/office/drawing/2014/main" id="{039729E5-6F09-468C-BE7C-4B5FCA0ABA95}"/>
+              </a:ext>
+            </a:extLst>
+          </p:cNvPr>
+          <p:cNvSpPr>
+            <a:spLocks noGrp="1"/>
+          </p:cNvSpPr>
+          <p:nvPr>
+            <p:ph type="ctrTitle"/>
+          </p:nvPr>
+        </p:nvSpPr>
+        <p:spPr>
+          <a:xfrm>
+            <a:off x="1524000" y="2776538"/>
+            <a:ext cx="9144000" cy="1381188"/>
+          </a:xfrm>
+        </p:spPr>
+        <p:txBody>
+          <a:bodyPr anchor="ctr">
+            <a:normAutofit/>
+          </a:bodyPr>
+          <a:lstStyle/>
+          <a:p>
+            <a:r>
+              <a:rPr lang="en-US" altLang="ko-KR" sz="4000">
+                <a:solidFill>
+                  <a:schemeClr val="bg2"/>
+                </a:solidFill>
+              </a:rPr>
+              <a:t>switch</a:t>
+            </a:r>
+            <a:r>
+              <a:rPr lang="ko-KR" altLang="en-US" sz="4000">
+                <a:solidFill>
+                  <a:schemeClr val="bg2"/>
+                </a:solidFill>
+              </a:rPr>
+              <a:t>문</a:t>
+            </a:r>
+          </a:p>
+        </p:txBody>
+      </p:sp>
+      <p:sp>
+        <p:nvSpPr>
+          <p:cNvPr id="3" name="부제목 2">
+            <a:extLst>
+              <a:ext uri="{FF2B5EF4-FFF2-40B4-BE49-F238E27FC236}">
+                <a16:creationId xmlns:a16="http://schemas.microsoft.com/office/drawing/2014/main" id="{40173369-CE42-4B72-A723-C6559E36FBAE}"/>
+              </a:ext>
+            </a:extLst>
+          </p:cNvPr>
+          <p:cNvSpPr>
+            <a:spLocks noGrp="1"/>
+          </p:cNvSpPr>
+          <p:nvPr>
+            <p:ph type="subTitle" idx="1"/>
+          </p:nvPr>
+        </p:nvSpPr>
+        <p:spPr>
+          <a:xfrm>
+            <a:off x="1524000" y="4495800"/>
+            <a:ext cx="9144000" cy="762000"/>
+          </a:xfrm>
+        </p:spPr>
+        <p:txBody>
+          <a:bodyPr>
+            <a:normAutofit/>
+          </a:bodyPr>
+          <a:lstStyle/>
+          <a:p>
+            <a:r>
+              <a:rPr lang="en-US" altLang="ko-KR" sz="1800" dirty="0"/>
+              <a:t>if else if else</a:t>
+            </a:r>
+            <a:r>
+              <a:rPr lang="ko-KR" altLang="en-US" sz="1800" dirty="0"/>
+              <a:t>문을 간단하게 정리해봅시다</a:t>
+            </a:r>
+          </a:p>
+        </p:txBody>
+      </p:sp>
+    </p:spTree>
+    <p:extLst>
+      <p:ext uri="{BB962C8B-B14F-4D97-AF65-F5344CB8AC3E}">
+        <p14:creationId xmlns:p14="http://schemas.microsoft.com/office/powerpoint/2010/main" val="1547803166"/>
+      </p:ext>
+    </p:extLst>
+  </p:cSld>
+  <p:clrMapOvr>
+    <a:overrideClrMapping bg1="dk1" tx1="lt1" bg2="dk2" tx2="lt2" accent1="accent1" accent2="accent2" accent3="accent3" accent4="accent4" accent5="accent5" accent6="accent6" hlink="hlink" folHlink="folHlink"/>
+  </p:clrMapOvr>
+</p:sld>
+</file>
+
+<file path=ppt/slides/slide25.xml><?xml version="1.0" encoding="utf-8"?>
+<p:sld xmlns:a="http://schemas.openxmlformats.org/drawingml/2006/main" xmlns:r="http://schemas.openxmlformats.org/officeDocument/2006/relationships" xmlns:p="http://schemas.openxmlformats.org/presentationml/2006/main">
+  <p:cSld>
+    <p:bg>
+      <p:bgPr>
+        <a:solidFill>
           <a:schemeClr val="bg1"/>
         </a:solidFill>
         <a:effectLst/>
@@ -11897,7 +11468,7 @@
           <p:cNvPr id="2" name="제목 1">
             <a:extLst>
               <a:ext uri="{FF2B5EF4-FFF2-40B4-BE49-F238E27FC236}">
-                <a16:creationId xmlns:a16="http://schemas.microsoft.com/office/drawing/2014/main" id="{D75EA9FD-24F4-459F-8752-4E7AB484689D}"/>
+                <a16:creationId xmlns:a16="http://schemas.microsoft.com/office/drawing/2014/main" id="{5DAAAAE7-5FD4-47B5-9024-1611F22B1611}"/>
               </a:ext>
             </a:extLst>
           </p:cNvPr>
@@ -11910,8 +11481,8 @@
         </p:nvSpPr>
         <p:spPr>
           <a:xfrm>
-            <a:off x="690665" y="963877"/>
-            <a:ext cx="3641897" cy="4930246"/>
+            <a:off x="550509" y="963877"/>
+            <a:ext cx="3782053" cy="4930246"/>
           </a:xfrm>
         </p:spPr>
         <p:txBody>
@@ -11922,26 +11493,36 @@
           <a:p>
             <a:pPr algn="r"/>
             <a:r>
+              <a:rPr lang="en-US" altLang="ko-KR" dirty="0">
+                <a:solidFill>
+                  <a:schemeClr val="accent1"/>
+                </a:solidFill>
+              </a:rPr>
+              <a:t>switch</a:t>
+            </a:r>
+            <a:r>
               <a:rPr lang="ko-KR" altLang="en-US" dirty="0">
                 <a:solidFill>
                   <a:schemeClr val="accent1"/>
                 </a:solidFill>
               </a:rPr>
-              <a:t>연습 문제 </a:t>
-            </a:r>
-            <a:r>
+              <a:t>문</a:t>
+            </a:r>
+            <a:br>
               <a:rPr lang="en-US" altLang="ko-KR" dirty="0">
                 <a:solidFill>
                   <a:schemeClr val="accent1"/>
                 </a:solidFill>
               </a:rPr>
-              <a:t>- 3</a:t>
-            </a:r>
-            <a:endParaRPr lang="ko-KR" altLang="en-US" dirty="0">
-              <a:solidFill>
-                <a:schemeClr val="accent1"/>
-              </a:solidFill>
-            </a:endParaRPr>
+            </a:br>
+            <a:r>
+              <a:rPr lang="ko-KR" altLang="en-US" dirty="0">
+                <a:solidFill>
+                  <a:schemeClr val="accent1"/>
+                </a:solidFill>
+              </a:rPr>
+              <a:t>사용 방법</a:t>
+            </a:r>
           </a:p>
         </p:txBody>
       </p:sp>
@@ -12005,7 +11586,7 @@
           <p:cNvPr id="3" name="내용 개체 틀 2">
             <a:extLst>
               <a:ext uri="{FF2B5EF4-FFF2-40B4-BE49-F238E27FC236}">
-                <a16:creationId xmlns:a16="http://schemas.microsoft.com/office/drawing/2014/main" id="{929CB8ED-44F7-4BAD-B176-5C40F17687D7}"/>
+                <a16:creationId xmlns:a16="http://schemas.microsoft.com/office/drawing/2014/main" id="{744A88A3-A6E2-465A-8860-B22CA2AAA6EC}"/>
               </a:ext>
             </a:extLst>
           </p:cNvPr>
@@ -12032,39 +11613,24 @@
               <a:buNone/>
             </a:pPr>
             <a:r>
-              <a:rPr lang="ko-KR" altLang="en-US" sz="2400"/>
-              <a:t>다음 코드의 출력값을 서술하시오</a:t>
-            </a:r>
-            <a:endParaRPr lang="en-US" altLang="ko-KR" sz="2400"/>
-          </a:p>
-          <a:p>
-            <a:pPr marL="0" indent="0">
-              <a:buNone/>
-            </a:pPr>
-            <a:r>
-              <a:rPr lang="en-US" altLang="ko-KR" sz="2400"/>
-              <a:t>int a = 0;</a:t>
-            </a:r>
-          </a:p>
-          <a:p>
-            <a:pPr marL="0" indent="0">
-              <a:buNone/>
-            </a:pPr>
-            <a:r>
-              <a:rPr lang="en-US" altLang="ko-KR" sz="2400"/>
-              <a:t>            while(1 &gt; 0)</a:t>
-            </a:r>
-          </a:p>
-          <a:p>
-            <a:pPr marL="0" indent="0">
-              <a:buNone/>
-            </a:pPr>
-            <a:r>
-              <a:rPr lang="ko-KR" altLang="en-US" sz="2400"/>
-              <a:t>            </a:t>
-            </a:r>
-            <a:r>
-              <a:rPr lang="en-US" altLang="ko-KR" sz="2400"/>
+              <a:rPr lang="en-US" altLang="ko-KR" sz="2400" dirty="0"/>
+              <a:t>switch(</a:t>
+            </a:r>
+            <a:r>
+              <a:rPr lang="ko-KR" altLang="en-US" sz="2400" dirty="0"/>
+              <a:t>변수</a:t>
+            </a:r>
+            <a:r>
+              <a:rPr lang="en-US" altLang="ko-KR" sz="2400" dirty="0"/>
+              <a:t>):</a:t>
+            </a:r>
+          </a:p>
+          <a:p>
+            <a:pPr marL="0" indent="0">
+              <a:buNone/>
+            </a:pPr>
+            <a:r>
+              <a:rPr lang="en-US" altLang="ko-KR" sz="2400" dirty="0"/>
               <a:t>{</a:t>
             </a:r>
           </a:p>
@@ -12073,39 +11639,102 @@
               <a:buNone/>
             </a:pPr>
             <a:r>
-              <a:rPr lang="en-US" altLang="ko-KR" sz="2400"/>
-              <a:t>                Console.WriteLine(a++);</a:t>
-            </a:r>
-          </a:p>
-          <a:p>
-            <a:pPr marL="0" indent="0">
-              <a:buNone/>
-            </a:pPr>
-            <a:r>
-              <a:rPr lang="en-US" altLang="ko-KR" sz="2400"/>
-              <a:t>                if (a &gt; 10) break;</a:t>
-            </a:r>
-          </a:p>
-          <a:p>
-            <a:pPr marL="0" indent="0">
-              <a:buNone/>
-            </a:pPr>
-            <a:r>
-              <a:rPr lang="ko-KR" altLang="en-US" sz="2400"/>
-              <a:t>            </a:t>
-            </a:r>
-            <a:r>
-              <a:rPr lang="en-US" altLang="ko-KR" sz="2400"/>
+              <a:rPr lang="en-US" altLang="ko-KR" sz="2400" dirty="0"/>
+              <a:t>	case</a:t>
+            </a:r>
+            <a:r>
+              <a:rPr lang="ko-KR" altLang="en-US" sz="2400" dirty="0"/>
+              <a:t> 값</a:t>
+            </a:r>
+            <a:r>
+              <a:rPr lang="en-US" altLang="ko-KR" sz="2400" dirty="0"/>
+              <a:t>1: </a:t>
+            </a:r>
+            <a:r>
+              <a:rPr lang="ko-KR" altLang="en-US" sz="2400" dirty="0"/>
+              <a:t>내용</a:t>
+            </a:r>
+            <a:endParaRPr lang="en-US" altLang="ko-KR" sz="2400" dirty="0"/>
+          </a:p>
+          <a:p>
+            <a:pPr marL="0" indent="0">
+              <a:buNone/>
+            </a:pPr>
+            <a:r>
+              <a:rPr lang="en-US" altLang="ko-KR" sz="2400" dirty="0"/>
+              <a:t>		break;</a:t>
+            </a:r>
+          </a:p>
+          <a:p>
+            <a:pPr marL="0" indent="0">
+              <a:buNone/>
+            </a:pPr>
+            <a:r>
+              <a:rPr lang="en-US" altLang="ko-KR" sz="2400" dirty="0"/>
+              <a:t>	case </a:t>
+            </a:r>
+            <a:r>
+              <a:rPr lang="ko-KR" altLang="en-US" sz="2400" dirty="0"/>
+              <a:t>값</a:t>
+            </a:r>
+            <a:r>
+              <a:rPr lang="en-US" altLang="ko-KR" sz="2400" dirty="0"/>
+              <a:t>2: </a:t>
+            </a:r>
+            <a:r>
+              <a:rPr lang="ko-KR" altLang="en-US" sz="2400" dirty="0"/>
+              <a:t>내용</a:t>
+            </a:r>
+            <a:endParaRPr lang="en-US" altLang="ko-KR" sz="2400" dirty="0"/>
+          </a:p>
+          <a:p>
+            <a:pPr marL="0" indent="0">
+              <a:buNone/>
+            </a:pPr>
+            <a:r>
+              <a:rPr lang="en-US" altLang="ko-KR" sz="2400" dirty="0"/>
+              <a:t>		break;</a:t>
+            </a:r>
+          </a:p>
+          <a:p>
+            <a:pPr marL="0" indent="0">
+              <a:buNone/>
+            </a:pPr>
+            <a:r>
+              <a:rPr lang="en-US" altLang="ko-KR" sz="2400" dirty="0"/>
+              <a:t>	default: </a:t>
+            </a:r>
+            <a:r>
+              <a:rPr lang="ko-KR" altLang="en-US" sz="2400" dirty="0"/>
+              <a:t>내용</a:t>
+            </a:r>
+            <a:endParaRPr lang="en-US" altLang="ko-KR" sz="2400" dirty="0"/>
+          </a:p>
+          <a:p>
+            <a:pPr marL="0" indent="0">
+              <a:buNone/>
+            </a:pPr>
+            <a:r>
+              <a:rPr lang="en-US" altLang="ko-KR" sz="2400" dirty="0"/>
+              <a:t>		break;</a:t>
+            </a:r>
+          </a:p>
+          <a:p>
+            <a:pPr marL="0" indent="0">
+              <a:buNone/>
+            </a:pPr>
+            <a:r>
+              <a:rPr lang="en-US" altLang="ko-KR" sz="2400" dirty="0"/>
               <a:t>}</a:t>
             </a:r>
-            <a:endParaRPr lang="ko-KR" altLang="en-US" sz="2400"/>
+            <a:endParaRPr lang="ko-KR" altLang="en-US" sz="2400" dirty="0"/>
           </a:p>
         </p:txBody>
       </p:sp>
     </p:spTree>
     <p:extLst>
       <p:ext uri="{BB962C8B-B14F-4D97-AF65-F5344CB8AC3E}">
-        <p14:creationId xmlns:p14="http://schemas.microsoft.com/office/powerpoint/2010/main" val="2044821175"/>
+        <p14:creationId xmlns:p14="http://schemas.microsoft.com/office/powerpoint/2010/main" val="883783733"/>
       </p:ext>
     </p:extLst>
   </p:cSld>
@@ -12115,7 +11744,7 @@
 </p:sld>
 </file>
 
-<file path=ppt/slides/slide25.xml><?xml version="1.0" encoding="utf-8"?>
+<file path=ppt/slides/slide26.xml><?xml version="1.0" encoding="utf-8"?>
 <p:sld xmlns:a="http://schemas.openxmlformats.org/drawingml/2006/main" xmlns:r="http://schemas.openxmlformats.org/officeDocument/2006/relationships" xmlns:p="http://schemas.openxmlformats.org/presentationml/2006/main">
   <p:cSld>
     <p:bg>
@@ -12210,7 +11839,7 @@
           <p:cNvPr id="2" name="제목 1">
             <a:extLst>
               <a:ext uri="{FF2B5EF4-FFF2-40B4-BE49-F238E27FC236}">
-                <a16:creationId xmlns:a16="http://schemas.microsoft.com/office/drawing/2014/main" id="{3B6621AA-7FA9-412A-9850-D78B005DB7DF}"/>
+                <a16:creationId xmlns:a16="http://schemas.microsoft.com/office/drawing/2014/main" id="{5DAAAAE7-5FD4-47B5-9024-1611F22B1611}"/>
               </a:ext>
             </a:extLst>
           </p:cNvPr>
@@ -12223,8 +11852,8 @@
         </p:nvSpPr>
         <p:spPr>
           <a:xfrm>
-            <a:off x="838200" y="963877"/>
-            <a:ext cx="3494362" cy="4930246"/>
+            <a:off x="391888" y="963877"/>
+            <a:ext cx="3940674" cy="4930246"/>
           </a:xfrm>
         </p:spPr>
         <p:txBody>
@@ -12235,26 +11864,21 @@
           <a:p>
             <a:pPr algn="r"/>
             <a:r>
-              <a:rPr lang="ko-KR" altLang="en-US">
+              <a:rPr lang="en-US" altLang="ko-KR" dirty="0">
                 <a:solidFill>
                   <a:schemeClr val="accent1"/>
                 </a:solidFill>
               </a:rPr>
-              <a:t>연습문제 </a:t>
-            </a:r>
-            <a:r>
-              <a:rPr lang="en-US" altLang="ko-KR">
+              <a:t>switch</a:t>
+            </a:r>
+            <a:r>
+              <a:rPr lang="ko-KR" altLang="en-US" dirty="0">
                 <a:solidFill>
                   <a:schemeClr val="accent1"/>
                 </a:solidFill>
               </a:rPr>
-              <a:t>- 4</a:t>
-            </a:r>
-            <a:endParaRPr lang="ko-KR" altLang="en-US">
-              <a:solidFill>
-                <a:schemeClr val="accent1"/>
-              </a:solidFill>
-            </a:endParaRPr>
+              <a:t>문 예시</a:t>
+            </a:r>
           </a:p>
         </p:txBody>
       </p:sp>
@@ -12318,7 +11942,7 @@
           <p:cNvPr id="3" name="내용 개체 틀 2">
             <a:extLst>
               <a:ext uri="{FF2B5EF4-FFF2-40B4-BE49-F238E27FC236}">
-                <a16:creationId xmlns:a16="http://schemas.microsoft.com/office/drawing/2014/main" id="{621FCB30-3538-4A1A-B6EA-152F150302F7}"/>
+                <a16:creationId xmlns:a16="http://schemas.microsoft.com/office/drawing/2014/main" id="{744A88A3-A6E2-465A-8860-B22CA2AAA6EC}"/>
               </a:ext>
             </a:extLst>
           </p:cNvPr>
@@ -12331,13 +11955,13 @@
         </p:nvSpPr>
         <p:spPr>
           <a:xfrm>
-            <a:off x="4976031" y="963877"/>
-            <a:ext cx="6377769" cy="4930246"/>
+            <a:off x="4905710" y="963877"/>
+            <a:ext cx="6964726" cy="4930246"/>
           </a:xfrm>
         </p:spPr>
         <p:txBody>
           <a:bodyPr anchor="ctr">
-            <a:normAutofit/>
+            <a:normAutofit fontScale="85000" lnSpcReduction="20000"/>
           </a:bodyPr>
           <a:lstStyle/>
           <a:p>
@@ -12345,26 +11969,54 @@
               <a:buNone/>
             </a:pPr>
             <a:r>
-              <a:rPr lang="ko-KR" altLang="en-US" sz="2400"/>
-              <a:t>다음 코드의 출력값을 서술하시오</a:t>
-            </a:r>
-            <a:endParaRPr lang="en-US" altLang="ko-KR" sz="2400"/>
-          </a:p>
-          <a:p>
-            <a:pPr marL="0" indent="0">
-              <a:buNone/>
-            </a:pPr>
-            <a:r>
-              <a:rPr lang="en-US" altLang="ko-KR" sz="2400"/>
-              <a:t>for(int i=1; i&lt;10;i++)</a:t>
-            </a:r>
-          </a:p>
-          <a:p>
-            <a:pPr marL="0" indent="0">
-              <a:buNone/>
-            </a:pPr>
-            <a:r>
-              <a:rPr lang="en-US" altLang="ko-KR" sz="2400"/>
+              <a:rPr lang="en-US" altLang="ko-KR" dirty="0"/>
+              <a:t>int number;</a:t>
+            </a:r>
+          </a:p>
+          <a:p>
+            <a:pPr marL="0" indent="0">
+              <a:buNone/>
+            </a:pPr>
+            <a:r>
+              <a:rPr lang="en-US" altLang="ko-KR" dirty="0"/>
+              <a:t>            number = </a:t>
+            </a:r>
+            <a:r>
+              <a:rPr lang="en-US" altLang="ko-KR" dirty="0" err="1"/>
+              <a:t>int.Parse</a:t>
+            </a:r>
+            <a:r>
+              <a:rPr lang="en-US" altLang="ko-KR" dirty="0"/>
+              <a:t>(</a:t>
+            </a:r>
+            <a:r>
+              <a:rPr lang="en-US" altLang="ko-KR" dirty="0" err="1"/>
+              <a:t>Console.ReadLine</a:t>
+            </a:r>
+            <a:r>
+              <a:rPr lang="en-US" altLang="ko-KR" dirty="0"/>
+              <a:t>());</a:t>
+            </a:r>
+          </a:p>
+          <a:p>
+            <a:pPr marL="0" indent="0">
+              <a:buNone/>
+            </a:pPr>
+            <a:r>
+              <a:rPr lang="en-US" altLang="ko-KR" dirty="0"/>
+              <a:t>            switch(number)</a:t>
+            </a:r>
+          </a:p>
+          <a:p>
+            <a:pPr marL="0" indent="0">
+              <a:buNone/>
+            </a:pPr>
+            <a:r>
+              <a:rPr lang="ko-KR" altLang="en-US" dirty="0"/>
+              <a:t>            </a:t>
+            </a:r>
+            <a:r>
+              <a:rPr lang="en-US" altLang="ko-KR" dirty="0"/>
               <a:t>{</a:t>
             </a:r>
           </a:p>
@@ -12373,62 +12025,97 @@
               <a:buNone/>
             </a:pPr>
             <a:r>
-              <a:rPr lang="en-US" altLang="ko-KR" sz="2400"/>
-              <a:t>	for(int j=0; j&lt;i; j++)</a:t>
-            </a:r>
-          </a:p>
-          <a:p>
-            <a:pPr marL="0" indent="0">
-              <a:buNone/>
-            </a:pPr>
-            <a:r>
-              <a:rPr lang="en-US" altLang="ko-KR" sz="2400"/>
-              <a:t>	{</a:t>
-            </a:r>
-          </a:p>
-          <a:p>
-            <a:pPr marL="0" indent="0">
-              <a:buNone/>
-            </a:pPr>
-            <a:r>
-              <a:rPr lang="en-US" altLang="ko-KR" sz="2400"/>
-              <a:t>		Console.Write(“*”);</a:t>
-            </a:r>
-          </a:p>
-          <a:p>
-            <a:pPr marL="0" indent="0">
-              <a:buNone/>
-            </a:pPr>
-            <a:r>
-              <a:rPr lang="en-US" altLang="ko-KR" sz="2400"/>
-              <a:t>	}</a:t>
-            </a:r>
-          </a:p>
-          <a:p>
-            <a:pPr marL="0" indent="0">
-              <a:buNone/>
-            </a:pPr>
-            <a:r>
-              <a:rPr lang="en-US" altLang="ko-KR" sz="2400"/>
-              <a:t>	Console.WriteLine();</a:t>
-            </a:r>
-          </a:p>
-          <a:p>
-            <a:pPr marL="0" indent="0">
-              <a:buNone/>
-            </a:pPr>
-            <a:r>
-              <a:rPr lang="en-US" altLang="ko-KR" sz="2400"/>
+              <a:rPr lang="en-US" altLang="ko-KR" dirty="0"/>
+              <a:t>                case 1:Console.WriteLine("1");</a:t>
+            </a:r>
+          </a:p>
+          <a:p>
+            <a:pPr marL="0" indent="0">
+              <a:buNone/>
+            </a:pPr>
+            <a:r>
+              <a:rPr lang="en-US" altLang="ko-KR" dirty="0"/>
+              <a:t>                    break;</a:t>
+            </a:r>
+          </a:p>
+          <a:p>
+            <a:pPr marL="0" indent="0">
+              <a:buNone/>
+            </a:pPr>
+            <a:r>
+              <a:rPr lang="en-US" altLang="ko-KR" dirty="0"/>
+              <a:t>                case 2:Console.WriteLine("2");</a:t>
+            </a:r>
+          </a:p>
+          <a:p>
+            <a:pPr marL="0" indent="0">
+              <a:buNone/>
+            </a:pPr>
+            <a:r>
+              <a:rPr lang="en-US" altLang="ko-KR" dirty="0"/>
+              <a:t>                    break;</a:t>
+            </a:r>
+          </a:p>
+          <a:p>
+            <a:pPr marL="0" indent="0">
+              <a:buNone/>
+            </a:pPr>
+            <a:r>
+              <a:rPr lang="en-US" altLang="ko-KR" dirty="0"/>
+              <a:t>                default: </a:t>
+            </a:r>
+            <a:r>
+              <a:rPr lang="en-US" altLang="ko-KR" dirty="0" err="1"/>
+              <a:t>Console.WriteLine</a:t>
+            </a:r>
+            <a:r>
+              <a:rPr lang="en-US" altLang="ko-KR" dirty="0"/>
+              <a:t>(“1,2</a:t>
+            </a:r>
+            <a:r>
+              <a:rPr lang="ko-KR" altLang="en-US" dirty="0"/>
+              <a:t>아님</a:t>
+            </a:r>
+            <a:r>
+              <a:rPr lang="en-US" altLang="ko-KR" dirty="0"/>
+              <a:t>");</a:t>
+            </a:r>
+          </a:p>
+          <a:p>
+            <a:pPr marL="0" indent="0">
+              <a:buNone/>
+            </a:pPr>
+            <a:r>
+              <a:rPr lang="en-US" altLang="ko-KR" dirty="0"/>
+              <a:t>                    break;</a:t>
+            </a:r>
+          </a:p>
+          <a:p>
+            <a:pPr marL="0" indent="0">
+              <a:buNone/>
+            </a:pPr>
+            <a:endParaRPr lang="ko-KR" altLang="en-US" dirty="0"/>
+          </a:p>
+          <a:p>
+            <a:pPr marL="0" indent="0">
+              <a:buNone/>
+            </a:pPr>
+            <a:r>
+              <a:rPr lang="ko-KR" altLang="en-US" dirty="0"/>
+              <a:t>            </a:t>
+            </a:r>
+            <a:r>
+              <a:rPr lang="en-US" altLang="ko-KR" dirty="0"/>
               <a:t>}</a:t>
             </a:r>
-            <a:endParaRPr lang="ko-KR" altLang="en-US" sz="2400"/>
+            <a:endParaRPr lang="ko-KR" altLang="en-US" sz="2400" dirty="0"/>
           </a:p>
         </p:txBody>
       </p:sp>
     </p:spTree>
     <p:extLst>
       <p:ext uri="{BB962C8B-B14F-4D97-AF65-F5344CB8AC3E}">
-        <p14:creationId xmlns:p14="http://schemas.microsoft.com/office/powerpoint/2010/main" val="4013101999"/>
+        <p14:creationId xmlns:p14="http://schemas.microsoft.com/office/powerpoint/2010/main" val="3490226715"/>
       </p:ext>
     </p:extLst>
   </p:cSld>
@@ -12438,7 +12125,7 @@
 </p:sld>
 </file>
 
-<file path=ppt/slides/slide26.xml><?xml version="1.0" encoding="utf-8"?>
+<file path=ppt/slides/slide27.xml><?xml version="1.0" encoding="utf-8"?>
 <p:sld xmlns:a="http://schemas.openxmlformats.org/drawingml/2006/main" xmlns:r="http://schemas.openxmlformats.org/officeDocument/2006/relationships" xmlns:p="http://schemas.openxmlformats.org/presentationml/2006/main">
   <p:cSld>
     <p:bg>
@@ -12533,7 +12220,7 @@
           <p:cNvPr id="2" name="제목 1">
             <a:extLst>
               <a:ext uri="{FF2B5EF4-FFF2-40B4-BE49-F238E27FC236}">
-                <a16:creationId xmlns:a16="http://schemas.microsoft.com/office/drawing/2014/main" id="{C7CE97ED-AFD1-4843-9FDF-C970CE07948C}"/>
+                <a16:creationId xmlns:a16="http://schemas.microsoft.com/office/drawing/2014/main" id="{D75EA9FD-24F4-459F-8752-4E7AB484689D}"/>
               </a:ext>
             </a:extLst>
           </p:cNvPr>
@@ -12546,8 +12233,8 @@
         </p:nvSpPr>
         <p:spPr>
           <a:xfrm>
-            <a:off x="838200" y="963877"/>
-            <a:ext cx="3494362" cy="4930246"/>
+            <a:off x="690665" y="963877"/>
+            <a:ext cx="3641897" cy="4930246"/>
           </a:xfrm>
         </p:spPr>
         <p:txBody>
@@ -12558,22 +12245,22 @@
           <a:p>
             <a:pPr algn="r"/>
             <a:r>
-              <a:rPr lang="ko-KR" altLang="en-US">
+              <a:rPr lang="ko-KR" altLang="en-US" dirty="0">
                 <a:solidFill>
                   <a:schemeClr val="accent1"/>
                 </a:solidFill>
               </a:rPr>
-              <a:t>연습문제 </a:t>
-            </a:r>
-            <a:r>
-              <a:rPr lang="en-US" altLang="ko-KR">
+              <a:t>연습 문제 </a:t>
+            </a:r>
+            <a:r>
+              <a:rPr lang="en-US" altLang="ko-KR" dirty="0">
                 <a:solidFill>
                   <a:schemeClr val="accent1"/>
                 </a:solidFill>
               </a:rPr>
-              <a:t>- 5</a:t>
-            </a:r>
-            <a:endParaRPr lang="ko-KR" altLang="en-US">
+              <a:t>- 3</a:t>
+            </a:r>
+            <a:endParaRPr lang="ko-KR" altLang="en-US" dirty="0">
               <a:solidFill>
                 <a:schemeClr val="accent1"/>
               </a:solidFill>
@@ -12641,7 +12328,7 @@
           <p:cNvPr id="3" name="내용 개체 틀 2">
             <a:extLst>
               <a:ext uri="{FF2B5EF4-FFF2-40B4-BE49-F238E27FC236}">
-                <a16:creationId xmlns:a16="http://schemas.microsoft.com/office/drawing/2014/main" id="{881D9132-2F79-4E8D-AB32-9D790AF39BEF}"/>
+                <a16:creationId xmlns:a16="http://schemas.microsoft.com/office/drawing/2014/main" id="{929CB8ED-44F7-4BAD-B176-5C40F17687D7}"/>
               </a:ext>
             </a:extLst>
           </p:cNvPr>
@@ -12669,15 +12356,79 @@
             </a:pPr>
             <a:r>
               <a:rPr lang="ko-KR" altLang="en-US" sz="2400"/>
-              <a:t>짝수 홀수 양수 음수를 나누는 프로그램을 작성하시오</a:t>
-            </a:r>
+              <a:t>다음 코드의 출력값을 서술하시오</a:t>
+            </a:r>
+            <a:endParaRPr lang="en-US" altLang="ko-KR" sz="2400"/>
+          </a:p>
+          <a:p>
+            <a:pPr marL="0" indent="0">
+              <a:buNone/>
+            </a:pPr>
+            <a:r>
+              <a:rPr lang="en-US" altLang="ko-KR" sz="2400"/>
+              <a:t>int a = 0;</a:t>
+            </a:r>
+          </a:p>
+          <a:p>
+            <a:pPr marL="0" indent="0">
+              <a:buNone/>
+            </a:pPr>
+            <a:r>
+              <a:rPr lang="en-US" altLang="ko-KR" sz="2400"/>
+              <a:t>            while(1 &gt; 0)</a:t>
+            </a:r>
+          </a:p>
+          <a:p>
+            <a:pPr marL="0" indent="0">
+              <a:buNone/>
+            </a:pPr>
+            <a:r>
+              <a:rPr lang="ko-KR" altLang="en-US" sz="2400"/>
+              <a:t>            </a:t>
+            </a:r>
+            <a:r>
+              <a:rPr lang="en-US" altLang="ko-KR" sz="2400"/>
+              <a:t>{</a:t>
+            </a:r>
+          </a:p>
+          <a:p>
+            <a:pPr marL="0" indent="0">
+              <a:buNone/>
+            </a:pPr>
+            <a:r>
+              <a:rPr lang="en-US" altLang="ko-KR" sz="2400"/>
+              <a:t>                Console.WriteLine(a++);</a:t>
+            </a:r>
+          </a:p>
+          <a:p>
+            <a:pPr marL="0" indent="0">
+              <a:buNone/>
+            </a:pPr>
+            <a:r>
+              <a:rPr lang="en-US" altLang="ko-KR" sz="2400"/>
+              <a:t>                if (a &gt; 10) break;</a:t>
+            </a:r>
+          </a:p>
+          <a:p>
+            <a:pPr marL="0" indent="0">
+              <a:buNone/>
+            </a:pPr>
+            <a:r>
+              <a:rPr lang="ko-KR" altLang="en-US" sz="2400"/>
+              <a:t>            </a:t>
+            </a:r>
+            <a:r>
+              <a:rPr lang="en-US" altLang="ko-KR" sz="2400"/>
+              <a:t>}</a:t>
+            </a:r>
+            <a:endParaRPr lang="ko-KR" altLang="en-US" sz="2400"/>
           </a:p>
         </p:txBody>
       </p:sp>
     </p:spTree>
     <p:extLst>
       <p:ext uri="{BB962C8B-B14F-4D97-AF65-F5344CB8AC3E}">
-        <p14:creationId xmlns:p14="http://schemas.microsoft.com/office/powerpoint/2010/main" val="1935370357"/>
+        <p14:creationId xmlns:p14="http://schemas.microsoft.com/office/powerpoint/2010/main" val="2044821175"/>
       </p:ext>
     </p:extLst>
   </p:cSld>
@@ -12687,7 +12438,7 @@
 </p:sld>
 </file>
 
-<file path=ppt/slides/slide27.xml><?xml version="1.0" encoding="utf-8"?>
+<file path=ppt/slides/slide28.xml><?xml version="1.0" encoding="utf-8"?>
 <p:sld xmlns:a="http://schemas.openxmlformats.org/drawingml/2006/main" xmlns:r="http://schemas.openxmlformats.org/officeDocument/2006/relationships" xmlns:p="http://schemas.openxmlformats.org/presentationml/2006/main">
   <p:cSld>
     <p:bg>
@@ -12782,6 +12533,711 @@
           <p:cNvPr id="2" name="제목 1">
             <a:extLst>
               <a:ext uri="{FF2B5EF4-FFF2-40B4-BE49-F238E27FC236}">
+                <a16:creationId xmlns:a16="http://schemas.microsoft.com/office/drawing/2014/main" id="{3B6621AA-7FA9-412A-9850-D78B005DB7DF}"/>
+              </a:ext>
+            </a:extLst>
+          </p:cNvPr>
+          <p:cNvSpPr>
+            <a:spLocks noGrp="1"/>
+          </p:cNvSpPr>
+          <p:nvPr>
+            <p:ph type="title"/>
+          </p:nvPr>
+        </p:nvSpPr>
+        <p:spPr>
+          <a:xfrm>
+            <a:off x="838200" y="963877"/>
+            <a:ext cx="3494362" cy="4930246"/>
+          </a:xfrm>
+        </p:spPr>
+        <p:txBody>
+          <a:bodyPr>
+            <a:normAutofit/>
+          </a:bodyPr>
+          <a:lstStyle/>
+          <a:p>
+            <a:pPr algn="r"/>
+            <a:r>
+              <a:rPr lang="ko-KR" altLang="en-US">
+                <a:solidFill>
+                  <a:schemeClr val="accent1"/>
+                </a:solidFill>
+              </a:rPr>
+              <a:t>연습문제 </a:t>
+            </a:r>
+            <a:r>
+              <a:rPr lang="en-US" altLang="ko-KR">
+                <a:solidFill>
+                  <a:schemeClr val="accent1"/>
+                </a:solidFill>
+              </a:rPr>
+              <a:t>- 4</a:t>
+            </a:r>
+            <a:endParaRPr lang="ko-KR" altLang="en-US">
+              <a:solidFill>
+                <a:schemeClr val="accent1"/>
+              </a:solidFill>
+            </a:endParaRPr>
+          </a:p>
+        </p:txBody>
+      </p:sp>
+      <p:cxnSp>
+        <p:nvCxnSpPr>
+          <p:cNvPr id="10" name="Straight Connector 9">
+            <a:extLst>
+              <a:ext uri="{FF2B5EF4-FFF2-40B4-BE49-F238E27FC236}">
+                <a16:creationId xmlns:a16="http://schemas.microsoft.com/office/drawing/2014/main" id="{2D72A2C9-F3CA-4216-8BAD-FA4C970C3C4E}"/>
+              </a:ext>
+              <a:ext uri="{C183D7F6-B498-43B3-948B-1728B52AA6E4}">
+                <adec:decorative xmlns:adec="http://schemas.microsoft.com/office/drawing/2017/decorative" val="1"/>
+              </a:ext>
+            </a:extLst>
+          </p:cNvPr>
+          <p:cNvCxnSpPr>
+            <a:cxnSpLocks noGrp="1" noRot="1" noChangeAspect="1" noMove="1" noResize="1" noEditPoints="1" noAdjustHandles="1" noChangeArrowheads="1" noChangeShapeType="1"/>
+          </p:cNvCxnSpPr>
+          <p:nvPr>
+            <p:extLst>
+              <p:ext uri="{386F3935-93C4-4BCD-93E2-E3B085C9AB24}">
+                <p16:designElem xmlns:p16="http://schemas.microsoft.com/office/powerpoint/2015/main" val="1"/>
+              </p:ext>
+            </p:extLst>
+          </p:nvPr>
+        </p:nvCxnSpPr>
+        <p:spPr>
+          <a:xfrm>
+            <a:off x="4654296" y="2057400"/>
+            <a:ext cx="0" cy="2743200"/>
+          </a:xfrm>
+          <a:prstGeom prst="line">
+            <a:avLst/>
+          </a:prstGeom>
+          <a:ln w="19050">
+            <a:solidFill>
+              <a:schemeClr val="tx1">
+                <a:lumMod val="85000"/>
+                <a:lumOff val="15000"/>
+              </a:schemeClr>
+            </a:solidFill>
+          </a:ln>
+        </p:spPr>
+        <p:style>
+          <a:lnRef idx="1">
+            <a:schemeClr val="accent1"/>
+          </a:lnRef>
+          <a:fillRef idx="0">
+            <a:schemeClr val="accent1"/>
+          </a:fillRef>
+          <a:effectRef idx="0">
+            <a:schemeClr val="accent1"/>
+          </a:effectRef>
+          <a:fontRef idx="minor">
+            <a:schemeClr val="tx1"/>
+          </a:fontRef>
+        </p:style>
+      </p:cxnSp>
+      <p:sp>
+        <p:nvSpPr>
+          <p:cNvPr id="3" name="내용 개체 틀 2">
+            <a:extLst>
+              <a:ext uri="{FF2B5EF4-FFF2-40B4-BE49-F238E27FC236}">
+                <a16:creationId xmlns:a16="http://schemas.microsoft.com/office/drawing/2014/main" id="{621FCB30-3538-4A1A-B6EA-152F150302F7}"/>
+              </a:ext>
+            </a:extLst>
+          </p:cNvPr>
+          <p:cNvSpPr>
+            <a:spLocks noGrp="1"/>
+          </p:cNvSpPr>
+          <p:nvPr>
+            <p:ph idx="1"/>
+          </p:nvPr>
+        </p:nvSpPr>
+        <p:spPr>
+          <a:xfrm>
+            <a:off x="4976031" y="963877"/>
+            <a:ext cx="6377769" cy="4930246"/>
+          </a:xfrm>
+        </p:spPr>
+        <p:txBody>
+          <a:bodyPr anchor="ctr">
+            <a:normAutofit/>
+          </a:bodyPr>
+          <a:lstStyle/>
+          <a:p>
+            <a:pPr marL="0" indent="0">
+              <a:buNone/>
+            </a:pPr>
+            <a:r>
+              <a:rPr lang="ko-KR" altLang="en-US" sz="2400"/>
+              <a:t>다음 코드의 출력값을 서술하시오</a:t>
+            </a:r>
+            <a:endParaRPr lang="en-US" altLang="ko-KR" sz="2400"/>
+          </a:p>
+          <a:p>
+            <a:pPr marL="0" indent="0">
+              <a:buNone/>
+            </a:pPr>
+            <a:r>
+              <a:rPr lang="en-US" altLang="ko-KR" sz="2400"/>
+              <a:t>for(int i=1; i&lt;10;i++)</a:t>
+            </a:r>
+          </a:p>
+          <a:p>
+            <a:pPr marL="0" indent="0">
+              <a:buNone/>
+            </a:pPr>
+            <a:r>
+              <a:rPr lang="en-US" altLang="ko-KR" sz="2400"/>
+              <a:t>{</a:t>
+            </a:r>
+          </a:p>
+          <a:p>
+            <a:pPr marL="0" indent="0">
+              <a:buNone/>
+            </a:pPr>
+            <a:r>
+              <a:rPr lang="en-US" altLang="ko-KR" sz="2400"/>
+              <a:t>	for(int j=0; j&lt;i; j++)</a:t>
+            </a:r>
+          </a:p>
+          <a:p>
+            <a:pPr marL="0" indent="0">
+              <a:buNone/>
+            </a:pPr>
+            <a:r>
+              <a:rPr lang="en-US" altLang="ko-KR" sz="2400"/>
+              <a:t>	{</a:t>
+            </a:r>
+          </a:p>
+          <a:p>
+            <a:pPr marL="0" indent="0">
+              <a:buNone/>
+            </a:pPr>
+            <a:r>
+              <a:rPr lang="en-US" altLang="ko-KR" sz="2400"/>
+              <a:t>		Console.Write(“*”);</a:t>
+            </a:r>
+          </a:p>
+          <a:p>
+            <a:pPr marL="0" indent="0">
+              <a:buNone/>
+            </a:pPr>
+            <a:r>
+              <a:rPr lang="en-US" altLang="ko-KR" sz="2400"/>
+              <a:t>	}</a:t>
+            </a:r>
+          </a:p>
+          <a:p>
+            <a:pPr marL="0" indent="0">
+              <a:buNone/>
+            </a:pPr>
+            <a:r>
+              <a:rPr lang="en-US" altLang="ko-KR" sz="2400"/>
+              <a:t>	Console.WriteLine();</a:t>
+            </a:r>
+          </a:p>
+          <a:p>
+            <a:pPr marL="0" indent="0">
+              <a:buNone/>
+            </a:pPr>
+            <a:r>
+              <a:rPr lang="en-US" altLang="ko-KR" sz="2400"/>
+              <a:t>}</a:t>
+            </a:r>
+            <a:endParaRPr lang="ko-KR" altLang="en-US" sz="2400"/>
+          </a:p>
+        </p:txBody>
+      </p:sp>
+    </p:spTree>
+    <p:extLst>
+      <p:ext uri="{BB962C8B-B14F-4D97-AF65-F5344CB8AC3E}">
+        <p14:creationId xmlns:p14="http://schemas.microsoft.com/office/powerpoint/2010/main" val="4013101999"/>
+      </p:ext>
+    </p:extLst>
+  </p:cSld>
+  <p:clrMapOvr>
+    <a:masterClrMapping/>
+  </p:clrMapOvr>
+</p:sld>
+</file>
+
+<file path=ppt/slides/slide29.xml><?xml version="1.0" encoding="utf-8"?>
+<p:sld xmlns:a="http://schemas.openxmlformats.org/drawingml/2006/main" xmlns:r="http://schemas.openxmlformats.org/officeDocument/2006/relationships" xmlns:p="http://schemas.openxmlformats.org/presentationml/2006/main">
+  <p:cSld>
+    <p:bg>
+      <p:bgPr>
+        <a:solidFill>
+          <a:schemeClr val="bg1"/>
+        </a:solidFill>
+        <a:effectLst/>
+      </p:bgPr>
+    </p:bg>
+    <p:spTree>
+      <p:nvGrpSpPr>
+        <p:cNvPr id="1" name=""/>
+        <p:cNvGrpSpPr/>
+        <p:nvPr/>
+      </p:nvGrpSpPr>
+      <p:grpSpPr>
+        <a:xfrm>
+          <a:off x="0" y="0"/>
+          <a:ext cx="0" cy="0"/>
+          <a:chOff x="0" y="0"/>
+          <a:chExt cx="0" cy="0"/>
+        </a:xfrm>
+      </p:grpSpPr>
+      <p:sp>
+        <p:nvSpPr>
+          <p:cNvPr id="8" name="Rectangle 7">
+            <a:extLst>
+              <a:ext uri="{FF2B5EF4-FFF2-40B4-BE49-F238E27FC236}">
+                <a16:creationId xmlns:a16="http://schemas.microsoft.com/office/drawing/2014/main" id="{8D70B121-56F4-4848-B38B-182089D909FA}"/>
+              </a:ext>
+              <a:ext uri="{C183D7F6-B498-43B3-948B-1728B52AA6E4}">
+                <adec:decorative xmlns:adec="http://schemas.microsoft.com/office/drawing/2017/decorative" val="1"/>
+              </a:ext>
+            </a:extLst>
+          </p:cNvPr>
+          <p:cNvSpPr>
+            <a:spLocks noGrp="1" noRot="1" noChangeAspect="1" noMove="1" noResize="1" noEditPoints="1" noAdjustHandles="1" noChangeArrowheads="1" noChangeShapeType="1" noTextEdit="1"/>
+          </p:cNvSpPr>
+          <p:nvPr>
+            <p:extLst>
+              <p:ext uri="{386F3935-93C4-4BCD-93E2-E3B085C9AB24}">
+                <p16:designElem xmlns:p16="http://schemas.microsoft.com/office/powerpoint/2015/main" val="1"/>
+              </p:ext>
+            </p:extLst>
+          </p:nvPr>
+        </p:nvSpPr>
+        <p:spPr bwMode="ltGray">
+          <a:xfrm>
+            <a:off x="321564" y="320040"/>
+            <a:ext cx="11548872" cy="6217920"/>
+          </a:xfrm>
+          <a:prstGeom prst="rect">
+            <a:avLst/>
+          </a:prstGeom>
+          <a:solidFill>
+            <a:schemeClr val="tx1">
+              <a:alpha val="8000"/>
+            </a:schemeClr>
+          </a:solidFill>
+          <a:ln w="127000" cap="sq" cmpd="thinThick">
+            <a:noFill/>
+          </a:ln>
+        </p:spPr>
+        <p:style>
+          <a:lnRef idx="2">
+            <a:schemeClr val="accent1">
+              <a:shade val="50000"/>
+            </a:schemeClr>
+          </a:lnRef>
+          <a:fillRef idx="1">
+            <a:schemeClr val="accent1"/>
+          </a:fillRef>
+          <a:effectRef idx="0">
+            <a:schemeClr val="accent1"/>
+          </a:effectRef>
+          <a:fontRef idx="minor">
+            <a:schemeClr val="lt1"/>
+          </a:fontRef>
+        </p:style>
+        <p:txBody>
+          <a:bodyPr rtlCol="0" anchor="ctr"/>
+          <a:lstStyle/>
+          <a:p>
+            <a:pPr algn="ctr"/>
+            <a:endParaRPr lang="en-US"/>
+          </a:p>
+        </p:txBody>
+      </p:sp>
+      <p:sp>
+        <p:nvSpPr>
+          <p:cNvPr id="2" name="제목 1">
+            <a:extLst>
+              <a:ext uri="{FF2B5EF4-FFF2-40B4-BE49-F238E27FC236}">
+                <a16:creationId xmlns:a16="http://schemas.microsoft.com/office/drawing/2014/main" id="{C7CE97ED-AFD1-4843-9FDF-C970CE07948C}"/>
+              </a:ext>
+            </a:extLst>
+          </p:cNvPr>
+          <p:cNvSpPr>
+            <a:spLocks noGrp="1"/>
+          </p:cNvSpPr>
+          <p:nvPr>
+            <p:ph type="title"/>
+          </p:nvPr>
+        </p:nvSpPr>
+        <p:spPr>
+          <a:xfrm>
+            <a:off x="838200" y="963877"/>
+            <a:ext cx="3494362" cy="4930246"/>
+          </a:xfrm>
+        </p:spPr>
+        <p:txBody>
+          <a:bodyPr>
+            <a:normAutofit/>
+          </a:bodyPr>
+          <a:lstStyle/>
+          <a:p>
+            <a:pPr algn="r"/>
+            <a:r>
+              <a:rPr lang="ko-KR" altLang="en-US">
+                <a:solidFill>
+                  <a:schemeClr val="accent1"/>
+                </a:solidFill>
+              </a:rPr>
+              <a:t>연습문제 </a:t>
+            </a:r>
+            <a:r>
+              <a:rPr lang="en-US" altLang="ko-KR">
+                <a:solidFill>
+                  <a:schemeClr val="accent1"/>
+                </a:solidFill>
+              </a:rPr>
+              <a:t>- 5</a:t>
+            </a:r>
+            <a:endParaRPr lang="ko-KR" altLang="en-US">
+              <a:solidFill>
+                <a:schemeClr val="accent1"/>
+              </a:solidFill>
+            </a:endParaRPr>
+          </a:p>
+        </p:txBody>
+      </p:sp>
+      <p:cxnSp>
+        <p:nvCxnSpPr>
+          <p:cNvPr id="10" name="Straight Connector 9">
+            <a:extLst>
+              <a:ext uri="{FF2B5EF4-FFF2-40B4-BE49-F238E27FC236}">
+                <a16:creationId xmlns:a16="http://schemas.microsoft.com/office/drawing/2014/main" id="{2D72A2C9-F3CA-4216-8BAD-FA4C970C3C4E}"/>
+              </a:ext>
+              <a:ext uri="{C183D7F6-B498-43B3-948B-1728B52AA6E4}">
+                <adec:decorative xmlns:adec="http://schemas.microsoft.com/office/drawing/2017/decorative" val="1"/>
+              </a:ext>
+            </a:extLst>
+          </p:cNvPr>
+          <p:cNvCxnSpPr>
+            <a:cxnSpLocks noGrp="1" noRot="1" noChangeAspect="1" noMove="1" noResize="1" noEditPoints="1" noAdjustHandles="1" noChangeArrowheads="1" noChangeShapeType="1"/>
+          </p:cNvCxnSpPr>
+          <p:nvPr>
+            <p:extLst>
+              <p:ext uri="{386F3935-93C4-4BCD-93E2-E3B085C9AB24}">
+                <p16:designElem xmlns:p16="http://schemas.microsoft.com/office/powerpoint/2015/main" val="1"/>
+              </p:ext>
+            </p:extLst>
+          </p:nvPr>
+        </p:nvCxnSpPr>
+        <p:spPr>
+          <a:xfrm>
+            <a:off x="4654296" y="2057400"/>
+            <a:ext cx="0" cy="2743200"/>
+          </a:xfrm>
+          <a:prstGeom prst="line">
+            <a:avLst/>
+          </a:prstGeom>
+          <a:ln w="19050">
+            <a:solidFill>
+              <a:schemeClr val="tx1">
+                <a:lumMod val="85000"/>
+                <a:lumOff val="15000"/>
+              </a:schemeClr>
+            </a:solidFill>
+          </a:ln>
+        </p:spPr>
+        <p:style>
+          <a:lnRef idx="1">
+            <a:schemeClr val="accent1"/>
+          </a:lnRef>
+          <a:fillRef idx="0">
+            <a:schemeClr val="accent1"/>
+          </a:fillRef>
+          <a:effectRef idx="0">
+            <a:schemeClr val="accent1"/>
+          </a:effectRef>
+          <a:fontRef idx="minor">
+            <a:schemeClr val="tx1"/>
+          </a:fontRef>
+        </p:style>
+      </p:cxnSp>
+      <p:sp>
+        <p:nvSpPr>
+          <p:cNvPr id="3" name="내용 개체 틀 2">
+            <a:extLst>
+              <a:ext uri="{FF2B5EF4-FFF2-40B4-BE49-F238E27FC236}">
+                <a16:creationId xmlns:a16="http://schemas.microsoft.com/office/drawing/2014/main" id="{881D9132-2F79-4E8D-AB32-9D790AF39BEF}"/>
+              </a:ext>
+            </a:extLst>
+          </p:cNvPr>
+          <p:cNvSpPr>
+            <a:spLocks noGrp="1"/>
+          </p:cNvSpPr>
+          <p:nvPr>
+            <p:ph idx="1"/>
+          </p:nvPr>
+        </p:nvSpPr>
+        <p:spPr>
+          <a:xfrm>
+            <a:off x="4976031" y="963877"/>
+            <a:ext cx="6377769" cy="4930246"/>
+          </a:xfrm>
+        </p:spPr>
+        <p:txBody>
+          <a:bodyPr anchor="ctr">
+            <a:normAutofit/>
+          </a:bodyPr>
+          <a:lstStyle/>
+          <a:p>
+            <a:pPr marL="0" indent="0">
+              <a:buNone/>
+            </a:pPr>
+            <a:r>
+              <a:rPr lang="ko-KR" altLang="en-US" sz="2400"/>
+              <a:t>짝수 홀수 양수 음수를 나누는 프로그램을 작성하시오</a:t>
+            </a:r>
+          </a:p>
+        </p:txBody>
+      </p:sp>
+    </p:spTree>
+    <p:extLst>
+      <p:ext uri="{BB962C8B-B14F-4D97-AF65-F5344CB8AC3E}">
+        <p14:creationId xmlns:p14="http://schemas.microsoft.com/office/powerpoint/2010/main" val="1935370357"/>
+      </p:ext>
+    </p:extLst>
+  </p:cSld>
+  <p:clrMapOvr>
+    <a:masterClrMapping/>
+  </p:clrMapOvr>
+</p:sld>
+</file>
+
+<file path=ppt/slides/slide3.xml><?xml version="1.0" encoding="utf-8"?>
+<p:sld xmlns:a="http://schemas.openxmlformats.org/drawingml/2006/main" xmlns:r="http://schemas.openxmlformats.org/officeDocument/2006/relationships" xmlns:p="http://schemas.openxmlformats.org/presentationml/2006/main">
+  <p:cSld>
+    <p:bg>
+      <p:bgPr>
+        <a:solidFill>
+          <a:schemeClr val="bg1"/>
+        </a:solidFill>
+        <a:effectLst/>
+      </p:bgPr>
+    </p:bg>
+    <p:spTree>
+      <p:nvGrpSpPr>
+        <p:cNvPr id="1" name=""/>
+        <p:cNvGrpSpPr/>
+        <p:nvPr/>
+      </p:nvGrpSpPr>
+      <p:grpSpPr>
+        <a:xfrm>
+          <a:off x="0" y="0"/>
+          <a:ext cx="0" cy="0"/>
+          <a:chOff x="0" y="0"/>
+          <a:chExt cx="0" cy="0"/>
+        </a:xfrm>
+      </p:grpSpPr>
+      <p:sp>
+        <p:nvSpPr>
+          <p:cNvPr id="2" name="제목 1">
+            <a:extLst>
+              <a:ext uri="{FF2B5EF4-FFF2-40B4-BE49-F238E27FC236}">
+                <a16:creationId xmlns:a16="http://schemas.microsoft.com/office/drawing/2014/main" id="{326F5A8B-28AB-4352-9AF5-FB1B283934EF}"/>
+              </a:ext>
+            </a:extLst>
+          </p:cNvPr>
+          <p:cNvSpPr>
+            <a:spLocks noGrp="1"/>
+          </p:cNvSpPr>
+          <p:nvPr>
+            <p:ph type="title"/>
+          </p:nvPr>
+        </p:nvSpPr>
+        <p:spPr>
+          <a:xfrm>
+            <a:off x="838200" y="365125"/>
+            <a:ext cx="10515600" cy="1325563"/>
+          </a:xfrm>
+        </p:spPr>
+        <p:txBody>
+          <a:bodyPr vert="horz" lIns="91440" tIns="45720" rIns="91440" bIns="45720" rtlCol="0">
+            <a:normAutofit/>
+          </a:bodyPr>
+          <a:lstStyle/>
+          <a:p>
+            <a:pPr latinLnBrk="0"/>
+            <a:r>
+              <a:rPr lang="ko-KR" altLang="en-US" kern="1200">
+                <a:latin typeface="+mj-lt"/>
+                <a:ea typeface="+mj-ea"/>
+                <a:cs typeface="+mj-cs"/>
+              </a:rPr>
+              <a:t>추가문제 풀이 </a:t>
+            </a:r>
+            <a:r>
+              <a:rPr lang="en-US" altLang="ko-KR" kern="1200">
+                <a:latin typeface="+mj-lt"/>
+                <a:ea typeface="+mj-ea"/>
+                <a:cs typeface="+mj-cs"/>
+              </a:rPr>
+              <a:t>– </a:t>
+            </a:r>
+            <a:r>
+              <a:rPr lang="ko-KR" altLang="en-US" kern="1200">
+                <a:latin typeface="+mj-lt"/>
+                <a:ea typeface="+mj-ea"/>
+                <a:cs typeface="+mj-cs"/>
+              </a:rPr>
+              <a:t>백준 </a:t>
+            </a:r>
+            <a:r>
+              <a:rPr lang="en-US" altLang="ko-KR" kern="1200">
+                <a:latin typeface="+mj-lt"/>
+                <a:ea typeface="+mj-ea"/>
+                <a:cs typeface="+mj-cs"/>
+              </a:rPr>
+              <a:t>2438, 10171 </a:t>
+            </a:r>
+          </a:p>
+        </p:txBody>
+      </p:sp>
+      <p:graphicFrame>
+        <p:nvGraphicFramePr>
+          <p:cNvPr id="15" name="내용 개체 틀 2">
+            <a:extLst>
+              <a:ext uri="{FF2B5EF4-FFF2-40B4-BE49-F238E27FC236}">
+                <a16:creationId xmlns:a16="http://schemas.microsoft.com/office/drawing/2014/main" id="{6A32FADE-CAF6-4457-9E11-7AE2C11015AA}"/>
+              </a:ext>
+            </a:extLst>
+          </p:cNvPr>
+          <p:cNvGraphicFramePr>
+            <a:graphicFrameLocks noGrp="1"/>
+          </p:cNvGraphicFramePr>
+          <p:nvPr>
+            <p:ph idx="1"/>
+            <p:extLst>
+              <p:ext uri="{D42A27DB-BD31-4B8C-83A1-F6EECF244321}">
+                <p14:modId xmlns:p14="http://schemas.microsoft.com/office/powerpoint/2010/main" val="3851755528"/>
+              </p:ext>
+            </p:extLst>
+          </p:nvPr>
+        </p:nvGraphicFramePr>
+        <p:xfrm>
+          <a:off x="838200" y="1825625"/>
+          <a:ext cx="10515600" cy="4351338"/>
+        </p:xfrm>
+        <a:graphic>
+          <a:graphicData uri="http://schemas.openxmlformats.org/drawingml/2006/diagram">
+            <dgm:relIds xmlns:dgm="http://schemas.openxmlformats.org/drawingml/2006/diagram" xmlns:r="http://schemas.openxmlformats.org/officeDocument/2006/relationships" r:dm="rId2" r:lo="rId3" r:qs="rId4" r:cs="rId5"/>
+          </a:graphicData>
+        </a:graphic>
+      </p:graphicFrame>
+    </p:spTree>
+    <p:extLst>
+      <p:ext uri="{BB962C8B-B14F-4D97-AF65-F5344CB8AC3E}">
+        <p14:creationId xmlns:p14="http://schemas.microsoft.com/office/powerpoint/2010/main" val="411690253"/>
+      </p:ext>
+    </p:extLst>
+  </p:cSld>
+  <p:clrMapOvr>
+    <a:masterClrMapping/>
+  </p:clrMapOvr>
+</p:sld>
+</file>
+
+<file path=ppt/slides/slide30.xml><?xml version="1.0" encoding="utf-8"?>
+<p:sld xmlns:a="http://schemas.openxmlformats.org/drawingml/2006/main" xmlns:r="http://schemas.openxmlformats.org/officeDocument/2006/relationships" xmlns:p="http://schemas.openxmlformats.org/presentationml/2006/main">
+  <p:cSld>
+    <p:bg>
+      <p:bgPr>
+        <a:solidFill>
+          <a:schemeClr val="bg1"/>
+        </a:solidFill>
+        <a:effectLst/>
+      </p:bgPr>
+    </p:bg>
+    <p:spTree>
+      <p:nvGrpSpPr>
+        <p:cNvPr id="1" name=""/>
+        <p:cNvGrpSpPr/>
+        <p:nvPr/>
+      </p:nvGrpSpPr>
+      <p:grpSpPr>
+        <a:xfrm>
+          <a:off x="0" y="0"/>
+          <a:ext cx="0" cy="0"/>
+          <a:chOff x="0" y="0"/>
+          <a:chExt cx="0" cy="0"/>
+        </a:xfrm>
+      </p:grpSpPr>
+      <p:sp>
+        <p:nvSpPr>
+          <p:cNvPr id="8" name="Rectangle 7">
+            <a:extLst>
+              <a:ext uri="{FF2B5EF4-FFF2-40B4-BE49-F238E27FC236}">
+                <a16:creationId xmlns:a16="http://schemas.microsoft.com/office/drawing/2014/main" id="{8D70B121-56F4-4848-B38B-182089D909FA}"/>
+              </a:ext>
+              <a:ext uri="{C183D7F6-B498-43B3-948B-1728B52AA6E4}">
+                <adec:decorative xmlns:adec="http://schemas.microsoft.com/office/drawing/2017/decorative" val="1"/>
+              </a:ext>
+            </a:extLst>
+          </p:cNvPr>
+          <p:cNvSpPr>
+            <a:spLocks noGrp="1" noRot="1" noChangeAspect="1" noMove="1" noResize="1" noEditPoints="1" noAdjustHandles="1" noChangeArrowheads="1" noChangeShapeType="1" noTextEdit="1"/>
+          </p:cNvSpPr>
+          <p:nvPr>
+            <p:extLst>
+              <p:ext uri="{386F3935-93C4-4BCD-93E2-E3B085C9AB24}">
+                <p16:designElem xmlns:p16="http://schemas.microsoft.com/office/powerpoint/2015/main" val="1"/>
+              </p:ext>
+            </p:extLst>
+          </p:nvPr>
+        </p:nvSpPr>
+        <p:spPr bwMode="ltGray">
+          <a:xfrm>
+            <a:off x="321564" y="320040"/>
+            <a:ext cx="11548872" cy="6217920"/>
+          </a:xfrm>
+          <a:prstGeom prst="rect">
+            <a:avLst/>
+          </a:prstGeom>
+          <a:solidFill>
+            <a:schemeClr val="tx1">
+              <a:alpha val="8000"/>
+            </a:schemeClr>
+          </a:solidFill>
+          <a:ln w="127000" cap="sq" cmpd="thinThick">
+            <a:noFill/>
+          </a:ln>
+        </p:spPr>
+        <p:style>
+          <a:lnRef idx="2">
+            <a:schemeClr val="accent1">
+              <a:shade val="50000"/>
+            </a:schemeClr>
+          </a:lnRef>
+          <a:fillRef idx="1">
+            <a:schemeClr val="accent1"/>
+          </a:fillRef>
+          <a:effectRef idx="0">
+            <a:schemeClr val="accent1"/>
+          </a:effectRef>
+          <a:fontRef idx="minor">
+            <a:schemeClr val="lt1"/>
+          </a:fontRef>
+        </p:style>
+        <p:txBody>
+          <a:bodyPr rtlCol="0" anchor="ctr"/>
+          <a:lstStyle/>
+          <a:p>
+            <a:pPr algn="ctr"/>
+            <a:endParaRPr lang="en-US"/>
+          </a:p>
+        </p:txBody>
+      </p:sp>
+      <p:sp>
+        <p:nvSpPr>
+          <p:cNvPr id="2" name="제목 1">
+            <a:extLst>
+              <a:ext uri="{FF2B5EF4-FFF2-40B4-BE49-F238E27FC236}">
                 <a16:creationId xmlns:a16="http://schemas.microsoft.com/office/drawing/2014/main" id="{E6723AA2-102F-400C-8DDB-173863984AAE}"/>
               </a:ext>
             </a:extLst>
@@ -12981,7 +13437,7 @@
 </p:sld>
 </file>
 
-<file path=ppt/slides/slide28.xml><?xml version="1.0" encoding="utf-8"?>
+<file path=ppt/slides/slide31.xml><?xml version="1.0" encoding="utf-8"?>
 <p:sld xmlns:a="http://schemas.openxmlformats.org/drawingml/2006/main" xmlns:r="http://schemas.openxmlformats.org/officeDocument/2006/relationships" xmlns:p="http://schemas.openxmlformats.org/presentationml/2006/main">
   <p:cSld>
     <p:bg>
@@ -13279,139 +13735,6 @@
 </p:sld>
 </file>
 
-<file path=ppt/slides/slide3.xml><?xml version="1.0" encoding="utf-8"?>
-<p:sld xmlns:a="http://schemas.openxmlformats.org/drawingml/2006/main" xmlns:r="http://schemas.openxmlformats.org/officeDocument/2006/relationships" xmlns:p="http://schemas.openxmlformats.org/presentationml/2006/main">
-  <p:cSld>
-    <p:bg>
-      <p:bgPr>
-        <a:solidFill>
-          <a:schemeClr val="bg1"/>
-        </a:solidFill>
-        <a:effectLst/>
-      </p:bgPr>
-    </p:bg>
-    <p:spTree>
-      <p:nvGrpSpPr>
-        <p:cNvPr id="1" name=""/>
-        <p:cNvGrpSpPr/>
-        <p:nvPr/>
-      </p:nvGrpSpPr>
-      <p:grpSpPr>
-        <a:xfrm>
-          <a:off x="0" y="0"/>
-          <a:ext cx="0" cy="0"/>
-          <a:chOff x="0" y="0"/>
-          <a:chExt cx="0" cy="0"/>
-        </a:xfrm>
-      </p:grpSpPr>
-      <p:sp>
-        <p:nvSpPr>
-          <p:cNvPr id="2" name="제목 1">
-            <a:extLst>
-              <a:ext uri="{FF2B5EF4-FFF2-40B4-BE49-F238E27FC236}">
-                <a16:creationId xmlns:a16="http://schemas.microsoft.com/office/drawing/2014/main" id="{326F5A8B-28AB-4352-9AF5-FB1B283934EF}"/>
-              </a:ext>
-            </a:extLst>
-          </p:cNvPr>
-          <p:cNvSpPr>
-            <a:spLocks noGrp="1"/>
-          </p:cNvSpPr>
-          <p:nvPr>
-            <p:ph type="title"/>
-          </p:nvPr>
-        </p:nvSpPr>
-        <p:spPr>
-          <a:xfrm>
-            <a:off x="838200" y="620392"/>
-            <a:ext cx="3374136" cy="5504688"/>
-          </a:xfrm>
-        </p:spPr>
-        <p:txBody>
-          <a:bodyPr vert="horz" lIns="91440" tIns="45720" rIns="91440" bIns="45720" rtlCol="0">
-            <a:normAutofit/>
-          </a:bodyPr>
-          <a:lstStyle/>
-          <a:p>
-            <a:pPr latinLnBrk="0"/>
-            <a:r>
-              <a:rPr lang="ko-KR" altLang="en-US" kern="1200">
-                <a:latin typeface="+mj-lt"/>
-                <a:ea typeface="+mj-ea"/>
-                <a:cs typeface="+mj-cs"/>
-              </a:rPr>
-              <a:t>추가문제 풀이 </a:t>
-            </a:r>
-            <a:r>
-              <a:rPr lang="en-US" altLang="ko-KR" kern="1200">
-                <a:latin typeface="+mj-lt"/>
-                <a:ea typeface="+mj-ea"/>
-                <a:cs typeface="+mj-cs"/>
-              </a:rPr>
-              <a:t>– </a:t>
-            </a:r>
-            <a:r>
-              <a:rPr lang="ko-KR" altLang="en-US" kern="1200">
-                <a:latin typeface="+mj-lt"/>
-                <a:ea typeface="+mj-ea"/>
-                <a:cs typeface="+mj-cs"/>
-              </a:rPr>
-              <a:t>백준 </a:t>
-            </a:r>
-            <a:r>
-              <a:rPr lang="en-US" altLang="ko-KR" kern="1200">
-                <a:latin typeface="+mj-lt"/>
-                <a:ea typeface="+mj-ea"/>
-                <a:cs typeface="+mj-cs"/>
-              </a:rPr>
-              <a:t>2438, 10171 </a:t>
-            </a:r>
-          </a:p>
-        </p:txBody>
-      </p:sp>
-      <p:graphicFrame>
-        <p:nvGraphicFramePr>
-          <p:cNvPr id="15" name="내용 개체 틀 2">
-            <a:extLst>
-              <a:ext uri="{FF2B5EF4-FFF2-40B4-BE49-F238E27FC236}">
-                <a16:creationId xmlns:a16="http://schemas.microsoft.com/office/drawing/2014/main" id="{6A32FADE-CAF6-4457-9E11-7AE2C11015AA}"/>
-              </a:ext>
-            </a:extLst>
-          </p:cNvPr>
-          <p:cNvGraphicFramePr>
-            <a:graphicFrameLocks noGrp="1"/>
-          </p:cNvGraphicFramePr>
-          <p:nvPr>
-            <p:ph idx="1"/>
-            <p:extLst>
-              <p:ext uri="{D42A27DB-BD31-4B8C-83A1-F6EECF244321}">
-                <p14:modId xmlns:p14="http://schemas.microsoft.com/office/powerpoint/2010/main" val="3425925292"/>
-              </p:ext>
-            </p:extLst>
-          </p:nvPr>
-        </p:nvGraphicFramePr>
-        <p:xfrm>
-          <a:off x="5093208" y="620392"/>
-          <a:ext cx="6263640" cy="5504688"/>
-        </p:xfrm>
-        <a:graphic>
-          <a:graphicData uri="http://schemas.openxmlformats.org/drawingml/2006/diagram">
-            <dgm:relIds xmlns:dgm="http://schemas.openxmlformats.org/drawingml/2006/diagram" xmlns:r="http://schemas.openxmlformats.org/officeDocument/2006/relationships" r:dm="rId2" r:lo="rId3" r:qs="rId4" r:cs="rId5"/>
-          </a:graphicData>
-        </a:graphic>
-      </p:graphicFrame>
-    </p:spTree>
-    <p:extLst>
-      <p:ext uri="{BB962C8B-B14F-4D97-AF65-F5344CB8AC3E}">
-        <p14:creationId xmlns:p14="http://schemas.microsoft.com/office/powerpoint/2010/main" val="411690253"/>
-      </p:ext>
-    </p:extLst>
-  </p:cSld>
-  <p:clrMapOvr>
-    <a:masterClrMapping/>
-  </p:clrMapOvr>
-</p:sld>
-</file>
-
 <file path=ppt/slides/slide4.xml><?xml version="1.0" encoding="utf-8"?>
 <p:sld xmlns:a="http://schemas.openxmlformats.org/drawingml/2006/main" xmlns:r="http://schemas.openxmlformats.org/officeDocument/2006/relationships" xmlns:p="http://schemas.openxmlformats.org/presentationml/2006/main">
   <p:cSld>
@@ -13455,16 +13778,17 @@
         </p:nvSpPr>
         <p:spPr>
           <a:xfrm>
-            <a:off x="4965431" y="103559"/>
-            <a:ext cx="6586491" cy="1676603"/>
+            <a:off x="433495" y="3433763"/>
+            <a:ext cx="3197013" cy="2743200"/>
           </a:xfrm>
         </p:spPr>
         <p:txBody>
-          <a:bodyPr>
+          <a:bodyPr anchor="t">
             <a:normAutofit/>
           </a:bodyPr>
           <a:lstStyle/>
           <a:p>
+            <a:pPr algn="ctr"/>
             <a:r>
               <a:rPr lang="en-US" altLang="ko-KR" dirty="0"/>
               <a:t>2438 </a:t>
@@ -13473,6 +13797,7 @@
               <a:rPr lang="ko-KR" altLang="en-US" dirty="0"/>
               <a:t>번 예시 코드</a:t>
             </a:r>
+            <a:endParaRPr lang="ko-KR" altLang="en-US"/>
           </a:p>
         </p:txBody>
       </p:sp>
@@ -13497,13 +13822,12 @@
         </p:blipFill>
         <p:spPr>
           <a:xfrm>
-            <a:off x="20" y="10"/>
-            <a:ext cx="4635571" cy="6857990"/>
+            <a:off x="1722964" y="2519363"/>
+            <a:ext cx="618073" cy="914400"/>
           </a:xfrm>
           <a:prstGeom prst="rect">
             <a:avLst/>
           </a:prstGeom>
-          <a:effectLst/>
         </p:spPr>
       </p:pic>
       <p:sp>
@@ -13524,13 +13848,13 @@
         </p:nvSpPr>
         <p:spPr>
           <a:xfrm>
-            <a:off x="4965431" y="1235414"/>
-            <a:ext cx="6586489" cy="5525310"/>
+            <a:off x="4064000" y="643467"/>
+            <a:ext cx="7289799" cy="5533496"/>
           </a:xfrm>
         </p:spPr>
         <p:txBody>
-          <a:bodyPr>
-            <a:normAutofit fontScale="92500" lnSpcReduction="10000"/>
+          <a:bodyPr anchor="ctr">
+            <a:normAutofit fontScale="92500" lnSpcReduction="20000"/>
           </a:bodyPr>
           <a:lstStyle/>
           <a:p>
@@ -13538,7 +13862,7 @@
               <a:buNone/>
             </a:pPr>
             <a:r>
-              <a:rPr lang="en-US" altLang="ko-KR" sz="1400" dirty="0"/>
+              <a:rPr lang="en-US" altLang="ko-KR" sz="1500" dirty="0"/>
               <a:t>using System;</a:t>
             </a:r>
           </a:p>
@@ -13547,7 +13871,7 @@
               <a:buNone/>
             </a:pPr>
             <a:r>
-              <a:rPr lang="en-US" altLang="ko-KR" sz="1400" dirty="0"/>
+              <a:rPr lang="en-US" altLang="ko-KR" sz="1500" dirty="0"/>
               <a:t>namespace delete</a:t>
             </a:r>
           </a:p>
@@ -13556,7 +13880,7 @@
               <a:buNone/>
             </a:pPr>
             <a:r>
-              <a:rPr lang="en-US" altLang="ko-KR" sz="1400" dirty="0"/>
+              <a:rPr lang="en-US" altLang="ko-KR" sz="1500" dirty="0"/>
               <a:t>{</a:t>
             </a:r>
           </a:p>
@@ -13565,7 +13889,7 @@
               <a:buNone/>
             </a:pPr>
             <a:r>
-              <a:rPr lang="en-US" altLang="ko-KR" sz="1400" dirty="0"/>
+              <a:rPr lang="en-US" altLang="ko-KR" sz="1500" dirty="0"/>
               <a:t>    class Class1</a:t>
             </a:r>
           </a:p>
@@ -13574,11 +13898,11 @@
               <a:buNone/>
             </a:pPr>
             <a:r>
-              <a:rPr lang="ko-KR" altLang="en-US" sz="1400" dirty="0"/>
+              <a:rPr lang="ko-KR" altLang="en-US" sz="1500" dirty="0"/>
               <a:t>    </a:t>
             </a:r>
             <a:r>
-              <a:rPr lang="en-US" altLang="ko-KR" sz="1400" dirty="0"/>
+              <a:rPr lang="en-US" altLang="ko-KR" sz="1500" dirty="0"/>
               <a:t>{</a:t>
             </a:r>
           </a:p>
@@ -13587,7 +13911,7 @@
               <a:buNone/>
             </a:pPr>
             <a:r>
-              <a:rPr lang="en-US" altLang="ko-KR" sz="1400" dirty="0"/>
+              <a:rPr lang="en-US" altLang="ko-KR" sz="1500" dirty="0"/>
               <a:t>        static void Main()</a:t>
             </a:r>
           </a:p>
@@ -13596,11 +13920,11 @@
               <a:buNone/>
             </a:pPr>
             <a:r>
-              <a:rPr lang="ko-KR" altLang="en-US" sz="1400" dirty="0"/>
+              <a:rPr lang="ko-KR" altLang="en-US" sz="1500" dirty="0"/>
               <a:t>        </a:t>
             </a:r>
             <a:r>
-              <a:rPr lang="en-US" altLang="ko-KR" sz="1400" dirty="0"/>
+              <a:rPr lang="en-US" altLang="ko-KR" sz="1500" dirty="0"/>
               <a:t>{</a:t>
             </a:r>
           </a:p>
@@ -13609,23 +13933,23 @@
               <a:buNone/>
             </a:pPr>
             <a:r>
-              <a:rPr lang="en-US" altLang="ko-KR" sz="1400" dirty="0"/>
+              <a:rPr lang="en-US" altLang="ko-KR" sz="1500" dirty="0"/>
               <a:t>            int number = </a:t>
             </a:r>
             <a:r>
-              <a:rPr lang="en-US" altLang="ko-KR" sz="1400" dirty="0" err="1"/>
+              <a:rPr lang="en-US" altLang="ko-KR" sz="1500" dirty="0" err="1"/>
               <a:t>int.Parse</a:t>
             </a:r>
             <a:r>
-              <a:rPr lang="en-US" altLang="ko-KR" sz="1400" dirty="0"/>
+              <a:rPr lang="en-US" altLang="ko-KR" sz="1500" dirty="0"/>
               <a:t>(</a:t>
             </a:r>
             <a:r>
-              <a:rPr lang="en-US" altLang="ko-KR" sz="1400" dirty="0" err="1"/>
+              <a:rPr lang="en-US" altLang="ko-KR" sz="1500" dirty="0" err="1"/>
               <a:t>Console.ReadLine</a:t>
             </a:r>
             <a:r>
-              <a:rPr lang="en-US" altLang="ko-KR" sz="1400" dirty="0"/>
+              <a:rPr lang="en-US" altLang="ko-KR" sz="1500" dirty="0"/>
               <a:t>());</a:t>
             </a:r>
           </a:p>
@@ -13634,31 +13958,31 @@
               <a:buNone/>
             </a:pPr>
             <a:r>
-              <a:rPr lang="en-US" altLang="ko-KR" sz="1400" dirty="0"/>
+              <a:rPr lang="en-US" altLang="ko-KR" sz="1500" dirty="0"/>
               <a:t>            for(int </a:t>
             </a:r>
             <a:r>
-              <a:rPr lang="en-US" altLang="ko-KR" sz="1400" dirty="0" err="1"/>
+              <a:rPr lang="en-US" altLang="ko-KR" sz="1500" dirty="0" err="1"/>
               <a:t>i</a:t>
             </a:r>
             <a:r>
-              <a:rPr lang="en-US" altLang="ko-KR" sz="1400" dirty="0"/>
+              <a:rPr lang="en-US" altLang="ko-KR" sz="1500" dirty="0"/>
               <a:t>=1; </a:t>
             </a:r>
             <a:r>
-              <a:rPr lang="en-US" altLang="ko-KR" sz="1400" dirty="0" err="1"/>
+              <a:rPr lang="en-US" altLang="ko-KR" sz="1500" dirty="0" err="1"/>
               <a:t>i</a:t>
             </a:r>
             <a:r>
-              <a:rPr lang="en-US" altLang="ko-KR" sz="1400" dirty="0"/>
+              <a:rPr lang="en-US" altLang="ko-KR" sz="1500" dirty="0"/>
               <a:t> &lt; number + 1; </a:t>
             </a:r>
             <a:r>
-              <a:rPr lang="en-US" altLang="ko-KR" sz="1400" dirty="0" err="1"/>
+              <a:rPr lang="en-US" altLang="ko-KR" sz="1500" dirty="0" err="1"/>
               <a:t>i</a:t>
             </a:r>
             <a:r>
-              <a:rPr lang="en-US" altLang="ko-KR" sz="1400" dirty="0"/>
+              <a:rPr lang="en-US" altLang="ko-KR" sz="1500" dirty="0"/>
               <a:t>++)</a:t>
             </a:r>
           </a:p>
@@ -13667,11 +13991,11 @@
               <a:buNone/>
             </a:pPr>
             <a:r>
-              <a:rPr lang="ko-KR" altLang="en-US" sz="1400" dirty="0"/>
+              <a:rPr lang="ko-KR" altLang="en-US" sz="1500" dirty="0"/>
               <a:t>          </a:t>
             </a:r>
             <a:r>
-              <a:rPr lang="en-US" altLang="ko-KR" sz="1400" dirty="0"/>
+              <a:rPr lang="en-US" altLang="ko-KR" sz="1500" dirty="0"/>
               <a:t>{</a:t>
             </a:r>
           </a:p>
@@ -13680,7 +14004,7 @@
               <a:buNone/>
             </a:pPr>
             <a:r>
-              <a:rPr lang="nb-NO" altLang="ko-KR" sz="1400" dirty="0"/>
+              <a:rPr lang="nb-NO" altLang="ko-KR" sz="1500" dirty="0"/>
               <a:t>                for(int j=0; j&lt; i; j++)</a:t>
             </a:r>
           </a:p>
@@ -13689,11 +14013,11 @@
               <a:buNone/>
             </a:pPr>
             <a:r>
-              <a:rPr lang="ko-KR" altLang="en-US" sz="1400" dirty="0"/>
+              <a:rPr lang="ko-KR" altLang="en-US" sz="1500" dirty="0"/>
               <a:t>               </a:t>
             </a:r>
             <a:r>
-              <a:rPr lang="en-US" altLang="ko-KR" sz="1400" dirty="0"/>
+              <a:rPr lang="en-US" altLang="ko-KR" sz="1500" dirty="0"/>
               <a:t>{</a:t>
             </a:r>
           </a:p>
@@ -13702,15 +14026,15 @@
               <a:buNone/>
             </a:pPr>
             <a:r>
-              <a:rPr lang="en-US" altLang="ko-KR" sz="1400" dirty="0"/>
+              <a:rPr lang="en-US" altLang="ko-KR" sz="1500" dirty="0"/>
               <a:t>                    </a:t>
             </a:r>
             <a:r>
-              <a:rPr lang="en-US" altLang="ko-KR" sz="1400" dirty="0" err="1"/>
+              <a:rPr lang="en-US" altLang="ko-KR" sz="1500" dirty="0" err="1"/>
               <a:t>Console.Write</a:t>
             </a:r>
             <a:r>
-              <a:rPr lang="en-US" altLang="ko-KR" sz="1400" dirty="0"/>
+              <a:rPr lang="en-US" altLang="ko-KR" sz="1500" dirty="0"/>
               <a:t>("*");</a:t>
             </a:r>
           </a:p>
@@ -13719,11 +14043,11 @@
               <a:buNone/>
             </a:pPr>
             <a:r>
-              <a:rPr lang="ko-KR" altLang="en-US" sz="1400" dirty="0"/>
+              <a:rPr lang="ko-KR" altLang="en-US" sz="1500" dirty="0"/>
               <a:t>                </a:t>
             </a:r>
             <a:r>
-              <a:rPr lang="en-US" altLang="ko-KR" sz="1400" dirty="0"/>
+              <a:rPr lang="en-US" altLang="ko-KR" sz="1500" dirty="0"/>
               <a:t>}</a:t>
             </a:r>
           </a:p>
@@ -13732,15 +14056,15 @@
               <a:buNone/>
             </a:pPr>
             <a:r>
-              <a:rPr lang="en-US" altLang="ko-KR" sz="1400" dirty="0"/>
+              <a:rPr lang="en-US" altLang="ko-KR" sz="1500" dirty="0"/>
               <a:t>                </a:t>
             </a:r>
             <a:r>
-              <a:rPr lang="en-US" altLang="ko-KR" sz="1400" dirty="0" err="1"/>
+              <a:rPr lang="en-US" altLang="ko-KR" sz="1500" dirty="0" err="1"/>
               <a:t>Console.WriteLine</a:t>
             </a:r>
             <a:r>
-              <a:rPr lang="en-US" altLang="ko-KR" sz="1400" dirty="0"/>
+              <a:rPr lang="en-US" altLang="ko-KR" sz="1500" dirty="0"/>
               <a:t>();</a:t>
             </a:r>
           </a:p>
@@ -13749,11 +14073,11 @@
               <a:buNone/>
             </a:pPr>
             <a:r>
-              <a:rPr lang="ko-KR" altLang="en-US" sz="1400" dirty="0"/>
+              <a:rPr lang="ko-KR" altLang="en-US" sz="1500" dirty="0"/>
               <a:t>            </a:t>
             </a:r>
             <a:r>
-              <a:rPr lang="en-US" altLang="ko-KR" sz="1400" dirty="0"/>
+              <a:rPr lang="en-US" altLang="ko-KR" sz="1500" dirty="0"/>
               <a:t>}</a:t>
             </a:r>
           </a:p>
@@ -13762,11 +14086,11 @@
               <a:buNone/>
             </a:pPr>
             <a:r>
-              <a:rPr lang="ko-KR" altLang="en-US" sz="1400" dirty="0"/>
+              <a:rPr lang="ko-KR" altLang="en-US" sz="1500" dirty="0"/>
               <a:t>        </a:t>
             </a:r>
             <a:r>
-              <a:rPr lang="en-US" altLang="ko-KR" sz="1400" dirty="0"/>
+              <a:rPr lang="en-US" altLang="ko-KR" sz="1500" dirty="0"/>
               <a:t>}</a:t>
             </a:r>
           </a:p>
@@ -13775,11 +14099,11 @@
               <a:buNone/>
             </a:pPr>
             <a:r>
-              <a:rPr lang="ko-KR" altLang="en-US" sz="1400" dirty="0"/>
+              <a:rPr lang="ko-KR" altLang="en-US" sz="1500" dirty="0"/>
               <a:t>    </a:t>
             </a:r>
             <a:r>
-              <a:rPr lang="en-US" altLang="ko-KR" sz="1400" dirty="0"/>
+              <a:rPr lang="en-US" altLang="ko-KR" sz="1500" dirty="0"/>
               <a:t>}</a:t>
             </a:r>
           </a:p>
@@ -13788,7 +14112,7 @@
               <a:buNone/>
             </a:pPr>
             <a:r>
-              <a:rPr lang="en-US" altLang="ko-KR" sz="1400" dirty="0"/>
+              <a:rPr lang="en-US" altLang="ko-KR" sz="1500" dirty="0"/>
               <a:t>}</a:t>
             </a:r>
           </a:p>
@@ -13796,7 +14120,7 @@
             <a:pPr marL="0" indent="0">
               <a:buNone/>
             </a:pPr>
-            <a:endParaRPr lang="ko-KR" altLang="en-US" sz="600" dirty="0"/>
+            <a:endParaRPr lang="ko-KR" altLang="en-US" sz="1100" dirty="0"/>
           </a:p>
         </p:txBody>
       </p:sp>
@@ -14989,10 +15313,7 @@
     <p:bg>
       <p:bgPr>
         <a:solidFill>
-          <a:schemeClr val="bg1">
-            <a:tint val="95000"/>
-            <a:satMod val="170000"/>
-          </a:schemeClr>
+          <a:schemeClr val="bg1"/>
         </a:solidFill>
         <a:effectLst/>
       </p:bgPr>
@@ -15013,58 +15334,10 @@
       </p:grpSpPr>
       <p:sp>
         <p:nvSpPr>
-          <p:cNvPr id="2" name="제목 1">
-            <a:extLst>
-              <a:ext uri="{FF2B5EF4-FFF2-40B4-BE49-F238E27FC236}">
-                <a16:creationId xmlns:a16="http://schemas.microsoft.com/office/drawing/2014/main" id="{BE0914CF-CE69-4C93-A4B1-C92DDA28465A}"/>
-              </a:ext>
-            </a:extLst>
-          </p:cNvPr>
-          <p:cNvSpPr>
-            <a:spLocks noGrp="1"/>
-          </p:cNvSpPr>
-          <p:nvPr>
-            <p:ph type="title"/>
-          </p:nvPr>
-        </p:nvSpPr>
-        <p:spPr>
-          <a:xfrm>
-            <a:off x="804673" y="1445494"/>
-            <a:ext cx="3616856" cy="4376572"/>
-          </a:xfrm>
-        </p:spPr>
-        <p:txBody>
-          <a:bodyPr anchor="ctr">
-            <a:normAutofit/>
-          </a:bodyPr>
-          <a:lstStyle/>
-          <a:p>
-            <a:r>
-              <a:rPr lang="ko-KR" altLang="en-US" sz="4800"/>
-              <a:t>분기문 </a:t>
-            </a:r>
-            <a:r>
-              <a:rPr lang="en-US" altLang="ko-KR" sz="4800"/>
-              <a:t>–</a:t>
-            </a:r>
-            <a:r>
-              <a:rPr lang="ko-KR" altLang="en-US" sz="4800"/>
-              <a:t> </a:t>
-            </a:r>
-            <a:r>
-              <a:rPr lang="en-US" altLang="ko-KR" sz="4800"/>
-              <a:t>if</a:t>
-            </a:r>
-            <a:endParaRPr lang="ko-KR" altLang="en-US" sz="4800"/>
-          </a:p>
-        </p:txBody>
-      </p:sp>
-      <p:sp>
-        <p:nvSpPr>
-          <p:cNvPr id="15" name="Freeform: Shape 14">
-            <a:extLst>
-              <a:ext uri="{FF2B5EF4-FFF2-40B4-BE49-F238E27FC236}">
-                <a16:creationId xmlns:a16="http://schemas.microsoft.com/office/drawing/2014/main" id="{DFF2AC85-FAA0-4844-813F-83C04D7382E2}"/>
+          <p:cNvPr id="22" name="Rectangle 21">
+            <a:extLst>
+              <a:ext uri="{FF2B5EF4-FFF2-40B4-BE49-F238E27FC236}">
+                <a16:creationId xmlns:a16="http://schemas.microsoft.com/office/drawing/2014/main" id="{8D70B121-56F4-4848-B38B-182089D909FA}"/>
               </a:ext>
               <a:ext uri="{C183D7F6-B498-43B3-948B-1728B52AA6E4}">
                 <adec:decorative xmlns:adec="http://schemas.microsoft.com/office/drawing/2017/decorative" val="1"/>
@@ -15082,81 +15355,20 @@
             </p:extLst>
           </p:nvPr>
         </p:nvSpPr>
-        <p:spPr>
+        <p:spPr bwMode="ltGray">
           <a:xfrm>
-            <a:off x="4907636" y="0"/>
-            <a:ext cx="7281316" cy="6858000"/>
+            <a:off x="321564" y="320040"/>
+            <a:ext cx="11548872" cy="6217920"/>
           </a:xfrm>
-          <a:custGeom>
+          <a:prstGeom prst="rect">
             <a:avLst/>
-            <a:gdLst>
-              <a:gd name="connsiteX0" fmla="*/ 361354 w 7281316"/>
-              <a:gd name="connsiteY0" fmla="*/ 0 h 6858000"/>
-              <a:gd name="connsiteX1" fmla="*/ 7281316 w 7281316"/>
-              <a:gd name="connsiteY1" fmla="*/ 0 h 6858000"/>
-              <a:gd name="connsiteX2" fmla="*/ 7281316 w 7281316"/>
-              <a:gd name="connsiteY2" fmla="*/ 6858000 h 6858000"/>
-              <a:gd name="connsiteX3" fmla="*/ 696735 w 7281316"/>
-              <a:gd name="connsiteY3" fmla="*/ 6858000 h 6858000"/>
-              <a:gd name="connsiteX4" fmla="*/ 690849 w 7281316"/>
-              <a:gd name="connsiteY4" fmla="*/ 6842426 h 6858000"/>
-              <a:gd name="connsiteX5" fmla="*/ 335637 w 7281316"/>
-              <a:gd name="connsiteY5" fmla="*/ 94722 h 6858000"/>
-            </a:gdLst>
-            <a:ahLst/>
-            <a:cxnLst>
-              <a:cxn ang="0">
-                <a:pos x="connsiteX0" y="connsiteY0"/>
-              </a:cxn>
-              <a:cxn ang="0">
-                <a:pos x="connsiteX1" y="connsiteY1"/>
-              </a:cxn>
-              <a:cxn ang="0">
-                <a:pos x="connsiteX2" y="connsiteY2"/>
-              </a:cxn>
-              <a:cxn ang="0">
-                <a:pos x="connsiteX3" y="connsiteY3"/>
-              </a:cxn>
-              <a:cxn ang="0">
-                <a:pos x="connsiteX4" y="connsiteY4"/>
-              </a:cxn>
-              <a:cxn ang="0">
-                <a:pos x="connsiteX5" y="connsiteY5"/>
-              </a:cxn>
-            </a:cxnLst>
-            <a:rect l="l" t="t" r="r" b="b"/>
-            <a:pathLst>
-              <a:path w="7281316" h="6858000">
-                <a:moveTo>
-                  <a:pt x="361354" y="0"/>
-                </a:moveTo>
-                <a:lnTo>
-                  <a:pt x="7281316" y="0"/>
-                </a:lnTo>
-                <a:lnTo>
-                  <a:pt x="7281316" y="6858000"/>
-                </a:lnTo>
-                <a:lnTo>
-                  <a:pt x="696735" y="6858000"/>
-                </a:lnTo>
-                <a:lnTo>
-                  <a:pt x="690849" y="6842426"/>
-                </a:lnTo>
-                <a:cubicBezTo>
-                  <a:pt x="-65870" y="4704140"/>
-                  <a:pt x="-226206" y="2374054"/>
-                  <a:pt x="335637" y="94722"/>
-                </a:cubicBezTo>
-                <a:close/>
-              </a:path>
-            </a:pathLst>
-          </a:custGeom>
+          </a:prstGeom>
           <a:solidFill>
             <a:schemeClr val="tx1">
-              <a:alpha val="80000"/>
+              <a:alpha val="8000"/>
             </a:schemeClr>
           </a:solidFill>
-          <a:ln>
+          <a:ln w="127000" cap="sq" cmpd="thinThick">
             <a:noFill/>
           </a:ln>
         </p:spPr>
@@ -15187,19 +15399,88 @@
       </p:sp>
       <p:sp>
         <p:nvSpPr>
-          <p:cNvPr id="17" name="Freeform: Shape 16">
-            <a:extLst>
-              <a:ext uri="{FF2B5EF4-FFF2-40B4-BE49-F238E27FC236}">
-                <a16:creationId xmlns:a16="http://schemas.microsoft.com/office/drawing/2014/main" id="{89CC0F1E-BAA2-47B1-8F83-7ECB9FD9E009}"/>
+          <p:cNvPr id="2" name="제목 1">
+            <a:extLst>
+              <a:ext uri="{FF2B5EF4-FFF2-40B4-BE49-F238E27FC236}">
+                <a16:creationId xmlns:a16="http://schemas.microsoft.com/office/drawing/2014/main" id="{BE0914CF-CE69-4C93-A4B1-C92DDA28465A}"/>
+              </a:ext>
+            </a:extLst>
+          </p:cNvPr>
+          <p:cNvSpPr>
+            <a:spLocks noGrp="1"/>
+          </p:cNvSpPr>
+          <p:nvPr>
+            <p:ph type="title"/>
+          </p:nvPr>
+        </p:nvSpPr>
+        <p:spPr>
+          <a:xfrm>
+            <a:off x="838200" y="963877"/>
+            <a:ext cx="3494362" cy="4930246"/>
+          </a:xfrm>
+        </p:spPr>
+        <p:txBody>
+          <a:bodyPr>
+            <a:normAutofit/>
+          </a:bodyPr>
+          <a:lstStyle/>
+          <a:p>
+            <a:pPr algn="r"/>
+            <a:r>
+              <a:rPr lang="ko-KR" altLang="en-US">
+                <a:solidFill>
+                  <a:schemeClr val="accent1"/>
+                </a:solidFill>
+              </a:rPr>
+              <a:t>분기문 </a:t>
+            </a:r>
+            <a:r>
+              <a:rPr lang="en-US" altLang="ko-KR">
+                <a:solidFill>
+                  <a:schemeClr val="accent1"/>
+                </a:solidFill>
+              </a:rPr>
+              <a:t>–</a:t>
+            </a:r>
+            <a:r>
+              <a:rPr lang="ko-KR" altLang="en-US">
+                <a:solidFill>
+                  <a:schemeClr val="accent1"/>
+                </a:solidFill>
+              </a:rPr>
+              <a:t> </a:t>
+            </a:r>
+            <a:r>
+              <a:rPr lang="en-US" altLang="ko-KR">
+                <a:solidFill>
+                  <a:schemeClr val="accent1"/>
+                </a:solidFill>
+              </a:rPr>
+              <a:t>if</a:t>
+            </a:r>
+            <a:endParaRPr lang="ko-KR" altLang="en-US">
+              <a:solidFill>
+                <a:schemeClr val="accent1"/>
+              </a:solidFill>
+            </a:endParaRPr>
+          </a:p>
+        </p:txBody>
+      </p:sp>
+      <p:cxnSp>
+        <p:nvCxnSpPr>
+          <p:cNvPr id="24" name="Straight Connector 23">
+            <a:extLst>
+              <a:ext uri="{FF2B5EF4-FFF2-40B4-BE49-F238E27FC236}">
+                <a16:creationId xmlns:a16="http://schemas.microsoft.com/office/drawing/2014/main" id="{2D72A2C9-F3CA-4216-8BAD-FA4C970C3C4E}"/>
               </a:ext>
               <a:ext uri="{C183D7F6-B498-43B3-948B-1728B52AA6E4}">
                 <adec:decorative xmlns:adec="http://schemas.microsoft.com/office/drawing/2017/decorative" val="1"/>
               </a:ext>
             </a:extLst>
           </p:cNvPr>
-          <p:cNvSpPr>
-            <a:spLocks noGrp="1" noRot="1" noChangeAspect="1" noMove="1" noResize="1" noEditPoints="1" noAdjustHandles="1" noChangeArrowheads="1" noChangeShapeType="1" noTextEdit="1"/>
-          </p:cNvSpPr>
+          <p:cNvCxnSpPr>
+            <a:cxnSpLocks noGrp="1" noRot="1" noChangeAspect="1" noMove="1" noResize="1" noEditPoints="1" noAdjustHandles="1" noChangeArrowheads="1" noChangeShapeType="1"/>
+          </p:cNvCxnSpPr>
           <p:nvPr>
             <p:extLst>
               <p:ext uri="{386F3935-93C4-4BCD-93E2-E3B085C9AB24}">
@@ -15207,110 +15488,39 @@
               </p:ext>
             </p:extLst>
           </p:nvPr>
-        </p:nvSpPr>
+        </p:nvCxnSpPr>
         <p:spPr>
           <a:xfrm>
-            <a:off x="5189558" y="0"/>
-            <a:ext cx="6999394" cy="6858000"/>
+            <a:off x="4654296" y="2057400"/>
+            <a:ext cx="0" cy="2743200"/>
           </a:xfrm>
-          <a:custGeom>
+          <a:prstGeom prst="line">
             <a:avLst/>
-            <a:gdLst>
-              <a:gd name="connsiteX0" fmla="*/ 6999394 w 6999394"/>
-              <a:gd name="connsiteY0" fmla="*/ 0 h 6858000"/>
-              <a:gd name="connsiteX1" fmla="*/ 6999394 w 6999394"/>
-              <a:gd name="connsiteY1" fmla="*/ 6858000 h 6858000"/>
-              <a:gd name="connsiteX2" fmla="*/ 717029 w 6999394"/>
-              <a:gd name="connsiteY2" fmla="*/ 6858000 h 6858000"/>
-              <a:gd name="connsiteX3" fmla="*/ 623642 w 6999394"/>
-              <a:gd name="connsiteY3" fmla="*/ 6599363 h 6858000"/>
-              <a:gd name="connsiteX4" fmla="*/ 319533 w 6999394"/>
-              <a:gd name="connsiteY4" fmla="*/ 193787 h 6858000"/>
-              <a:gd name="connsiteX5" fmla="*/ 371685 w 6999394"/>
-              <a:gd name="connsiteY5" fmla="*/ 1 h 6858000"/>
-            </a:gdLst>
-            <a:ahLst/>
-            <a:cxnLst>
-              <a:cxn ang="0">
-                <a:pos x="connsiteX0" y="connsiteY0"/>
-              </a:cxn>
-              <a:cxn ang="0">
-                <a:pos x="connsiteX1" y="connsiteY1"/>
-              </a:cxn>
-              <a:cxn ang="0">
-                <a:pos x="connsiteX2" y="connsiteY2"/>
-              </a:cxn>
-              <a:cxn ang="0">
-                <a:pos x="connsiteX3" y="connsiteY3"/>
-              </a:cxn>
-              <a:cxn ang="0">
-                <a:pos x="connsiteX4" y="connsiteY4"/>
-              </a:cxn>
-              <a:cxn ang="0">
-                <a:pos x="connsiteX5" y="connsiteY5"/>
-              </a:cxn>
-            </a:cxnLst>
-            <a:rect l="l" t="t" r="r" b="b"/>
-            <a:pathLst>
-              <a:path w="6999394" h="6858000">
-                <a:moveTo>
-                  <a:pt x="6999394" y="0"/>
-                </a:moveTo>
-                <a:lnTo>
-                  <a:pt x="6999394" y="6858000"/>
-                </a:lnTo>
-                <a:lnTo>
-                  <a:pt x="717029" y="6858000"/>
-                </a:lnTo>
-                <a:lnTo>
-                  <a:pt x="623642" y="6599363"/>
-                </a:lnTo>
-                <a:cubicBezTo>
-                  <a:pt x="-67685" y="4563346"/>
-                  <a:pt x="-206622" y="2355719"/>
-                  <a:pt x="319533" y="193787"/>
-                </a:cubicBezTo>
-                <a:lnTo>
-                  <a:pt x="371685" y="1"/>
-                </a:lnTo>
-                <a:close/>
-              </a:path>
-            </a:pathLst>
-          </a:custGeom>
-          <a:solidFill>
-            <a:schemeClr val="tx1">
-              <a:alpha val="80000"/>
-            </a:schemeClr>
-          </a:solidFill>
-          <a:ln>
-            <a:noFill/>
+          </a:prstGeom>
+          <a:ln w="19050">
+            <a:solidFill>
+              <a:schemeClr val="tx1">
+                <a:lumMod val="85000"/>
+                <a:lumOff val="15000"/>
+              </a:schemeClr>
+            </a:solidFill>
           </a:ln>
         </p:spPr>
         <p:style>
-          <a:lnRef idx="2">
-            <a:schemeClr val="accent1">
-              <a:shade val="50000"/>
-            </a:schemeClr>
+          <a:lnRef idx="1">
+            <a:schemeClr val="accent1"/>
           </a:lnRef>
-          <a:fillRef idx="1">
+          <a:fillRef idx="0">
             <a:schemeClr val="accent1"/>
           </a:fillRef>
           <a:effectRef idx="0">
             <a:schemeClr val="accent1"/>
           </a:effectRef>
           <a:fontRef idx="minor">
-            <a:schemeClr val="lt1"/>
+            <a:schemeClr val="tx1"/>
           </a:fontRef>
         </p:style>
-        <p:txBody>
-          <a:bodyPr rtlCol="0" anchor="ctr"/>
-          <a:lstStyle/>
-          <a:p>
-            <a:pPr algn="ctr"/>
-            <a:endParaRPr lang="en-US"/>
-          </a:p>
-        </p:txBody>
-      </p:sp>
+      </p:cxnSp>
       <p:sp>
         <p:nvSpPr>
           <p:cNvPr id="3" name="내용 개체 틀 2">
@@ -15329,8 +15539,8 @@
         </p:nvSpPr>
         <p:spPr>
           <a:xfrm>
-            <a:off x="6096000" y="1399032"/>
-            <a:ext cx="5501834" cy="4471416"/>
+            <a:off x="4976031" y="963877"/>
+            <a:ext cx="6377769" cy="4930246"/>
           </a:xfrm>
         </p:spPr>
         <p:txBody>
@@ -15343,69 +15553,37 @@
               <a:buNone/>
             </a:pPr>
             <a:r>
-              <a:rPr lang="en-US" altLang="ko-KR" sz="2200">
-                <a:solidFill>
-                  <a:schemeClr val="bg1"/>
-                </a:solidFill>
-              </a:rPr>
+              <a:rPr lang="en-US" altLang="ko-KR" sz="2400"/>
               <a:t>if</a:t>
             </a:r>
             <a:r>
-              <a:rPr lang="ko-KR" altLang="en-US" sz="2200">
-                <a:solidFill>
-                  <a:schemeClr val="bg1"/>
-                </a:solidFill>
-              </a:rPr>
+              <a:rPr lang="ko-KR" altLang="en-US" sz="2400"/>
               <a:t>문은 아래</a:t>
             </a:r>
             <a:r>
-              <a:rPr lang="en-US" altLang="ko-KR" sz="2200">
-                <a:solidFill>
-                  <a:schemeClr val="bg1"/>
-                </a:solidFill>
-              </a:rPr>
+              <a:rPr lang="en-US" altLang="ko-KR" sz="2400"/>
               <a:t> </a:t>
             </a:r>
             <a:r>
-              <a:rPr lang="ko-KR" altLang="en-US" sz="2200">
-                <a:solidFill>
-                  <a:schemeClr val="bg1"/>
-                </a:solidFill>
-              </a:rPr>
+              <a:rPr lang="ko-KR" altLang="en-US" sz="2400"/>
               <a:t>예시처럼 조건식이 참일 경우에만 실행하는 코드를 만들 수 있다</a:t>
             </a:r>
-            <a:endParaRPr lang="en-US" altLang="ko-KR" sz="2200">
-              <a:solidFill>
-                <a:schemeClr val="bg1"/>
-              </a:solidFill>
-            </a:endParaRPr>
-          </a:p>
-          <a:p>
-            <a:pPr marL="0" indent="0">
-              <a:buNone/>
-            </a:pPr>
-            <a:r>
-              <a:rPr lang="en-US" altLang="ko-KR" sz="2200">
-                <a:solidFill>
-                  <a:schemeClr val="bg1"/>
-                </a:solidFill>
-              </a:rPr>
+            <a:endParaRPr lang="en-US" altLang="ko-KR" sz="2400"/>
+          </a:p>
+          <a:p>
+            <a:pPr marL="0" indent="0">
+              <a:buNone/>
+            </a:pPr>
+            <a:r>
+              <a:rPr lang="en-US" altLang="ko-KR" sz="2400"/>
               <a:t>if(</a:t>
             </a:r>
             <a:r>
-              <a:rPr lang="ko-KR" altLang="en-US" sz="2200">
-                <a:solidFill>
-                  <a:schemeClr val="bg1"/>
-                </a:solidFill>
-              </a:rPr>
+              <a:rPr lang="ko-KR" altLang="en-US" sz="2400"/>
               <a:t>조건식</a:t>
             </a:r>
             <a:r>
-              <a:rPr lang="en-US" altLang="ko-KR" sz="2200">
-                <a:solidFill>
-                  <a:schemeClr val="bg1"/>
-                </a:solidFill>
-              </a:rPr>
+              <a:rPr lang="en-US" altLang="ko-KR" sz="2400"/>
               <a:t>)</a:t>
             </a:r>
           </a:p>
@@ -15414,11 +15592,7 @@
               <a:buNone/>
             </a:pPr>
             <a:r>
-              <a:rPr lang="en-US" altLang="ko-KR" sz="2200">
-                <a:solidFill>
-                  <a:schemeClr val="bg1"/>
-                </a:solidFill>
-              </a:rPr>
+              <a:rPr lang="en-US" altLang="ko-KR" sz="2400"/>
               <a:t>{</a:t>
             </a:r>
           </a:p>
@@ -15427,70 +15601,38 @@
               <a:buNone/>
             </a:pPr>
             <a:r>
-              <a:rPr lang="en-US" altLang="ko-KR" sz="2200">
-                <a:solidFill>
-                  <a:schemeClr val="bg1"/>
-                </a:solidFill>
-              </a:rPr>
+              <a:rPr lang="en-US" altLang="ko-KR" sz="2400"/>
               <a:t>	//</a:t>
             </a:r>
             <a:r>
-              <a:rPr lang="ko-KR" altLang="en-US" sz="2200">
-                <a:solidFill>
-                  <a:schemeClr val="bg1"/>
-                </a:solidFill>
-              </a:rPr>
+              <a:rPr lang="ko-KR" altLang="en-US" sz="2400"/>
               <a:t>조건식이 참인 경우</a:t>
             </a:r>
-            <a:endParaRPr lang="en-US" altLang="ko-KR" sz="2200">
-              <a:solidFill>
-                <a:schemeClr val="bg1"/>
-              </a:solidFill>
-            </a:endParaRPr>
-          </a:p>
-          <a:p>
-            <a:pPr marL="0" indent="0">
-              <a:buNone/>
-            </a:pPr>
-            <a:r>
-              <a:rPr lang="en-US" altLang="ko-KR" sz="2200">
-                <a:solidFill>
-                  <a:schemeClr val="bg1"/>
-                </a:solidFill>
-              </a:rPr>
+            <a:endParaRPr lang="en-US" altLang="ko-KR" sz="2400"/>
+          </a:p>
+          <a:p>
+            <a:pPr marL="0" indent="0">
+              <a:buNone/>
+            </a:pPr>
+            <a:r>
+              <a:rPr lang="en-US" altLang="ko-KR" sz="2400"/>
               <a:t>	//</a:t>
             </a:r>
             <a:r>
-              <a:rPr lang="ko-KR" altLang="en-US" sz="2200">
-                <a:solidFill>
-                  <a:schemeClr val="bg1"/>
-                </a:solidFill>
-              </a:rPr>
+              <a:rPr lang="ko-KR" altLang="en-US" sz="2400"/>
               <a:t>실행할 코드</a:t>
             </a:r>
-            <a:endParaRPr lang="en-US" altLang="ko-KR" sz="2200">
-              <a:solidFill>
-                <a:schemeClr val="bg1"/>
-              </a:solidFill>
-            </a:endParaRPr>
-          </a:p>
-          <a:p>
-            <a:pPr marL="0" indent="0">
-              <a:buNone/>
-            </a:pPr>
-            <a:r>
-              <a:rPr lang="en-US" altLang="ko-KR" sz="2200">
-                <a:solidFill>
-                  <a:schemeClr val="bg1"/>
-                </a:solidFill>
-              </a:rPr>
+            <a:endParaRPr lang="en-US" altLang="ko-KR" sz="2400"/>
+          </a:p>
+          <a:p>
+            <a:pPr marL="0" indent="0">
+              <a:buNone/>
+            </a:pPr>
+            <a:r>
+              <a:rPr lang="en-US" altLang="ko-KR" sz="2400"/>
               <a:t>}</a:t>
             </a:r>
-            <a:endParaRPr lang="ko-KR" altLang="en-US" sz="2200">
-              <a:solidFill>
-                <a:schemeClr val="bg1"/>
-              </a:solidFill>
-            </a:endParaRPr>
+            <a:endParaRPr lang="ko-KR" altLang="en-US" sz="2400"/>
           </a:p>
         </p:txBody>
       </p:sp>
@@ -15502,7 +15644,7 @@
     </p:extLst>
   </p:cSld>
   <p:clrMapOvr>
-    <a:overrideClrMapping bg1="dk1" tx1="lt1" bg2="dk2" tx2="lt2" accent1="accent1" accent2="accent2" accent3="accent3" accent4="accent4" accent5="accent5" accent6="accent6" hlink="hlink" folHlink="folHlink"/>
+    <a:masterClrMapping/>
   </p:clrMapOvr>
 </p:sld>
 </file>

--- a/c# 스터디 2주 차.pptx
+++ b/c# 스터디 2주 차.pptx
@@ -2809,7 +2809,7 @@
           <a:p>
             <a:fld id="{2065E873-D5DC-484B-8E24-C588B60C8C93}" type="datetimeFigureOut">
               <a:rPr lang="ko-KR" altLang="en-US" smtClean="0"/>
-              <a:t>2020-03-30</a:t>
+              <a:t>2020-04-10</a:t>
             </a:fld>
             <a:endParaRPr lang="ko-KR" altLang="en-US"/>
           </a:p>
@@ -3007,7 +3007,7 @@
           <a:p>
             <a:fld id="{2065E873-D5DC-484B-8E24-C588B60C8C93}" type="datetimeFigureOut">
               <a:rPr lang="ko-KR" altLang="en-US" smtClean="0"/>
-              <a:t>2020-03-30</a:t>
+              <a:t>2020-04-10</a:t>
             </a:fld>
             <a:endParaRPr lang="ko-KR" altLang="en-US"/>
           </a:p>
@@ -3215,7 +3215,7 @@
           <a:p>
             <a:fld id="{2065E873-D5DC-484B-8E24-C588B60C8C93}" type="datetimeFigureOut">
               <a:rPr lang="ko-KR" altLang="en-US" smtClean="0"/>
-              <a:t>2020-03-30</a:t>
+              <a:t>2020-04-10</a:t>
             </a:fld>
             <a:endParaRPr lang="ko-KR" altLang="en-US"/>
           </a:p>
@@ -3413,7 +3413,7 @@
           <a:p>
             <a:fld id="{2065E873-D5DC-484B-8E24-C588B60C8C93}" type="datetimeFigureOut">
               <a:rPr lang="ko-KR" altLang="en-US" smtClean="0"/>
-              <a:t>2020-03-30</a:t>
+              <a:t>2020-04-10</a:t>
             </a:fld>
             <a:endParaRPr lang="ko-KR" altLang="en-US"/>
           </a:p>
@@ -3688,7 +3688,7 @@
           <a:p>
             <a:fld id="{2065E873-D5DC-484B-8E24-C588B60C8C93}" type="datetimeFigureOut">
               <a:rPr lang="ko-KR" altLang="en-US" smtClean="0"/>
-              <a:t>2020-03-30</a:t>
+              <a:t>2020-04-10</a:t>
             </a:fld>
             <a:endParaRPr lang="ko-KR" altLang="en-US"/>
           </a:p>
@@ -3953,7 +3953,7 @@
           <a:p>
             <a:fld id="{2065E873-D5DC-484B-8E24-C588B60C8C93}" type="datetimeFigureOut">
               <a:rPr lang="ko-KR" altLang="en-US" smtClean="0"/>
-              <a:t>2020-03-30</a:t>
+              <a:t>2020-04-10</a:t>
             </a:fld>
             <a:endParaRPr lang="ko-KR" altLang="en-US"/>
           </a:p>
@@ -4365,7 +4365,7 @@
           <a:p>
             <a:fld id="{2065E873-D5DC-484B-8E24-C588B60C8C93}" type="datetimeFigureOut">
               <a:rPr lang="ko-KR" altLang="en-US" smtClean="0"/>
-              <a:t>2020-03-30</a:t>
+              <a:t>2020-04-10</a:t>
             </a:fld>
             <a:endParaRPr lang="ko-KR" altLang="en-US"/>
           </a:p>
@@ -4506,7 +4506,7 @@
           <a:p>
             <a:fld id="{2065E873-D5DC-484B-8E24-C588B60C8C93}" type="datetimeFigureOut">
               <a:rPr lang="ko-KR" altLang="en-US" smtClean="0"/>
-              <a:t>2020-03-30</a:t>
+              <a:t>2020-04-10</a:t>
             </a:fld>
             <a:endParaRPr lang="ko-KR" altLang="en-US"/>
           </a:p>
@@ -4619,7 +4619,7 @@
           <a:p>
             <a:fld id="{2065E873-D5DC-484B-8E24-C588B60C8C93}" type="datetimeFigureOut">
               <a:rPr lang="ko-KR" altLang="en-US" smtClean="0"/>
-              <a:t>2020-03-30</a:t>
+              <a:t>2020-04-10</a:t>
             </a:fld>
             <a:endParaRPr lang="ko-KR" altLang="en-US"/>
           </a:p>
@@ -4930,7 +4930,7 @@
           <a:p>
             <a:fld id="{2065E873-D5DC-484B-8E24-C588B60C8C93}" type="datetimeFigureOut">
               <a:rPr lang="ko-KR" altLang="en-US" smtClean="0"/>
-              <a:t>2020-03-30</a:t>
+              <a:t>2020-04-10</a:t>
             </a:fld>
             <a:endParaRPr lang="ko-KR" altLang="en-US"/>
           </a:p>
@@ -5218,7 +5218,7 @@
           <a:p>
             <a:fld id="{2065E873-D5DC-484B-8E24-C588B60C8C93}" type="datetimeFigureOut">
               <a:rPr lang="ko-KR" altLang="en-US" smtClean="0"/>
-              <a:t>2020-03-30</a:t>
+              <a:t>2020-04-10</a:t>
             </a:fld>
             <a:endParaRPr lang="ko-KR" altLang="en-US"/>
           </a:p>
@@ -5459,7 +5459,7 @@
           <a:p>
             <a:fld id="{2065E873-D5DC-484B-8E24-C588B60C8C93}" type="datetimeFigureOut">
               <a:rPr lang="ko-KR" altLang="en-US" smtClean="0"/>
-              <a:t>2020-03-30</a:t>
+              <a:t>2020-04-10</a:t>
             </a:fld>
             <a:endParaRPr lang="ko-KR" altLang="en-US"/>
           </a:p>
@@ -9558,7 +9558,7 @@
         </p:spPr>
         <p:txBody>
           <a:bodyPr anchor="ctr">
-            <a:normAutofit/>
+            <a:normAutofit lnSpcReduction="10000"/>
           </a:bodyPr>
           <a:lstStyle/>
           <a:p>
@@ -9566,117 +9566,166 @@
               <a:buAutoNum type="arabicPeriod"/>
             </a:pPr>
             <a:r>
-              <a:rPr lang="ko-KR" altLang="en-US" sz="2400"/>
-              <a:t>전주 추가 문제 풀이</a:t>
-            </a:r>
-            <a:endParaRPr lang="en-US" altLang="ko-KR" sz="2400"/>
+              <a:rPr lang="en-US" altLang="ko-KR" sz="2400" dirty="0"/>
+              <a:t>1</a:t>
+            </a:r>
+            <a:r>
+              <a:rPr lang="ko-KR" altLang="en-US" sz="2400" dirty="0"/>
+              <a:t>주 차 문제 풀이</a:t>
+            </a:r>
+            <a:endParaRPr lang="en-US" altLang="ko-KR" sz="2400" dirty="0"/>
           </a:p>
           <a:p>
             <a:pPr marL="457200" indent="-457200">
               <a:buAutoNum type="arabicPeriod"/>
             </a:pPr>
-            <a:endParaRPr lang="en-US" altLang="ko-KR" sz="2400"/>
-          </a:p>
-          <a:p>
-            <a:pPr marL="0" indent="0">
-              <a:buNone/>
-            </a:pPr>
-            <a:r>
-              <a:rPr lang="en-US" altLang="ko-KR" sz="2400"/>
+            <a:endParaRPr lang="en-US" altLang="ko-KR" sz="2400" dirty="0"/>
+          </a:p>
+          <a:p>
+            <a:pPr marL="0" indent="0">
+              <a:buNone/>
+            </a:pPr>
+            <a:r>
+              <a:rPr lang="en-US" altLang="ko-KR" sz="2400" dirty="0"/>
               <a:t>2. </a:t>
             </a:r>
             <a:r>
-              <a:rPr lang="ko-KR" altLang="en-US" sz="2400"/>
-              <a:t>분기문 </a:t>
-            </a:r>
-            <a:r>
-              <a:rPr lang="en-US" altLang="ko-KR" sz="2400"/>
+              <a:rPr lang="ko-KR" altLang="en-US" sz="2400" dirty="0" err="1"/>
+              <a:t>분기문</a:t>
+            </a:r>
+            <a:r>
+              <a:rPr lang="ko-KR" altLang="en-US" sz="2400" dirty="0"/>
+              <a:t> </a:t>
+            </a:r>
+            <a:r>
+              <a:rPr lang="en-US" altLang="ko-KR" sz="2400" dirty="0"/>
               <a:t>if</a:t>
             </a:r>
             <a:r>
-              <a:rPr lang="ko-KR" altLang="en-US" sz="2400"/>
+              <a:rPr lang="ko-KR" altLang="en-US" sz="2400" dirty="0"/>
               <a:t> 문과 </a:t>
             </a:r>
             <a:r>
-              <a:rPr lang="en-US" altLang="ko-KR" sz="2400"/>
-              <a:t>else ifelse</a:t>
-            </a:r>
-          </a:p>
-          <a:p>
-            <a:pPr marL="0" indent="0">
-              <a:buNone/>
-            </a:pPr>
-            <a:endParaRPr lang="en-US" altLang="ko-KR" sz="2400"/>
-          </a:p>
-          <a:p>
-            <a:pPr marL="0" indent="0">
-              <a:buNone/>
-            </a:pPr>
-            <a:r>
-              <a:rPr lang="en-US" altLang="ko-KR" sz="2400"/>
+              <a:rPr lang="en-US" altLang="ko-KR" sz="2400" dirty="0"/>
+              <a:t>else </a:t>
+            </a:r>
+            <a:r>
+              <a:rPr lang="en-US" altLang="ko-KR" sz="2400" dirty="0" err="1"/>
+              <a:t>ifelse</a:t>
+            </a:r>
+            <a:endParaRPr lang="en-US" altLang="ko-KR" sz="2400" dirty="0"/>
+          </a:p>
+          <a:p>
+            <a:pPr marL="0" indent="0">
+              <a:buNone/>
+            </a:pPr>
+            <a:endParaRPr lang="en-US" altLang="ko-KR" sz="2400" dirty="0"/>
+          </a:p>
+          <a:p>
+            <a:pPr marL="0" indent="0">
+              <a:buNone/>
+            </a:pPr>
+            <a:r>
+              <a:rPr lang="en-US" altLang="ko-KR" sz="2400" dirty="0"/>
               <a:t>3. </a:t>
             </a:r>
             <a:r>
-              <a:rPr lang="ko-KR" altLang="en-US" sz="2400"/>
-              <a:t>반복문 </a:t>
-            </a:r>
-            <a:r>
-              <a:rPr lang="en-US" altLang="ko-KR" sz="2400"/>
+              <a:rPr lang="ko-KR" altLang="en-US" sz="2400" dirty="0" err="1"/>
+              <a:t>반복문</a:t>
+            </a:r>
+            <a:r>
+              <a:rPr lang="ko-KR" altLang="en-US" sz="2400" dirty="0"/>
+              <a:t> </a:t>
+            </a:r>
+            <a:r>
+              <a:rPr lang="en-US" altLang="ko-KR" sz="2400" dirty="0"/>
               <a:t>for, while </a:t>
             </a:r>
             <a:r>
-              <a:rPr lang="ko-KR" altLang="en-US" sz="2400"/>
+              <a:rPr lang="ko-KR" altLang="en-US" sz="2400" dirty="0"/>
               <a:t>문 </a:t>
             </a:r>
-            <a:endParaRPr lang="en-US" altLang="ko-KR" sz="2400"/>
-          </a:p>
-          <a:p>
-            <a:pPr marL="0" indent="0">
-              <a:buNone/>
-            </a:pPr>
-            <a:endParaRPr lang="en-US" altLang="ko-KR" sz="2400"/>
-          </a:p>
-          <a:p>
-            <a:pPr marL="0" indent="0">
-              <a:buNone/>
-            </a:pPr>
-            <a:r>
-              <a:rPr lang="en-US" altLang="ko-KR" sz="2400"/>
+            <a:endParaRPr lang="en-US" altLang="ko-KR" sz="2400" dirty="0"/>
+          </a:p>
+          <a:p>
+            <a:pPr marL="0" indent="0">
+              <a:buNone/>
+            </a:pPr>
+            <a:endParaRPr lang="en-US" altLang="ko-KR" sz="2400" dirty="0"/>
+          </a:p>
+          <a:p>
+            <a:pPr marL="0" indent="0">
+              <a:buNone/>
+            </a:pPr>
+            <a:r>
+              <a:rPr lang="en-US" altLang="ko-KR" sz="2400" dirty="0"/>
               <a:t>4. </a:t>
             </a:r>
             <a:r>
-              <a:rPr lang="ko-KR" altLang="en-US" sz="2400"/>
-              <a:t>점프문 </a:t>
-            </a:r>
-            <a:r>
-              <a:rPr lang="en-US" altLang="ko-KR" sz="2400"/>
-              <a:t>break, continue, goto </a:t>
-            </a:r>
-            <a:r>
-              <a:rPr lang="ko-KR" altLang="en-US" sz="2400"/>
+              <a:rPr lang="ko-KR" altLang="en-US" sz="2400" dirty="0" err="1"/>
+              <a:t>점프문</a:t>
+            </a:r>
+            <a:r>
+              <a:rPr lang="ko-KR" altLang="en-US" sz="2400" dirty="0"/>
+              <a:t> </a:t>
+            </a:r>
+            <a:r>
+              <a:rPr lang="en-US" altLang="ko-KR" sz="2400" dirty="0"/>
+              <a:t>break, continue, </a:t>
+            </a:r>
+            <a:r>
+              <a:rPr lang="en-US" altLang="ko-KR" sz="2400" dirty="0" err="1"/>
+              <a:t>goto</a:t>
+            </a:r>
+            <a:r>
+              <a:rPr lang="en-US" altLang="ko-KR" sz="2400" dirty="0"/>
+              <a:t> </a:t>
+            </a:r>
+            <a:r>
+              <a:rPr lang="ko-KR" altLang="en-US" sz="2400" dirty="0"/>
               <a:t>문</a:t>
             </a:r>
-            <a:endParaRPr lang="en-US" altLang="ko-KR" sz="2400"/>
-          </a:p>
-          <a:p>
-            <a:pPr marL="0" indent="0">
-              <a:buNone/>
-            </a:pPr>
-            <a:endParaRPr lang="en-US" altLang="ko-KR" sz="2400"/>
-          </a:p>
-          <a:p>
-            <a:pPr marL="0" indent="0">
-              <a:buNone/>
-            </a:pPr>
-            <a:r>
-              <a:rPr lang="en-US" altLang="ko-KR" sz="2400"/>
-              <a:t>5.</a:t>
-            </a:r>
-            <a:r>
-              <a:rPr lang="ko-KR" altLang="en-US" sz="2400"/>
+            <a:endParaRPr lang="en-US" altLang="ko-KR" sz="2400" dirty="0"/>
+          </a:p>
+          <a:p>
+            <a:pPr marL="0" indent="0">
+              <a:buNone/>
+            </a:pPr>
+            <a:endParaRPr lang="en-US" altLang="ko-KR" sz="2400" dirty="0"/>
+          </a:p>
+          <a:p>
+            <a:pPr marL="0" indent="0">
+              <a:buNone/>
+            </a:pPr>
+            <a:r>
+              <a:rPr lang="en-US" altLang="ko-KR" sz="2400" dirty="0"/>
+              <a:t>5.switch</a:t>
+            </a:r>
+            <a:r>
+              <a:rPr lang="ko-KR" altLang="en-US" sz="2400" dirty="0"/>
+              <a:t>문</a:t>
+            </a:r>
+            <a:endParaRPr lang="en-US" altLang="ko-KR" sz="2400" dirty="0"/>
+          </a:p>
+          <a:p>
+            <a:pPr marL="0" indent="0">
+              <a:buNone/>
+            </a:pPr>
+            <a:endParaRPr lang="en-US" altLang="ko-KR" sz="2400" dirty="0"/>
+          </a:p>
+          <a:p>
+            <a:pPr marL="0" indent="0">
+              <a:buNone/>
+            </a:pPr>
+            <a:r>
+              <a:rPr lang="en-US" altLang="ko-KR" sz="2400" dirty="0"/>
+              <a:t>6.</a:t>
+            </a:r>
+            <a:r>
+              <a:rPr lang="ko-KR" altLang="en-US" sz="2400" dirty="0"/>
               <a:t>과제</a:t>
             </a:r>
-            <a:endParaRPr lang="en-US" altLang="ko-KR" sz="2400"/>
+            <a:endParaRPr lang="en-US" altLang="ko-KR" sz="2400" dirty="0"/>
           </a:p>
         </p:txBody>
       </p:sp>

--- a/c# 스터디 2주 차.pptx
+++ b/c# 스터디 2주 차.pptx
@@ -2809,7 +2809,7 @@
           <a:p>
             <a:fld id="{2065E873-D5DC-484B-8E24-C588B60C8C93}" type="datetimeFigureOut">
               <a:rPr lang="ko-KR" altLang="en-US" smtClean="0"/>
-              <a:t>2020-04-10</a:t>
+              <a:t>2020-04-18</a:t>
             </a:fld>
             <a:endParaRPr lang="ko-KR" altLang="en-US"/>
           </a:p>
@@ -3007,7 +3007,7 @@
           <a:p>
             <a:fld id="{2065E873-D5DC-484B-8E24-C588B60C8C93}" type="datetimeFigureOut">
               <a:rPr lang="ko-KR" altLang="en-US" smtClean="0"/>
-              <a:t>2020-04-10</a:t>
+              <a:t>2020-04-18</a:t>
             </a:fld>
             <a:endParaRPr lang="ko-KR" altLang="en-US"/>
           </a:p>
@@ -3215,7 +3215,7 @@
           <a:p>
             <a:fld id="{2065E873-D5DC-484B-8E24-C588B60C8C93}" type="datetimeFigureOut">
               <a:rPr lang="ko-KR" altLang="en-US" smtClean="0"/>
-              <a:t>2020-04-10</a:t>
+              <a:t>2020-04-18</a:t>
             </a:fld>
             <a:endParaRPr lang="ko-KR" altLang="en-US"/>
           </a:p>
@@ -3413,7 +3413,7 @@
           <a:p>
             <a:fld id="{2065E873-D5DC-484B-8E24-C588B60C8C93}" type="datetimeFigureOut">
               <a:rPr lang="ko-KR" altLang="en-US" smtClean="0"/>
-              <a:t>2020-04-10</a:t>
+              <a:t>2020-04-18</a:t>
             </a:fld>
             <a:endParaRPr lang="ko-KR" altLang="en-US"/>
           </a:p>
@@ -3688,7 +3688,7 @@
           <a:p>
             <a:fld id="{2065E873-D5DC-484B-8E24-C588B60C8C93}" type="datetimeFigureOut">
               <a:rPr lang="ko-KR" altLang="en-US" smtClean="0"/>
-              <a:t>2020-04-10</a:t>
+              <a:t>2020-04-18</a:t>
             </a:fld>
             <a:endParaRPr lang="ko-KR" altLang="en-US"/>
           </a:p>
@@ -3953,7 +3953,7 @@
           <a:p>
             <a:fld id="{2065E873-D5DC-484B-8E24-C588B60C8C93}" type="datetimeFigureOut">
               <a:rPr lang="ko-KR" altLang="en-US" smtClean="0"/>
-              <a:t>2020-04-10</a:t>
+              <a:t>2020-04-18</a:t>
             </a:fld>
             <a:endParaRPr lang="ko-KR" altLang="en-US"/>
           </a:p>
@@ -4365,7 +4365,7 @@
           <a:p>
             <a:fld id="{2065E873-D5DC-484B-8E24-C588B60C8C93}" type="datetimeFigureOut">
               <a:rPr lang="ko-KR" altLang="en-US" smtClean="0"/>
-              <a:t>2020-04-10</a:t>
+              <a:t>2020-04-18</a:t>
             </a:fld>
             <a:endParaRPr lang="ko-KR" altLang="en-US"/>
           </a:p>
@@ -4506,7 +4506,7 @@
           <a:p>
             <a:fld id="{2065E873-D5DC-484B-8E24-C588B60C8C93}" type="datetimeFigureOut">
               <a:rPr lang="ko-KR" altLang="en-US" smtClean="0"/>
-              <a:t>2020-04-10</a:t>
+              <a:t>2020-04-18</a:t>
             </a:fld>
             <a:endParaRPr lang="ko-KR" altLang="en-US"/>
           </a:p>
@@ -4619,7 +4619,7 @@
           <a:p>
             <a:fld id="{2065E873-D5DC-484B-8E24-C588B60C8C93}" type="datetimeFigureOut">
               <a:rPr lang="ko-KR" altLang="en-US" smtClean="0"/>
-              <a:t>2020-04-10</a:t>
+              <a:t>2020-04-18</a:t>
             </a:fld>
             <a:endParaRPr lang="ko-KR" altLang="en-US"/>
           </a:p>
@@ -4930,7 +4930,7 @@
           <a:p>
             <a:fld id="{2065E873-D5DC-484B-8E24-C588B60C8C93}" type="datetimeFigureOut">
               <a:rPr lang="ko-KR" altLang="en-US" smtClean="0"/>
-              <a:t>2020-04-10</a:t>
+              <a:t>2020-04-18</a:t>
             </a:fld>
             <a:endParaRPr lang="ko-KR" altLang="en-US"/>
           </a:p>
@@ -5218,7 +5218,7 @@
           <a:p>
             <a:fld id="{2065E873-D5DC-484B-8E24-C588B60C8C93}" type="datetimeFigureOut">
               <a:rPr lang="ko-KR" altLang="en-US" smtClean="0"/>
-              <a:t>2020-04-10</a:t>
+              <a:t>2020-04-18</a:t>
             </a:fld>
             <a:endParaRPr lang="ko-KR" altLang="en-US"/>
           </a:p>
@@ -5459,7 +5459,7 @@
           <a:p>
             <a:fld id="{2065E873-D5DC-484B-8E24-C588B60C8C93}" type="datetimeFigureOut">
               <a:rPr lang="ko-KR" altLang="en-US" smtClean="0"/>
-              <a:t>2020-04-10</a:t>
+              <a:t>2020-04-18</a:t>
             </a:fld>
             <a:endParaRPr lang="ko-KR" altLang="en-US"/>
           </a:p>
@@ -8296,53 +8296,53 @@
               <a:buNone/>
             </a:pPr>
             <a:r>
-              <a:rPr lang="en-US" altLang="ko-KR" sz="2400"/>
+              <a:rPr lang="en-US" altLang="ko-KR" sz="2400" dirty="0"/>
               <a:t>for</a:t>
             </a:r>
             <a:r>
-              <a:rPr lang="ko-KR" altLang="en-US" sz="2400"/>
+              <a:rPr lang="ko-KR" altLang="en-US" sz="2400" dirty="0"/>
               <a:t>문의 구조는 </a:t>
             </a:r>
             <a:r>
-              <a:rPr lang="en-US" altLang="ko-KR" sz="2400"/>
+              <a:rPr lang="en-US" altLang="ko-KR" sz="2400" dirty="0"/>
               <a:t>while</a:t>
             </a:r>
             <a:r>
-              <a:rPr lang="ko-KR" altLang="en-US" sz="2400"/>
+              <a:rPr lang="ko-KR" altLang="en-US" sz="2400" dirty="0"/>
               <a:t>문 보다 복잡합니다</a:t>
             </a:r>
-            <a:endParaRPr lang="en-US" altLang="ko-KR" sz="2400"/>
-          </a:p>
-          <a:p>
-            <a:pPr marL="0" indent="0">
-              <a:buNone/>
-            </a:pPr>
-            <a:r>
-              <a:rPr lang="en-US" altLang="ko-KR" sz="2400"/>
+            <a:endParaRPr lang="en-US" altLang="ko-KR" sz="2400" dirty="0"/>
+          </a:p>
+          <a:p>
+            <a:pPr marL="0" indent="0">
+              <a:buNone/>
+            </a:pPr>
+            <a:r>
+              <a:rPr lang="en-US" altLang="ko-KR" sz="2400" dirty="0"/>
               <a:t>for(</a:t>
             </a:r>
             <a:r>
-              <a:rPr lang="ko-KR" altLang="en-US" sz="2400"/>
+              <a:rPr lang="ko-KR" altLang="en-US" sz="2400" dirty="0"/>
               <a:t>초기화식</a:t>
             </a:r>
             <a:r>
-              <a:rPr lang="en-US" altLang="ko-KR" sz="2400"/>
+              <a:rPr lang="en-US" altLang="ko-KR" sz="2400" dirty="0"/>
               <a:t>; </a:t>
             </a:r>
             <a:r>
-              <a:rPr lang="ko-KR" altLang="en-US" sz="2400"/>
+              <a:rPr lang="ko-KR" altLang="en-US" sz="2400" dirty="0"/>
               <a:t>조건식</a:t>
             </a:r>
             <a:r>
-              <a:rPr lang="en-US" altLang="ko-KR" sz="2400"/>
+              <a:rPr lang="en-US" altLang="ko-KR" sz="2400" dirty="0"/>
               <a:t>; </a:t>
             </a:r>
             <a:r>
-              <a:rPr lang="ko-KR" altLang="en-US" sz="2400"/>
+              <a:rPr lang="ko-KR" altLang="en-US" sz="2400" dirty="0" err="1"/>
               <a:t>반복식</a:t>
             </a:r>
             <a:r>
-              <a:rPr lang="en-US" altLang="ko-KR" sz="2400"/>
+              <a:rPr lang="en-US" altLang="ko-KR" sz="2400" dirty="0"/>
               <a:t>)</a:t>
             </a:r>
           </a:p>
@@ -8351,7 +8351,7 @@
               <a:buNone/>
             </a:pPr>
             <a:r>
-              <a:rPr lang="en-US" altLang="ko-KR" sz="2400"/>
+              <a:rPr lang="en-US" altLang="ko-KR" sz="2400" dirty="0"/>
               <a:t>{</a:t>
             </a:r>
           </a:p>
@@ -8360,24 +8360,24 @@
               <a:buNone/>
             </a:pPr>
             <a:r>
-              <a:rPr lang="en-US" altLang="ko-KR" sz="2400"/>
+              <a:rPr lang="en-US" altLang="ko-KR" sz="2400" dirty="0"/>
               <a:t>	//</a:t>
             </a:r>
             <a:r>
-              <a:rPr lang="ko-KR" altLang="en-US" sz="2400"/>
+              <a:rPr lang="ko-KR" altLang="en-US" sz="2400" dirty="0"/>
               <a:t>반복 실행할 코드</a:t>
             </a:r>
-            <a:endParaRPr lang="en-US" altLang="ko-KR" sz="2400"/>
-          </a:p>
-          <a:p>
-            <a:pPr marL="0" indent="0">
-              <a:buNone/>
-            </a:pPr>
-            <a:r>
-              <a:rPr lang="en-US" altLang="ko-KR" sz="2400"/>
+            <a:endParaRPr lang="en-US" altLang="ko-KR" sz="2400" dirty="0"/>
+          </a:p>
+          <a:p>
+            <a:pPr marL="0" indent="0">
+              <a:buNone/>
+            </a:pPr>
+            <a:r>
+              <a:rPr lang="en-US" altLang="ko-KR" sz="2400" dirty="0"/>
               <a:t>}</a:t>
             </a:r>
-            <a:endParaRPr lang="ko-KR" altLang="en-US" sz="2400"/>
+            <a:endParaRPr lang="ko-KR" altLang="en-US" sz="2400" dirty="0"/>
           </a:p>
         </p:txBody>
       </p:sp>
@@ -10360,21 +10360,21 @@
               <a:buNone/>
             </a:pPr>
             <a:r>
-              <a:rPr lang="en-US" altLang="ko-KR" sz="2400"/>
+              <a:rPr lang="en-US" altLang="ko-KR" sz="2400" dirty="0"/>
               <a:t>break</a:t>
             </a:r>
             <a:r>
-              <a:rPr lang="ko-KR" altLang="en-US" sz="2400"/>
+              <a:rPr lang="ko-KR" altLang="en-US" sz="2400" dirty="0"/>
               <a:t>는 영어의 뜻처럼 실행중인 반복문을 중단하는데 사용됩니다</a:t>
             </a:r>
-            <a:endParaRPr lang="en-US" altLang="ko-KR" sz="2400"/>
-          </a:p>
-          <a:p>
-            <a:pPr marL="0" indent="0">
-              <a:buNone/>
-            </a:pPr>
-            <a:r>
-              <a:rPr lang="en-US" altLang="ko-KR" sz="2400"/>
+            <a:endParaRPr lang="en-US" altLang="ko-KR" sz="2400" dirty="0"/>
+          </a:p>
+          <a:p>
+            <a:pPr marL="0" indent="0">
+              <a:buNone/>
+            </a:pPr>
+            <a:r>
+              <a:rPr lang="en-US" altLang="ko-KR" sz="2400" dirty="0"/>
               <a:t>while(true)</a:t>
             </a:r>
           </a:p>
@@ -10383,7 +10383,7 @@
               <a:buNone/>
             </a:pPr>
             <a:r>
-              <a:rPr lang="en-US" altLang="ko-KR" sz="2400"/>
+              <a:rPr lang="en-US" altLang="ko-KR" sz="2400" dirty="0"/>
               <a:t>{</a:t>
             </a:r>
           </a:p>
@@ -10392,15 +10392,15 @@
               <a:buNone/>
             </a:pPr>
             <a:r>
-              <a:rPr lang="en-US" altLang="ko-KR" sz="2400"/>
+              <a:rPr lang="en-US" altLang="ko-KR" sz="2400" dirty="0"/>
               <a:t>	if(</a:t>
             </a:r>
             <a:r>
-              <a:rPr lang="ko-KR" altLang="en-US" sz="2400"/>
+              <a:rPr lang="ko-KR" altLang="en-US" sz="2400" dirty="0"/>
               <a:t>조건식</a:t>
             </a:r>
             <a:r>
-              <a:rPr lang="en-US" altLang="ko-KR" sz="2400"/>
+              <a:rPr lang="en-US" altLang="ko-KR" sz="2400" dirty="0"/>
               <a:t>)break;</a:t>
             </a:r>
           </a:p>
@@ -10409,7 +10409,7 @@
               <a:buNone/>
             </a:pPr>
             <a:r>
-              <a:rPr lang="en-US" altLang="ko-KR" sz="2400"/>
+              <a:rPr lang="en-US" altLang="ko-KR" sz="2400" dirty="0"/>
               <a:t>}</a:t>
             </a:r>
           </a:p>
@@ -10666,40 +10666,68 @@
               <a:buNone/>
             </a:pPr>
             <a:r>
-              <a:rPr lang="ko-KR" altLang="en-US" sz="2400"/>
-              <a:t>점프문 </a:t>
-            </a:r>
-            <a:r>
-              <a:rPr lang="en-US" altLang="ko-KR" sz="2400"/>
+              <a:rPr lang="ko-KR" altLang="en-US" sz="2400" dirty="0" err="1"/>
+              <a:t>점프문</a:t>
+            </a:r>
+            <a:r>
+              <a:rPr lang="ko-KR" altLang="en-US" sz="2400" dirty="0"/>
+              <a:t> </a:t>
+            </a:r>
+            <a:r>
+              <a:rPr lang="en-US" altLang="ko-KR" sz="2400" dirty="0"/>
               <a:t>continue</a:t>
             </a:r>
             <a:r>
-              <a:rPr lang="ko-KR" altLang="en-US" sz="2400"/>
+              <a:rPr lang="ko-KR" altLang="en-US" sz="2400" dirty="0"/>
               <a:t>는 반복문을 한 회 건너뛰어 계속 수행합니다</a:t>
             </a:r>
-            <a:endParaRPr lang="en-US" altLang="ko-KR" sz="2400"/>
-          </a:p>
-          <a:p>
-            <a:pPr marL="0" indent="0">
-              <a:buNone/>
-            </a:pPr>
-            <a:endParaRPr lang="en-US" altLang="ko-KR" sz="2400"/>
-          </a:p>
-          <a:p>
-            <a:pPr marL="0" indent="0">
-              <a:buNone/>
-            </a:pPr>
-            <a:r>
-              <a:rPr lang="en-US" altLang="ko-KR" sz="2400"/>
-              <a:t>for(int i=0; i&lt; 10; i++)</a:t>
-            </a:r>
-          </a:p>
-          <a:p>
-            <a:pPr marL="0" indent="0">
-              <a:buNone/>
-            </a:pPr>
-            <a:r>
-              <a:rPr lang="en-US" altLang="ko-KR" sz="2400"/>
+            <a:endParaRPr lang="en-US" altLang="ko-KR" sz="2400" dirty="0"/>
+          </a:p>
+          <a:p>
+            <a:pPr marL="0" indent="0">
+              <a:buNone/>
+            </a:pPr>
+            <a:endParaRPr lang="en-US" altLang="ko-KR" sz="2400" dirty="0"/>
+          </a:p>
+          <a:p>
+            <a:pPr marL="0" indent="0">
+              <a:buNone/>
+            </a:pPr>
+            <a:r>
+              <a:rPr lang="en-US" altLang="ko-KR" sz="2400" dirty="0"/>
+              <a:t>for(int </a:t>
+            </a:r>
+            <a:r>
+              <a:rPr lang="en-US" altLang="ko-KR" sz="2400" dirty="0" err="1"/>
+              <a:t>i</a:t>
+            </a:r>
+            <a:r>
+              <a:rPr lang="en-US" altLang="ko-KR" sz="2400" dirty="0"/>
+              <a:t>=0; </a:t>
+            </a:r>
+            <a:r>
+              <a:rPr lang="en-US" altLang="ko-KR" sz="2400" dirty="0" err="1"/>
+              <a:t>i</a:t>
+            </a:r>
+            <a:r>
+              <a:rPr lang="en-US" altLang="ko-KR" sz="2400" dirty="0"/>
+              <a:t>&lt; 10; </a:t>
+            </a:r>
+            <a:r>
+              <a:rPr lang="en-US" altLang="ko-KR" sz="2400" dirty="0" err="1"/>
+              <a:t>i</a:t>
+            </a:r>
+            <a:r>
+              <a:rPr lang="en-US" altLang="ko-KR" sz="2400" dirty="0"/>
+              <a:t>++)</a:t>
+            </a:r>
+          </a:p>
+          <a:p>
+            <a:pPr marL="0" indent="0">
+              <a:buNone/>
+            </a:pPr>
+            <a:r>
+              <a:rPr lang="en-US" altLang="ko-KR" sz="2400" dirty="0"/>
               <a:t>{</a:t>
             </a:r>
           </a:p>
@@ -10708,25 +10736,49 @@
               <a:buNone/>
             </a:pPr>
             <a:r>
-              <a:rPr lang="en-US" altLang="ko-KR" sz="2400"/>
-              <a:t>	if(i == 5)continue;</a:t>
-            </a:r>
-          </a:p>
-          <a:p>
-            <a:pPr marL="0" indent="0">
-              <a:buNone/>
-            </a:pPr>
-            <a:r>
-              <a:rPr lang="en-US" altLang="ko-KR" sz="2400"/>
-              <a:t>	Console.WriteLine(i);</a:t>
-            </a:r>
-          </a:p>
-          <a:p>
-            <a:pPr marL="0" indent="0">
-              <a:buNone/>
-            </a:pPr>
-            <a:r>
-              <a:rPr lang="en-US" altLang="ko-KR" sz="2400"/>
+              <a:rPr lang="en-US" altLang="ko-KR" sz="2400" dirty="0"/>
+              <a:t>	if(</a:t>
+            </a:r>
+            <a:r>
+              <a:rPr lang="en-US" altLang="ko-KR" sz="2400" dirty="0" err="1"/>
+              <a:t>i</a:t>
+            </a:r>
+            <a:r>
+              <a:rPr lang="en-US" altLang="ko-KR" sz="2400" dirty="0"/>
+              <a:t> == 5)continue;</a:t>
+            </a:r>
+          </a:p>
+          <a:p>
+            <a:pPr marL="0" indent="0">
+              <a:buNone/>
+            </a:pPr>
+            <a:r>
+              <a:rPr lang="en-US" altLang="ko-KR" sz="2400" dirty="0"/>
+              <a:t>	</a:t>
+            </a:r>
+            <a:r>
+              <a:rPr lang="en-US" altLang="ko-KR" sz="2400" dirty="0" err="1"/>
+              <a:t>Console.WriteLine</a:t>
+            </a:r>
+            <a:r>
+              <a:rPr lang="en-US" altLang="ko-KR" sz="2400" dirty="0"/>
+              <a:t>(</a:t>
+            </a:r>
+            <a:r>
+              <a:rPr lang="en-US" altLang="ko-KR" sz="2400" dirty="0" err="1"/>
+              <a:t>i</a:t>
+            </a:r>
+            <a:r>
+              <a:rPr lang="en-US" altLang="ko-KR" sz="2400" dirty="0"/>
+              <a:t>);</a:t>
+            </a:r>
+          </a:p>
+          <a:p>
+            <a:pPr marL="0" indent="0">
+              <a:buNone/>
+            </a:pPr>
+            <a:r>
+              <a:rPr lang="en-US" altLang="ko-KR" sz="2400" dirty="0"/>
               <a:t>}</a:t>
             </a:r>
           </a:p>
@@ -12404,17 +12456,29 @@
               <a:buNone/>
             </a:pPr>
             <a:r>
-              <a:rPr lang="ko-KR" altLang="en-US" sz="2400"/>
-              <a:t>다음 코드의 출력값을 서술하시오</a:t>
-            </a:r>
-            <a:endParaRPr lang="en-US" altLang="ko-KR" sz="2400"/>
-          </a:p>
-          <a:p>
-            <a:pPr marL="0" indent="0">
-              <a:buNone/>
-            </a:pPr>
-            <a:r>
-              <a:rPr lang="en-US" altLang="ko-KR" sz="2400"/>
+              <a:rPr lang="ko-KR" altLang="en-US" sz="2400" dirty="0"/>
+              <a:t>다음 코드의 </a:t>
+            </a:r>
+            <a:r>
+              <a:rPr lang="ko-KR" altLang="en-US" sz="2400" dirty="0" err="1"/>
+              <a:t>출력값을</a:t>
+            </a:r>
+            <a:r>
+              <a:rPr lang="ko-KR" altLang="en-US" sz="2400" dirty="0"/>
+              <a:t> </a:t>
+            </a:r>
+            <a:r>
+              <a:rPr lang="ko-KR" altLang="en-US" sz="2400" dirty="0" err="1"/>
+              <a:t>서술하시오</a:t>
+            </a:r>
+            <a:endParaRPr lang="en-US" altLang="ko-KR" sz="2400" dirty="0"/>
+          </a:p>
+          <a:p>
+            <a:pPr marL="0" indent="0">
+              <a:buNone/>
+            </a:pPr>
+            <a:r>
+              <a:rPr lang="en-US" altLang="ko-KR" sz="2400" dirty="0"/>
               <a:t>int a = 0;</a:t>
             </a:r>
           </a:p>
@@ -12423,7 +12487,7 @@
               <a:buNone/>
             </a:pPr>
             <a:r>
-              <a:rPr lang="en-US" altLang="ko-KR" sz="2400"/>
+              <a:rPr lang="en-US" altLang="ko-KR" sz="2400" dirty="0"/>
               <a:t>            while(1 &gt; 0)</a:t>
             </a:r>
           </a:p>
@@ -12432,11 +12496,11 @@
               <a:buNone/>
             </a:pPr>
             <a:r>
-              <a:rPr lang="ko-KR" altLang="en-US" sz="2400"/>
+              <a:rPr lang="ko-KR" altLang="en-US" sz="2400" dirty="0"/>
               <a:t>            </a:t>
             </a:r>
             <a:r>
-              <a:rPr lang="en-US" altLang="ko-KR" sz="2400"/>
+              <a:rPr lang="en-US" altLang="ko-KR" sz="2400" dirty="0"/>
               <a:t>{</a:t>
             </a:r>
           </a:p>
@@ -12445,16 +12509,24 @@
               <a:buNone/>
             </a:pPr>
             <a:r>
-              <a:rPr lang="en-US" altLang="ko-KR" sz="2400"/>
-              <a:t>                Console.WriteLine(a++);</a:t>
-            </a:r>
-          </a:p>
-          <a:p>
-            <a:pPr marL="0" indent="0">
-              <a:buNone/>
-            </a:pPr>
-            <a:r>
-              <a:rPr lang="en-US" altLang="ko-KR" sz="2400"/>
+              <a:rPr lang="en-US" altLang="ko-KR" sz="2400" dirty="0"/>
+              <a:t>                </a:t>
+            </a:r>
+            <a:r>
+              <a:rPr lang="en-US" altLang="ko-KR" sz="2400" dirty="0" err="1"/>
+              <a:t>Console.WriteLine</a:t>
+            </a:r>
+            <a:r>
+              <a:rPr lang="en-US" altLang="ko-KR" sz="2400" dirty="0"/>
+              <a:t>(a++);</a:t>
+            </a:r>
+          </a:p>
+          <a:p>
+            <a:pPr marL="0" indent="0">
+              <a:buNone/>
+            </a:pPr>
+            <a:r>
+              <a:rPr lang="en-US" altLang="ko-KR" sz="2400" dirty="0"/>
               <a:t>                if (a &gt; 10) break;</a:t>
             </a:r>
           </a:p>
@@ -12463,14 +12535,14 @@
               <a:buNone/>
             </a:pPr>
             <a:r>
-              <a:rPr lang="ko-KR" altLang="en-US" sz="2400"/>
+              <a:rPr lang="ko-KR" altLang="en-US" sz="2400" dirty="0"/>
               <a:t>            </a:t>
             </a:r>
             <a:r>
-              <a:rPr lang="en-US" altLang="ko-KR" sz="2400"/>
+              <a:rPr lang="en-US" altLang="ko-KR" sz="2400" dirty="0"/>
               <a:t>}</a:t>
             </a:r>
-            <a:endParaRPr lang="ko-KR" altLang="en-US" sz="2400"/>
+            <a:endParaRPr lang="ko-KR" altLang="en-US" sz="2400" dirty="0"/>
           </a:p>
         </p:txBody>
       </p:sp>
@@ -12595,7 +12667,7 @@
         </p:nvSpPr>
         <p:spPr>
           <a:xfrm>
-            <a:off x="838200" y="963877"/>
+            <a:off x="802948" y="963877"/>
             <a:ext cx="3494362" cy="4930246"/>
           </a:xfrm>
         </p:spPr>
@@ -12717,26 +12789,54 @@
               <a:buNone/>
             </a:pPr>
             <a:r>
-              <a:rPr lang="ko-KR" altLang="en-US" sz="2400"/>
-              <a:t>다음 코드의 출력값을 서술하시오</a:t>
-            </a:r>
-            <a:endParaRPr lang="en-US" altLang="ko-KR" sz="2400"/>
-          </a:p>
-          <a:p>
-            <a:pPr marL="0" indent="0">
-              <a:buNone/>
-            </a:pPr>
-            <a:r>
-              <a:rPr lang="en-US" altLang="ko-KR" sz="2400"/>
-              <a:t>for(int i=1; i&lt;10;i++)</a:t>
-            </a:r>
-          </a:p>
-          <a:p>
-            <a:pPr marL="0" indent="0">
-              <a:buNone/>
-            </a:pPr>
-            <a:r>
-              <a:rPr lang="en-US" altLang="ko-KR" sz="2400"/>
+              <a:rPr lang="ko-KR" altLang="en-US" sz="2400" dirty="0"/>
+              <a:t>다음 코드의 </a:t>
+            </a:r>
+            <a:r>
+              <a:rPr lang="ko-KR" altLang="en-US" sz="2400" dirty="0" err="1"/>
+              <a:t>출력값을</a:t>
+            </a:r>
+            <a:r>
+              <a:rPr lang="ko-KR" altLang="en-US" sz="2400" dirty="0"/>
+              <a:t> </a:t>
+            </a:r>
+            <a:r>
+              <a:rPr lang="ko-KR" altLang="en-US" sz="2400" dirty="0" err="1"/>
+              <a:t>서술하시오</a:t>
+            </a:r>
+            <a:endParaRPr lang="en-US" altLang="ko-KR" sz="2400" dirty="0"/>
+          </a:p>
+          <a:p>
+            <a:pPr marL="0" indent="0">
+              <a:buNone/>
+            </a:pPr>
+            <a:r>
+              <a:rPr lang="en-US" altLang="ko-KR" sz="2400" dirty="0"/>
+              <a:t>for(int </a:t>
+            </a:r>
+            <a:r>
+              <a:rPr lang="en-US" altLang="ko-KR" sz="2400" dirty="0" err="1"/>
+              <a:t>i</a:t>
+            </a:r>
+            <a:r>
+              <a:rPr lang="en-US" altLang="ko-KR" sz="2400" dirty="0"/>
+              <a:t>=1; </a:t>
+            </a:r>
+            <a:r>
+              <a:rPr lang="en-US" altLang="ko-KR" sz="2400" dirty="0" err="1"/>
+              <a:t>i</a:t>
+            </a:r>
+            <a:r>
+              <a:rPr lang="en-US" altLang="ko-KR" sz="2400" dirty="0"/>
+              <a:t>&lt;10;i++)</a:t>
+            </a:r>
+          </a:p>
+          <a:p>
+            <a:pPr marL="0" indent="0">
+              <a:buNone/>
+            </a:pPr>
+            <a:r>
+              <a:rPr lang="en-US" altLang="ko-KR" sz="2400" dirty="0"/>
               <a:t>{</a:t>
             </a:r>
           </a:p>
@@ -12745,16 +12845,32 @@
               <a:buNone/>
             </a:pPr>
             <a:r>
-              <a:rPr lang="en-US" altLang="ko-KR" sz="2400"/>
-              <a:t>	for(int j=0; j&lt;i; j++)</a:t>
-            </a:r>
-          </a:p>
-          <a:p>
-            <a:pPr marL="0" indent="0">
-              <a:buNone/>
-            </a:pPr>
-            <a:r>
-              <a:rPr lang="en-US" altLang="ko-KR" sz="2400"/>
+              <a:rPr lang="en-US" altLang="ko-KR" sz="2400" dirty="0"/>
+              <a:t>	for(int j=0; j&lt;</a:t>
+            </a:r>
+            <a:r>
+              <a:rPr lang="en-US" altLang="ko-KR" sz="2400" dirty="0" err="1"/>
+              <a:t>i</a:t>
+            </a:r>
+            <a:r>
+              <a:rPr lang="en-US" altLang="ko-KR" sz="2400" dirty="0"/>
+              <a:t>; </a:t>
+            </a:r>
+            <a:r>
+              <a:rPr lang="en-US" altLang="ko-KR" sz="2400" dirty="0" err="1"/>
+              <a:t>j++</a:t>
+            </a:r>
+            <a:r>
+              <a:rPr lang="en-US" altLang="ko-KR" sz="2400" dirty="0"/>
+              <a:t>)</a:t>
+            </a:r>
+          </a:p>
+          <a:p>
+            <a:pPr marL="0" indent="0">
+              <a:buNone/>
+            </a:pPr>
+            <a:r>
+              <a:rPr lang="en-US" altLang="ko-KR" sz="2400" dirty="0"/>
               <a:t>	{</a:t>
             </a:r>
           </a:p>
@@ -12763,16 +12879,24 @@
               <a:buNone/>
             </a:pPr>
             <a:r>
-              <a:rPr lang="en-US" altLang="ko-KR" sz="2400"/>
-              <a:t>		Console.Write(“*”);</a:t>
-            </a:r>
-          </a:p>
-          <a:p>
-            <a:pPr marL="0" indent="0">
-              <a:buNone/>
-            </a:pPr>
-            <a:r>
-              <a:rPr lang="en-US" altLang="ko-KR" sz="2400"/>
+              <a:rPr lang="en-US" altLang="ko-KR" sz="2400" dirty="0"/>
+              <a:t>		</a:t>
+            </a:r>
+            <a:r>
+              <a:rPr lang="en-US" altLang="ko-KR" sz="2400" dirty="0" err="1"/>
+              <a:t>Console.Write</a:t>
+            </a:r>
+            <a:r>
+              <a:rPr lang="en-US" altLang="ko-KR" sz="2400" dirty="0"/>
+              <a:t>(“*”);</a:t>
+            </a:r>
+          </a:p>
+          <a:p>
+            <a:pPr marL="0" indent="0">
+              <a:buNone/>
+            </a:pPr>
+            <a:r>
+              <a:rPr lang="en-US" altLang="ko-KR" sz="2400" dirty="0"/>
               <a:t>	}</a:t>
             </a:r>
           </a:p>
@@ -12781,19 +12905,27 @@
               <a:buNone/>
             </a:pPr>
             <a:r>
-              <a:rPr lang="en-US" altLang="ko-KR" sz="2400"/>
-              <a:t>	Console.WriteLine();</a:t>
-            </a:r>
-          </a:p>
-          <a:p>
-            <a:pPr marL="0" indent="0">
-              <a:buNone/>
-            </a:pPr>
-            <a:r>
-              <a:rPr lang="en-US" altLang="ko-KR" sz="2400"/>
+              <a:rPr lang="en-US" altLang="ko-KR" sz="2400" dirty="0"/>
+              <a:t>	</a:t>
+            </a:r>
+            <a:r>
+              <a:rPr lang="en-US" altLang="ko-KR" sz="2400" dirty="0" err="1"/>
+              <a:t>Console.WriteLine</a:t>
+            </a:r>
+            <a:r>
+              <a:rPr lang="en-US" altLang="ko-KR" sz="2400" dirty="0"/>
+              <a:t>();</a:t>
+            </a:r>
+          </a:p>
+          <a:p>
+            <a:pPr marL="0" indent="0">
+              <a:buNone/>
+            </a:pPr>
+            <a:r>
+              <a:rPr lang="en-US" altLang="ko-KR" sz="2400" dirty="0"/>
               <a:t>}</a:t>
             </a:r>
-            <a:endParaRPr lang="ko-KR" altLang="en-US" sz="2400"/>
+            <a:endParaRPr lang="ko-KR" altLang="en-US" sz="2400" dirty="0"/>
           </a:p>
         </p:txBody>
       </p:sp>
@@ -13040,9 +13172,14 @@
               <a:buNone/>
             </a:pPr>
             <a:r>
-              <a:rPr lang="ko-KR" altLang="en-US" sz="2400"/>
-              <a:t>짝수 홀수 양수 음수를 나누는 프로그램을 작성하시오</a:t>
-            </a:r>
+              <a:rPr lang="ko-KR" altLang="en-US" sz="2400" dirty="0"/>
+              <a:t>짝수 홀수 양수 음수를 나누는 프로그램을 </a:t>
+            </a:r>
+            <a:r>
+              <a:rPr lang="ko-KR" altLang="en-US" sz="2400" dirty="0" err="1"/>
+              <a:t>작성하시오</a:t>
+            </a:r>
+            <a:endParaRPr lang="ko-KR" altLang="en-US" sz="2400" dirty="0"/>
           </a:p>
         </p:txBody>
       </p:sp>
@@ -14426,7 +14563,7 @@
           <p:nvPr>
             <p:extLst>
               <p:ext uri="{D42A27DB-BD31-4B8C-83A1-F6EECF244321}">
-                <p14:modId xmlns:p14="http://schemas.microsoft.com/office/powerpoint/2010/main" val="127859445"/>
+                <p14:modId xmlns:p14="http://schemas.microsoft.com/office/powerpoint/2010/main" val="4267740268"/>
               </p:ext>
             </p:extLst>
           </p:nvPr>
@@ -14500,10 +14637,10 @@
                     <a:p>
                       <a:pPr latinLnBrk="1"/>
                       <a:r>
-                        <a:rPr lang="en-US" altLang="ko-KR" sz="2500"/>
+                        <a:rPr lang="en-US" altLang="ko-KR" sz="2500" dirty="0"/>
                         <a:t>\’</a:t>
                       </a:r>
-                      <a:endParaRPr lang="ko-KR" altLang="en-US" sz="2500"/>
+                      <a:endParaRPr lang="ko-KR" altLang="en-US" sz="2500" dirty="0"/>
                     </a:p>
                   </a:txBody>
                   <a:tcPr marL="126158" marR="126158" marT="63079" marB="63079"/>
@@ -14536,10 +14673,10 @@
                     <a:p>
                       <a:pPr latinLnBrk="1"/>
                       <a:r>
-                        <a:rPr lang="en-US" altLang="ko-KR" sz="2500"/>
+                        <a:rPr lang="en-US" altLang="ko-KR" sz="2500" dirty="0"/>
                         <a:t>\”</a:t>
                       </a:r>
-                      <a:endParaRPr lang="ko-KR" altLang="en-US" sz="2500"/>
+                      <a:endParaRPr lang="ko-KR" altLang="en-US" sz="2500" dirty="0"/>
                     </a:p>
                   </a:txBody>
                   <a:tcPr marL="126158" marR="126158" marT="63079" marB="63079"/>
@@ -14573,10 +14710,10 @@
                     <a:p>
                       <a:pPr latinLnBrk="1"/>
                       <a:r>
-                        <a:rPr lang="en-US" altLang="ko-KR" sz="2500"/>
+                        <a:rPr lang="en-US" altLang="ko-KR" sz="2500" dirty="0"/>
                         <a:t>\\</a:t>
                       </a:r>
-                      <a:endParaRPr lang="ko-KR" altLang="en-US" sz="2500"/>
+                      <a:endParaRPr lang="ko-KR" altLang="en-US" sz="2500" dirty="0"/>
                     </a:p>
                   </a:txBody>
                   <a:tcPr marL="126158" marR="126158" marT="63079" marB="63079"/>
@@ -14609,10 +14746,10 @@
                     <a:p>
                       <a:pPr latinLnBrk="1"/>
                       <a:r>
-                        <a:rPr lang="en-US" altLang="ko-KR" sz="2500"/>
+                        <a:rPr lang="en-US" altLang="ko-KR" sz="2500" dirty="0"/>
                         <a:t>\0</a:t>
                       </a:r>
-                      <a:endParaRPr lang="ko-KR" altLang="en-US" sz="2500"/>
+                      <a:endParaRPr lang="ko-KR" altLang="en-US" sz="2500" dirty="0"/>
                     </a:p>
                   </a:txBody>
                   <a:tcPr marL="126158" marR="126158" marT="63079" marB="63079"/>
@@ -14646,10 +14783,10 @@
                     <a:p>
                       <a:pPr latinLnBrk="1"/>
                       <a:r>
-                        <a:rPr lang="en-US" altLang="ko-KR" sz="2500"/>
+                        <a:rPr lang="en-US" altLang="ko-KR" sz="2500" dirty="0"/>
                         <a:t>\b</a:t>
                       </a:r>
-                      <a:endParaRPr lang="ko-KR" altLang="en-US" sz="2500"/>
+                      <a:endParaRPr lang="ko-KR" altLang="en-US" sz="2500" dirty="0"/>
                     </a:p>
                   </a:txBody>
                   <a:tcPr marL="126158" marR="126158" marT="63079" marB="63079"/>
@@ -14682,10 +14819,10 @@
                     <a:p>
                       <a:pPr latinLnBrk="1"/>
                       <a:r>
-                        <a:rPr lang="en-US" altLang="ko-KR" sz="2500"/>
+                        <a:rPr lang="en-US" altLang="ko-KR" sz="2500" dirty="0"/>
                         <a:t>\n</a:t>
                       </a:r>
-                      <a:endParaRPr lang="ko-KR" altLang="en-US" sz="2500"/>
+                      <a:endParaRPr lang="ko-KR" altLang="en-US" sz="2500" dirty="0"/>
                     </a:p>
                   </a:txBody>
                   <a:tcPr marL="126158" marR="126158" marT="63079" marB="63079"/>
@@ -14718,10 +14855,10 @@
                     <a:p>
                       <a:pPr latinLnBrk="1"/>
                       <a:r>
-                        <a:rPr lang="en-US" altLang="ko-KR" sz="2500"/>
+                        <a:rPr lang="en-US" altLang="ko-KR" sz="2500" dirty="0"/>
                         <a:t>\t</a:t>
                       </a:r>
-                      <a:endParaRPr lang="ko-KR" altLang="en-US" sz="2500"/>
+                      <a:endParaRPr lang="ko-KR" altLang="en-US" sz="2500" dirty="0"/>
                     </a:p>
                   </a:txBody>
                   <a:tcPr marL="126158" marR="126158" marT="63079" marB="63079"/>
@@ -15936,23 +16073,23 @@
               <a:buNone/>
             </a:pPr>
             <a:r>
-              <a:rPr lang="en-US" altLang="ko-KR" sz="2000"/>
+              <a:rPr lang="en-US" altLang="ko-KR" sz="2000" dirty="0"/>
               <a:t>else</a:t>
             </a:r>
             <a:r>
-              <a:rPr lang="ko-KR" altLang="en-US" sz="2000"/>
+              <a:rPr lang="ko-KR" altLang="en-US" sz="2000" dirty="0"/>
               <a:t>문은 </a:t>
             </a:r>
             <a:r>
-              <a:rPr lang="en-US" altLang="ko-KR" sz="2000"/>
+              <a:rPr lang="en-US" altLang="ko-KR" sz="2000" dirty="0"/>
               <a:t>if</a:t>
             </a:r>
             <a:r>
-              <a:rPr lang="ko-KR" altLang="en-US" sz="2000"/>
+              <a:rPr lang="ko-KR" altLang="en-US" sz="2000" dirty="0"/>
               <a:t>문에 해당하지 않을 때 실행 할 코드를 만들 수 있다</a:t>
             </a:r>
             <a:r>
-              <a:rPr lang="en-US" altLang="ko-KR" sz="2000"/>
+              <a:rPr lang="en-US" altLang="ko-KR" sz="2000" dirty="0"/>
               <a:t>.</a:t>
             </a:r>
           </a:p>
@@ -15961,15 +16098,15 @@
               <a:buNone/>
             </a:pPr>
             <a:r>
-              <a:rPr lang="en-US" altLang="ko-KR" sz="2000"/>
+              <a:rPr lang="en-US" altLang="ko-KR" sz="2000" dirty="0"/>
               <a:t>If(</a:t>
             </a:r>
             <a:r>
-              <a:rPr lang="ko-KR" altLang="en-US" sz="2000"/>
+              <a:rPr lang="ko-KR" altLang="en-US" sz="2000" dirty="0" err="1"/>
               <a:t>조건문</a:t>
             </a:r>
             <a:r>
-              <a:rPr lang="en-US" altLang="ko-KR" sz="2000"/>
+              <a:rPr lang="en-US" altLang="ko-KR" sz="2000" dirty="0"/>
               <a:t>)</a:t>
             </a:r>
           </a:p>
@@ -15978,7 +16115,7 @@
               <a:buNone/>
             </a:pPr>
             <a:r>
-              <a:rPr lang="en-US" altLang="ko-KR" sz="2000"/>
+              <a:rPr lang="en-US" altLang="ko-KR" sz="2000" dirty="0"/>
               <a:t>{</a:t>
             </a:r>
           </a:p>
@@ -15987,21 +16124,21 @@
               <a:buNone/>
             </a:pPr>
             <a:r>
-              <a:rPr lang="en-US" altLang="ko-KR" sz="2000"/>
+              <a:rPr lang="en-US" altLang="ko-KR" sz="2000" dirty="0"/>
               <a:t>	//</a:t>
             </a:r>
             <a:r>
-              <a:rPr lang="ko-KR" altLang="en-US" sz="2000"/>
+              <a:rPr lang="ko-KR" altLang="en-US" sz="2000" dirty="0"/>
               <a:t>실행 할 코드</a:t>
             </a:r>
-            <a:endParaRPr lang="en-US" altLang="ko-KR" sz="2000"/>
-          </a:p>
-          <a:p>
-            <a:pPr marL="0" indent="0">
-              <a:buNone/>
-            </a:pPr>
-            <a:r>
-              <a:rPr lang="en-US" altLang="ko-KR" sz="2000"/>
+            <a:endParaRPr lang="en-US" altLang="ko-KR" sz="2000" dirty="0"/>
+          </a:p>
+          <a:p>
+            <a:pPr marL="0" indent="0">
+              <a:buNone/>
+            </a:pPr>
+            <a:r>
+              <a:rPr lang="en-US" altLang="ko-KR" sz="2000" dirty="0"/>
               <a:t>}</a:t>
             </a:r>
           </a:p>
@@ -16010,7 +16147,7 @@
               <a:buNone/>
             </a:pPr>
             <a:r>
-              <a:rPr lang="en-US" altLang="ko-KR" sz="2000"/>
+              <a:rPr lang="en-US" altLang="ko-KR" sz="2000" dirty="0"/>
               <a:t>else</a:t>
             </a:r>
           </a:p>
@@ -16019,7 +16156,7 @@
               <a:buNone/>
             </a:pPr>
             <a:r>
-              <a:rPr lang="en-US" altLang="ko-KR" sz="2000"/>
+              <a:rPr lang="en-US" altLang="ko-KR" sz="2000" dirty="0"/>
               <a:t>{</a:t>
             </a:r>
           </a:p>
@@ -16028,35 +16165,35 @@
               <a:buNone/>
             </a:pPr>
             <a:r>
-              <a:rPr lang="en-US" altLang="ko-KR" sz="2000"/>
+              <a:rPr lang="en-US" altLang="ko-KR" sz="2000" dirty="0"/>
               <a:t>	//</a:t>
             </a:r>
             <a:r>
-              <a:rPr lang="ko-KR" altLang="en-US" sz="2000"/>
+              <a:rPr lang="ko-KR" altLang="en-US" sz="2000" dirty="0"/>
               <a:t>조건문이 틀릴 때</a:t>
             </a:r>
-            <a:endParaRPr lang="en-US" altLang="ko-KR" sz="2000"/>
-          </a:p>
-          <a:p>
-            <a:pPr marL="0" indent="0">
-              <a:buNone/>
-            </a:pPr>
-            <a:r>
-              <a:rPr lang="en-US" altLang="ko-KR" sz="2000"/>
+            <a:endParaRPr lang="en-US" altLang="ko-KR" sz="2000" dirty="0"/>
+          </a:p>
+          <a:p>
+            <a:pPr marL="0" indent="0">
+              <a:buNone/>
+            </a:pPr>
+            <a:r>
+              <a:rPr lang="en-US" altLang="ko-KR" sz="2000" dirty="0"/>
               <a:t>	//</a:t>
             </a:r>
             <a:r>
-              <a:rPr lang="ko-KR" altLang="en-US" sz="2000"/>
+              <a:rPr lang="ko-KR" altLang="en-US" sz="2000" dirty="0"/>
               <a:t>실행 할 코드</a:t>
             </a:r>
-            <a:endParaRPr lang="en-US" altLang="ko-KR" sz="2000"/>
-          </a:p>
-          <a:p>
-            <a:pPr marL="0" indent="0">
-              <a:buNone/>
-            </a:pPr>
-            <a:r>
-              <a:rPr lang="en-US" altLang="ko-KR" sz="2000"/>
+            <a:endParaRPr lang="en-US" altLang="ko-KR" sz="2000" dirty="0"/>
+          </a:p>
+          <a:p>
+            <a:pPr marL="0" indent="0">
+              <a:buNone/>
+            </a:pPr>
+            <a:r>
+              <a:rPr lang="en-US" altLang="ko-KR" sz="2000" dirty="0"/>
               <a:t>}</a:t>
             </a:r>
           </a:p>
@@ -16065,7 +16202,7 @@
               <a:buNone/>
             </a:pPr>
             <a:r>
-              <a:rPr lang="ko-KR" altLang="en-US" sz="2000"/>
+              <a:rPr lang="ko-KR" altLang="en-US" sz="2000" dirty="0"/>
               <a:t> </a:t>
             </a:r>
           </a:p>
